--- a/cs534L-AdaptiveDescent.pptx
+++ b/cs534L-AdaptiveDescent.pptx
@@ -4,16 +4,35 @@
   <p:sldMasterIdLst>
     <p:sldMasterId id="2147483648" r:id="rId1"/>
   </p:sldMasterIdLst>
+  <p:notesMasterIdLst>
+    <p:notesMasterId r:id="rId27"/>
+  </p:notesMasterIdLst>
   <p:sldIdLst>
     <p:sldId id="256" r:id="rId2"/>
-    <p:sldId id="260" r:id="rId3"/>
-    <p:sldId id="261" r:id="rId4"/>
-    <p:sldId id="259" r:id="rId5"/>
-    <p:sldId id="262" r:id="rId6"/>
-    <p:sldId id="263" r:id="rId7"/>
-    <p:sldId id="257" r:id="rId8"/>
-    <p:sldId id="264" r:id="rId9"/>
-    <p:sldId id="258" r:id="rId10"/>
+    <p:sldId id="275" r:id="rId3"/>
+    <p:sldId id="260" r:id="rId4"/>
+    <p:sldId id="277" r:id="rId5"/>
+    <p:sldId id="271" r:id="rId6"/>
+    <p:sldId id="274" r:id="rId7"/>
+    <p:sldId id="261" r:id="rId8"/>
+    <p:sldId id="262" r:id="rId9"/>
+    <p:sldId id="273" r:id="rId10"/>
+    <p:sldId id="259" r:id="rId11"/>
+    <p:sldId id="263" r:id="rId12"/>
+    <p:sldId id="267" r:id="rId13"/>
+    <p:sldId id="278" r:id="rId14"/>
+    <p:sldId id="269" r:id="rId15"/>
+    <p:sldId id="266" r:id="rId16"/>
+    <p:sldId id="268" r:id="rId17"/>
+    <p:sldId id="270" r:id="rId18"/>
+    <p:sldId id="272" r:id="rId19"/>
+    <p:sldId id="257" r:id="rId20"/>
+    <p:sldId id="264" r:id="rId21"/>
+    <p:sldId id="279" r:id="rId22"/>
+    <p:sldId id="280" r:id="rId23"/>
+    <p:sldId id="265" r:id="rId24"/>
+    <p:sldId id="258" r:id="rId25"/>
+    <p:sldId id="281" r:id="rId26"/>
   </p:sldIdLst>
   <p:sldSz cx="12192000" cy="6858000"/>
   <p:notesSz cx="6858000" cy="9144000"/>
@@ -120,6 +139,440 @@
 </p:presentation>
 </file>
 
+<file path=ppt/notesMasters/notesMaster1.xml><?xml version="1.0" encoding="utf-8"?>
+<p:notesMaster xmlns:a="http://schemas.openxmlformats.org/drawingml/2006/main" xmlns:r="http://schemas.openxmlformats.org/officeDocument/2006/relationships" xmlns:p="http://schemas.openxmlformats.org/presentationml/2006/main">
+  <p:cSld>
+    <p:bg>
+      <p:bgRef idx="1001">
+        <a:schemeClr val="bg1"/>
+      </p:bgRef>
+    </p:bg>
+    <p:spTree>
+      <p:nvGrpSpPr>
+        <p:cNvPr id="1" name=""/>
+        <p:cNvGrpSpPr/>
+        <p:nvPr/>
+      </p:nvGrpSpPr>
+      <p:grpSpPr>
+        <a:xfrm>
+          <a:off x="0" y="0"/>
+          <a:ext cx="0" cy="0"/>
+          <a:chOff x="0" y="0"/>
+          <a:chExt cx="0" cy="0"/>
+        </a:xfrm>
+      </p:grpSpPr>
+      <p:sp>
+        <p:nvSpPr>
+          <p:cNvPr id="2" name="Header Placeholder 1"/>
+          <p:cNvSpPr>
+            <a:spLocks noGrp="1"/>
+          </p:cNvSpPr>
+          <p:nvPr>
+            <p:ph type="hdr" sz="quarter"/>
+          </p:nvPr>
+        </p:nvSpPr>
+        <p:spPr>
+          <a:xfrm>
+            <a:off x="0" y="0"/>
+            <a:ext cx="2971800" cy="458788"/>
+          </a:xfrm>
+          <a:prstGeom prst="rect">
+            <a:avLst/>
+          </a:prstGeom>
+        </p:spPr>
+        <p:txBody>
+          <a:bodyPr vert="horz" lIns="91440" tIns="45720" rIns="91440" bIns="45720" rtlCol="0"/>
+          <a:lstStyle>
+            <a:lvl1pPr algn="l">
+              <a:defRPr sz="1200"/>
+            </a:lvl1pPr>
+          </a:lstStyle>
+          <a:p>
+            <a:endParaRPr lang="en-CA"/>
+          </a:p>
+        </p:txBody>
+      </p:sp>
+      <p:sp>
+        <p:nvSpPr>
+          <p:cNvPr id="3" name="Date Placeholder 2"/>
+          <p:cNvSpPr>
+            <a:spLocks noGrp="1"/>
+          </p:cNvSpPr>
+          <p:nvPr>
+            <p:ph type="dt" idx="1"/>
+          </p:nvPr>
+        </p:nvSpPr>
+        <p:spPr>
+          <a:xfrm>
+            <a:off x="3884613" y="0"/>
+            <a:ext cx="2971800" cy="458788"/>
+          </a:xfrm>
+          <a:prstGeom prst="rect">
+            <a:avLst/>
+          </a:prstGeom>
+        </p:spPr>
+        <p:txBody>
+          <a:bodyPr vert="horz" lIns="91440" tIns="45720" rIns="91440" bIns="45720" rtlCol="0"/>
+          <a:lstStyle>
+            <a:lvl1pPr algn="r">
+              <a:defRPr sz="1200"/>
+            </a:lvl1pPr>
+          </a:lstStyle>
+          <a:p>
+            <a:fld id="{845A2C65-5BA6-4AA3-9DB7-02415806CF40}" type="datetimeFigureOut">
+              <a:rPr lang="en-CA" smtClean="0"/>
+              <a:t>2014-11-27</a:t>
+            </a:fld>
+            <a:endParaRPr lang="en-CA"/>
+          </a:p>
+        </p:txBody>
+      </p:sp>
+      <p:sp>
+        <p:nvSpPr>
+          <p:cNvPr id="4" name="Slide Image Placeholder 3"/>
+          <p:cNvSpPr>
+            <a:spLocks noGrp="1" noRot="1" noChangeAspect="1"/>
+          </p:cNvSpPr>
+          <p:nvPr>
+            <p:ph type="sldImg" idx="2"/>
+          </p:nvPr>
+        </p:nvSpPr>
+        <p:spPr>
+          <a:xfrm>
+            <a:off x="685800" y="1143000"/>
+            <a:ext cx="5486400" cy="3086100"/>
+          </a:xfrm>
+          <a:prstGeom prst="rect">
+            <a:avLst/>
+          </a:prstGeom>
+          <a:noFill/>
+          <a:ln w="12700">
+            <a:solidFill>
+              <a:prstClr val="black"/>
+            </a:solidFill>
+          </a:ln>
+        </p:spPr>
+        <p:txBody>
+          <a:bodyPr vert="horz" lIns="91440" tIns="45720" rIns="91440" bIns="45720" rtlCol="0" anchor="ctr"/>
+          <a:lstStyle/>
+          <a:p>
+            <a:endParaRPr lang="en-CA"/>
+          </a:p>
+        </p:txBody>
+      </p:sp>
+      <p:sp>
+        <p:nvSpPr>
+          <p:cNvPr id="5" name="Notes Placeholder 4"/>
+          <p:cNvSpPr>
+            <a:spLocks noGrp="1"/>
+          </p:cNvSpPr>
+          <p:nvPr>
+            <p:ph type="body" sz="quarter" idx="3"/>
+          </p:nvPr>
+        </p:nvSpPr>
+        <p:spPr>
+          <a:xfrm>
+            <a:off x="685800" y="4400550"/>
+            <a:ext cx="5486400" cy="3600450"/>
+          </a:xfrm>
+          <a:prstGeom prst="rect">
+            <a:avLst/>
+          </a:prstGeom>
+        </p:spPr>
+        <p:txBody>
+          <a:bodyPr vert="horz" lIns="91440" tIns="45720" rIns="91440" bIns="45720" rtlCol="0"/>
+          <a:lstStyle/>
+          <a:p>
+            <a:pPr lvl="0"/>
+            <a:r>
+              <a:rPr lang="en-US" smtClean="0"/>
+              <a:t>Click to edit Master text styles</a:t>
+            </a:r>
+          </a:p>
+          <a:p>
+            <a:pPr lvl="1"/>
+            <a:r>
+              <a:rPr lang="en-US" smtClean="0"/>
+              <a:t>Second level</a:t>
+            </a:r>
+          </a:p>
+          <a:p>
+            <a:pPr lvl="2"/>
+            <a:r>
+              <a:rPr lang="en-US" smtClean="0"/>
+              <a:t>Third level</a:t>
+            </a:r>
+          </a:p>
+          <a:p>
+            <a:pPr lvl="3"/>
+            <a:r>
+              <a:rPr lang="en-US" smtClean="0"/>
+              <a:t>Fourth level</a:t>
+            </a:r>
+          </a:p>
+          <a:p>
+            <a:pPr lvl="4"/>
+            <a:r>
+              <a:rPr lang="en-US" smtClean="0"/>
+              <a:t>Fifth level</a:t>
+            </a:r>
+            <a:endParaRPr lang="en-CA"/>
+          </a:p>
+        </p:txBody>
+      </p:sp>
+      <p:sp>
+        <p:nvSpPr>
+          <p:cNvPr id="6" name="Footer Placeholder 5"/>
+          <p:cNvSpPr>
+            <a:spLocks noGrp="1"/>
+          </p:cNvSpPr>
+          <p:nvPr>
+            <p:ph type="ftr" sz="quarter" idx="4"/>
+          </p:nvPr>
+        </p:nvSpPr>
+        <p:spPr>
+          <a:xfrm>
+            <a:off x="0" y="8685213"/>
+            <a:ext cx="2971800" cy="458787"/>
+          </a:xfrm>
+          <a:prstGeom prst="rect">
+            <a:avLst/>
+          </a:prstGeom>
+        </p:spPr>
+        <p:txBody>
+          <a:bodyPr vert="horz" lIns="91440" tIns="45720" rIns="91440" bIns="45720" rtlCol="0" anchor="b"/>
+          <a:lstStyle>
+            <a:lvl1pPr algn="l">
+              <a:defRPr sz="1200"/>
+            </a:lvl1pPr>
+          </a:lstStyle>
+          <a:p>
+            <a:endParaRPr lang="en-CA"/>
+          </a:p>
+        </p:txBody>
+      </p:sp>
+      <p:sp>
+        <p:nvSpPr>
+          <p:cNvPr id="7" name="Slide Number Placeholder 6"/>
+          <p:cNvSpPr>
+            <a:spLocks noGrp="1"/>
+          </p:cNvSpPr>
+          <p:nvPr>
+            <p:ph type="sldNum" sz="quarter" idx="5"/>
+          </p:nvPr>
+        </p:nvSpPr>
+        <p:spPr>
+          <a:xfrm>
+            <a:off x="3884613" y="8685213"/>
+            <a:ext cx="2971800" cy="458787"/>
+          </a:xfrm>
+          <a:prstGeom prst="rect">
+            <a:avLst/>
+          </a:prstGeom>
+        </p:spPr>
+        <p:txBody>
+          <a:bodyPr vert="horz" lIns="91440" tIns="45720" rIns="91440" bIns="45720" rtlCol="0" anchor="b"/>
+          <a:lstStyle>
+            <a:lvl1pPr algn="r">
+              <a:defRPr sz="1200"/>
+            </a:lvl1pPr>
+          </a:lstStyle>
+          <a:p>
+            <a:fld id="{02C6C926-792E-42D2-9E38-7534B4A33C18}" type="slidenum">
+              <a:rPr lang="en-CA" smtClean="0"/>
+              <a:t>‹#›</a:t>
+            </a:fld>
+            <a:endParaRPr lang="en-CA"/>
+          </a:p>
+        </p:txBody>
+      </p:sp>
+    </p:spTree>
+    <p:extLst>
+      <p:ext uri="{BB962C8B-B14F-4D97-AF65-F5344CB8AC3E}">
+        <p14:creationId xmlns:p14="http://schemas.microsoft.com/office/powerpoint/2010/main" val="3958541791"/>
+      </p:ext>
+    </p:extLst>
+  </p:cSld>
+  <p:clrMap bg1="lt1" tx1="dk1" bg2="lt2" tx2="dk2" accent1="accent1" accent2="accent2" accent3="accent3" accent4="accent4" accent5="accent5" accent6="accent6" hlink="hlink" folHlink="folHlink"/>
+  <p:notesStyle>
+    <a:lvl1pPr marL="0" algn="l" defTabSz="914400" rtl="0" eaLnBrk="1" latinLnBrk="0" hangingPunct="1">
+      <a:defRPr sz="1200" kern="1200">
+        <a:solidFill>
+          <a:schemeClr val="tx1"/>
+        </a:solidFill>
+        <a:latin typeface="+mn-lt"/>
+        <a:ea typeface="+mn-ea"/>
+        <a:cs typeface="+mn-cs"/>
+      </a:defRPr>
+    </a:lvl1pPr>
+    <a:lvl2pPr marL="457200" algn="l" defTabSz="914400" rtl="0" eaLnBrk="1" latinLnBrk="0" hangingPunct="1">
+      <a:defRPr sz="1200" kern="1200">
+        <a:solidFill>
+          <a:schemeClr val="tx1"/>
+        </a:solidFill>
+        <a:latin typeface="+mn-lt"/>
+        <a:ea typeface="+mn-ea"/>
+        <a:cs typeface="+mn-cs"/>
+      </a:defRPr>
+    </a:lvl2pPr>
+    <a:lvl3pPr marL="914400" algn="l" defTabSz="914400" rtl="0" eaLnBrk="1" latinLnBrk="0" hangingPunct="1">
+      <a:defRPr sz="1200" kern="1200">
+        <a:solidFill>
+          <a:schemeClr val="tx1"/>
+        </a:solidFill>
+        <a:latin typeface="+mn-lt"/>
+        <a:ea typeface="+mn-ea"/>
+        <a:cs typeface="+mn-cs"/>
+      </a:defRPr>
+    </a:lvl3pPr>
+    <a:lvl4pPr marL="1371600" algn="l" defTabSz="914400" rtl="0" eaLnBrk="1" latinLnBrk="0" hangingPunct="1">
+      <a:defRPr sz="1200" kern="1200">
+        <a:solidFill>
+          <a:schemeClr val="tx1"/>
+        </a:solidFill>
+        <a:latin typeface="+mn-lt"/>
+        <a:ea typeface="+mn-ea"/>
+        <a:cs typeface="+mn-cs"/>
+      </a:defRPr>
+    </a:lvl4pPr>
+    <a:lvl5pPr marL="1828800" algn="l" defTabSz="914400" rtl="0" eaLnBrk="1" latinLnBrk="0" hangingPunct="1">
+      <a:defRPr sz="1200" kern="1200">
+        <a:solidFill>
+          <a:schemeClr val="tx1"/>
+        </a:solidFill>
+        <a:latin typeface="+mn-lt"/>
+        <a:ea typeface="+mn-ea"/>
+        <a:cs typeface="+mn-cs"/>
+      </a:defRPr>
+    </a:lvl5pPr>
+    <a:lvl6pPr marL="2286000" algn="l" defTabSz="914400" rtl="0" eaLnBrk="1" latinLnBrk="0" hangingPunct="1">
+      <a:defRPr sz="1200" kern="1200">
+        <a:solidFill>
+          <a:schemeClr val="tx1"/>
+        </a:solidFill>
+        <a:latin typeface="+mn-lt"/>
+        <a:ea typeface="+mn-ea"/>
+        <a:cs typeface="+mn-cs"/>
+      </a:defRPr>
+    </a:lvl6pPr>
+    <a:lvl7pPr marL="2743200" algn="l" defTabSz="914400" rtl="0" eaLnBrk="1" latinLnBrk="0" hangingPunct="1">
+      <a:defRPr sz="1200" kern="1200">
+        <a:solidFill>
+          <a:schemeClr val="tx1"/>
+        </a:solidFill>
+        <a:latin typeface="+mn-lt"/>
+        <a:ea typeface="+mn-ea"/>
+        <a:cs typeface="+mn-cs"/>
+      </a:defRPr>
+    </a:lvl7pPr>
+    <a:lvl8pPr marL="3200400" algn="l" defTabSz="914400" rtl="0" eaLnBrk="1" latinLnBrk="0" hangingPunct="1">
+      <a:defRPr sz="1200" kern="1200">
+        <a:solidFill>
+          <a:schemeClr val="tx1"/>
+        </a:solidFill>
+        <a:latin typeface="+mn-lt"/>
+        <a:ea typeface="+mn-ea"/>
+        <a:cs typeface="+mn-cs"/>
+      </a:defRPr>
+    </a:lvl8pPr>
+    <a:lvl9pPr marL="3657600" algn="l" defTabSz="914400" rtl="0" eaLnBrk="1" latinLnBrk="0" hangingPunct="1">
+      <a:defRPr sz="1200" kern="1200">
+        <a:solidFill>
+          <a:schemeClr val="tx1"/>
+        </a:solidFill>
+        <a:latin typeface="+mn-lt"/>
+        <a:ea typeface="+mn-ea"/>
+        <a:cs typeface="+mn-cs"/>
+      </a:defRPr>
+    </a:lvl9pPr>
+  </p:notesStyle>
+</p:notesMaster>
+</file>
+
+<file path=ppt/notesSlides/notesSlide1.xml><?xml version="1.0" encoding="utf-8"?>
+<p:notes xmlns:a="http://schemas.openxmlformats.org/drawingml/2006/main" xmlns:r="http://schemas.openxmlformats.org/officeDocument/2006/relationships" xmlns:p="http://schemas.openxmlformats.org/presentationml/2006/main">
+  <p:cSld>
+    <p:spTree>
+      <p:nvGrpSpPr>
+        <p:cNvPr id="1" name=""/>
+        <p:cNvGrpSpPr/>
+        <p:nvPr/>
+      </p:nvGrpSpPr>
+      <p:grpSpPr>
+        <a:xfrm>
+          <a:off x="0" y="0"/>
+          <a:ext cx="0" cy="0"/>
+          <a:chOff x="0" y="0"/>
+          <a:chExt cx="0" cy="0"/>
+        </a:xfrm>
+      </p:grpSpPr>
+      <p:sp>
+        <p:nvSpPr>
+          <p:cNvPr id="2" name="Slide Image Placeholder 1"/>
+          <p:cNvSpPr>
+            <a:spLocks noGrp="1" noRot="1" noChangeAspect="1"/>
+          </p:cNvSpPr>
+          <p:nvPr>
+            <p:ph type="sldImg"/>
+          </p:nvPr>
+        </p:nvSpPr>
+        <p:spPr/>
+      </p:sp>
+      <p:sp>
+        <p:nvSpPr>
+          <p:cNvPr id="3" name="Notes Placeholder 2"/>
+          <p:cNvSpPr>
+            <a:spLocks noGrp="1"/>
+          </p:cNvSpPr>
+          <p:nvPr>
+            <p:ph type="body" idx="1"/>
+          </p:nvPr>
+        </p:nvSpPr>
+        <p:spPr/>
+        <p:txBody>
+          <a:bodyPr/>
+          <a:lstStyle/>
+          <a:p>
+            <a:endParaRPr lang="en-CA" dirty="0"/>
+          </a:p>
+        </p:txBody>
+      </p:sp>
+      <p:sp>
+        <p:nvSpPr>
+          <p:cNvPr id="4" name="Slide Number Placeholder 3"/>
+          <p:cNvSpPr>
+            <a:spLocks noGrp="1"/>
+          </p:cNvSpPr>
+          <p:nvPr>
+            <p:ph type="sldNum" sz="quarter" idx="10"/>
+          </p:nvPr>
+        </p:nvSpPr>
+        <p:spPr/>
+        <p:txBody>
+          <a:bodyPr/>
+          <a:lstStyle/>
+          <a:p>
+            <a:fld id="{02C6C926-792E-42D2-9E38-7534B4A33C18}" type="slidenum">
+              <a:rPr lang="en-CA" smtClean="0"/>
+              <a:t>23</a:t>
+            </a:fld>
+            <a:endParaRPr lang="en-CA"/>
+          </a:p>
+        </p:txBody>
+      </p:sp>
+    </p:spTree>
+    <p:extLst>
+      <p:ext uri="{BB962C8B-B14F-4D97-AF65-F5344CB8AC3E}">
+        <p14:creationId xmlns:p14="http://schemas.microsoft.com/office/powerpoint/2010/main" val="2691646838"/>
+      </p:ext>
+    </p:extLst>
+  </p:cSld>
+  <p:clrMapOvr>
+    <a:masterClrMapping/>
+  </p:clrMapOvr>
+</p:notes>
+</file>
+
 <file path=ppt/slideLayouts/slideLayout1.xml><?xml version="1.0" encoding="utf-8"?>
 <p:sldLayout xmlns:a="http://schemas.openxmlformats.org/drawingml/2006/main" xmlns:r="http://schemas.openxmlformats.org/officeDocument/2006/relationships" xmlns:p="http://schemas.openxmlformats.org/presentationml/2006/main" type="title" preserve="1">
   <p:cSld name="Title Slide">
@@ -251,7 +704,7 @@
           <a:p>
             <a:fld id="{F9CF69FF-ACAD-45EB-BD60-0A89BE228B51}" type="datetimeFigureOut">
               <a:rPr lang="en-CA" smtClean="0"/>
-              <a:t>2014-11-26</a:t>
+              <a:t>2014-11-27</a:t>
             </a:fld>
             <a:endParaRPr lang="en-CA"/>
           </a:p>
@@ -421,7 +874,7 @@
           <a:p>
             <a:fld id="{F9CF69FF-ACAD-45EB-BD60-0A89BE228B51}" type="datetimeFigureOut">
               <a:rPr lang="en-CA" smtClean="0"/>
-              <a:t>2014-11-26</a:t>
+              <a:t>2014-11-27</a:t>
             </a:fld>
             <a:endParaRPr lang="en-CA"/>
           </a:p>
@@ -601,7 +1054,7 @@
           <a:p>
             <a:fld id="{F9CF69FF-ACAD-45EB-BD60-0A89BE228B51}" type="datetimeFigureOut">
               <a:rPr lang="en-CA" smtClean="0"/>
-              <a:t>2014-11-26</a:t>
+              <a:t>2014-11-27</a:t>
             </a:fld>
             <a:endParaRPr lang="en-CA"/>
           </a:p>
@@ -771,7 +1224,7 @@
           <a:p>
             <a:fld id="{F9CF69FF-ACAD-45EB-BD60-0A89BE228B51}" type="datetimeFigureOut">
               <a:rPr lang="en-CA" smtClean="0"/>
-              <a:t>2014-11-26</a:t>
+              <a:t>2014-11-27</a:t>
             </a:fld>
             <a:endParaRPr lang="en-CA"/>
           </a:p>
@@ -1017,7 +1470,7 @@
           <a:p>
             <a:fld id="{F9CF69FF-ACAD-45EB-BD60-0A89BE228B51}" type="datetimeFigureOut">
               <a:rPr lang="en-CA" smtClean="0"/>
-              <a:t>2014-11-26</a:t>
+              <a:t>2014-11-27</a:t>
             </a:fld>
             <a:endParaRPr lang="en-CA"/>
           </a:p>
@@ -1249,7 +1702,7 @@
           <a:p>
             <a:fld id="{F9CF69FF-ACAD-45EB-BD60-0A89BE228B51}" type="datetimeFigureOut">
               <a:rPr lang="en-CA" smtClean="0"/>
-              <a:t>2014-11-26</a:t>
+              <a:t>2014-11-27</a:t>
             </a:fld>
             <a:endParaRPr lang="en-CA"/>
           </a:p>
@@ -1616,7 +2069,7 @@
           <a:p>
             <a:fld id="{F9CF69FF-ACAD-45EB-BD60-0A89BE228B51}" type="datetimeFigureOut">
               <a:rPr lang="en-CA" smtClean="0"/>
-              <a:t>2014-11-26</a:t>
+              <a:t>2014-11-27</a:t>
             </a:fld>
             <a:endParaRPr lang="en-CA"/>
           </a:p>
@@ -1734,7 +2187,7 @@
           <a:p>
             <a:fld id="{F9CF69FF-ACAD-45EB-BD60-0A89BE228B51}" type="datetimeFigureOut">
               <a:rPr lang="en-CA" smtClean="0"/>
-              <a:t>2014-11-26</a:t>
+              <a:t>2014-11-27</a:t>
             </a:fld>
             <a:endParaRPr lang="en-CA"/>
           </a:p>
@@ -1829,7 +2282,7 @@
           <a:p>
             <a:fld id="{F9CF69FF-ACAD-45EB-BD60-0A89BE228B51}" type="datetimeFigureOut">
               <a:rPr lang="en-CA" smtClean="0"/>
-              <a:t>2014-11-26</a:t>
+              <a:t>2014-11-27</a:t>
             </a:fld>
             <a:endParaRPr lang="en-CA"/>
           </a:p>
@@ -2106,7 +2559,7 @@
           <a:p>
             <a:fld id="{F9CF69FF-ACAD-45EB-BD60-0A89BE228B51}" type="datetimeFigureOut">
               <a:rPr lang="en-CA" smtClean="0"/>
-              <a:t>2014-11-26</a:t>
+              <a:t>2014-11-27</a:t>
             </a:fld>
             <a:endParaRPr lang="en-CA"/>
           </a:p>
@@ -2359,7 +2812,7 @@
           <a:p>
             <a:fld id="{F9CF69FF-ACAD-45EB-BD60-0A89BE228B51}" type="datetimeFigureOut">
               <a:rPr lang="en-CA" smtClean="0"/>
-              <a:t>2014-11-26</a:t>
+              <a:t>2014-11-27</a:t>
             </a:fld>
             <a:endParaRPr lang="en-CA"/>
           </a:p>
@@ -2572,7 +3025,7 @@
           <a:p>
             <a:fld id="{F9CF69FF-ACAD-45EB-BD60-0A89BE228B51}" type="datetimeFigureOut">
               <a:rPr lang="en-CA" smtClean="0"/>
-              <a:t>2014-11-26</a:t>
+              <a:t>2014-11-27</a:t>
             </a:fld>
             <a:endParaRPr lang="en-CA"/>
           </a:p>
@@ -2989,37 +3442,63 @@
         </p:nvSpPr>
         <p:spPr/>
         <p:txBody>
+          <a:bodyPr>
+            <a:normAutofit fontScale="90000"/>
+          </a:bodyPr>
+          <a:lstStyle/>
+          <a:p>
+            <a:r>
+              <a:rPr lang="en-CA" dirty="0" err="1" smtClean="0"/>
+              <a:t>mixNmatch</a:t>
+            </a:r>
+            <a:r>
+              <a:rPr lang="en-CA" dirty="0" err="1" smtClean="0"/>
+              <a:t>MF</a:t>
+            </a:r>
+            <a:r>
+              <a:rPr lang="en-CA" dirty="0" smtClean="0"/>
+              <a:t> </a:t>
+            </a:r>
+            <a:r>
+              <a:rPr lang="en-CA" dirty="0" smtClean="0"/>
+              <a:t>&amp; Adaptive SAG</a:t>
+            </a:r>
+            <a:br>
+              <a:rPr lang="en-CA" dirty="0" smtClean="0"/>
+            </a:br>
+            <a:r>
+              <a:rPr lang="en-CA" dirty="0" smtClean="0"/>
+              <a:t>in Matrix Factorization</a:t>
+            </a:r>
+            <a:endParaRPr lang="en-CA" dirty="0"/>
+          </a:p>
+        </p:txBody>
+      </p:sp>
+      <p:sp>
+        <p:nvSpPr>
+          <p:cNvPr id="3" name="Subtitle 2"/>
+          <p:cNvSpPr>
+            <a:spLocks noGrp="1"/>
+          </p:cNvSpPr>
+          <p:nvPr>
+            <p:ph type="subTitle" idx="1"/>
+          </p:nvPr>
+        </p:nvSpPr>
+        <p:spPr/>
+        <p:txBody>
           <a:bodyPr/>
           <a:lstStyle/>
           <a:p>
             <a:r>
               <a:rPr lang="en-CA" dirty="0" smtClean="0"/>
-              <a:t>Adaptive Descent/Ascent</a:t>
-            </a:r>
-            <a:endParaRPr lang="en-CA" dirty="0"/>
-          </a:p>
-        </p:txBody>
-      </p:sp>
-      <p:sp>
-        <p:nvSpPr>
-          <p:cNvPr id="3" name="Subtitle 2"/>
-          <p:cNvSpPr>
-            <a:spLocks noGrp="1"/>
-          </p:cNvSpPr>
-          <p:nvPr>
-            <p:ph type="subTitle" idx="1"/>
-          </p:nvPr>
-        </p:nvSpPr>
-        <p:spPr/>
-        <p:txBody>
-          <a:bodyPr/>
-          <a:lstStyle/>
-          <a:p>
-            <a:r>
-              <a:rPr lang="en-CA" dirty="0" smtClean="0"/>
               <a:t>James Lo</a:t>
             </a:r>
-            <a:endParaRPr lang="en-CA" dirty="0"/>
+          </a:p>
+          <a:p>
+            <a:r>
+              <a:rPr lang="en-CA" dirty="0" smtClean="0"/>
+              <a:t>UBC CPSC 534L</a:t>
+            </a:r>
           </a:p>
         </p:txBody>
       </p:sp>
@@ -3043,7 +3522,7 @@
 </p:sld>
 </file>
 
-<file path=ppt/slides/slide2.xml><?xml version="1.0" encoding="utf-8"?>
+<file path=ppt/slides/slide10.xml><?xml version="1.0" encoding="utf-8"?>
 <p:sld xmlns:a="http://schemas.openxmlformats.org/drawingml/2006/main" xmlns:r="http://schemas.openxmlformats.org/officeDocument/2006/relationships" xmlns:p="http://schemas.openxmlformats.org/presentationml/2006/main">
   <p:cSld>
     <p:spTree>
@@ -3078,7 +3557,7 @@
             <a:pPr algn="ctr"/>
             <a:r>
               <a:rPr lang="en-CA" dirty="0" smtClean="0"/>
-              <a:t>Problem: But…</a:t>
+              <a:t>Goals</a:t>
             </a:r>
             <a:endParaRPr lang="en-CA" dirty="0"/>
           </a:p>
@@ -3099,30 +3578,30 @@
           <a:bodyPr/>
           <a:lstStyle/>
           <a:p>
-            <a:r>
-              <a:rPr lang="en-CA" dirty="0" smtClean="0"/>
-              <a:t>Stochastic Gradient Descent: each iteration is quick</a:t>
-            </a:r>
-          </a:p>
-          <a:p>
-            <a:pPr lvl="1"/>
-            <a:r>
-              <a:rPr lang="en-CA" dirty="0" smtClean="0"/>
-              <a:t>But… Error may still be high after convergence</a:t>
-            </a:r>
-          </a:p>
-          <a:p>
-            <a:r>
-              <a:rPr lang="en-CA" dirty="0" smtClean="0"/>
-              <a:t>Gradient Descent: gives lower convergence rate</a:t>
-            </a:r>
-          </a:p>
-          <a:p>
-            <a:pPr lvl="1"/>
-            <a:r>
-              <a:rPr lang="en-CA" dirty="0" smtClean="0"/>
-              <a:t>But… each iteration is slow, has to go thru all the data  </a:t>
-            </a:r>
+            <a:pPr marL="0" indent="0">
+              <a:buNone/>
+            </a:pPr>
+            <a:r>
+              <a:rPr lang="en-CA" dirty="0" smtClean="0"/>
+              <a:t>Design</a:t>
+            </a:r>
+          </a:p>
+          <a:p>
+            <a:r>
+              <a:rPr lang="en-CA" dirty="0"/>
+              <a:t>Minimum engineering cost</a:t>
+            </a:r>
+          </a:p>
+          <a:p>
+            <a:r>
+              <a:rPr lang="en-CA" dirty="0"/>
+              <a:t>Architecture is decoupled.</a:t>
+            </a:r>
+          </a:p>
+          <a:p>
+            <a:endParaRPr lang="en-CA" dirty="0"/>
+          </a:p>
+          <a:p>
             <a:endParaRPr lang="en-CA" dirty="0"/>
           </a:p>
         </p:txBody>
@@ -3130,17 +3609,24 @@
     </p:spTree>
     <p:extLst>
       <p:ext uri="{BB962C8B-B14F-4D97-AF65-F5344CB8AC3E}">
-        <p14:creationId xmlns:p14="http://schemas.microsoft.com/office/powerpoint/2010/main" val="1359493865"/>
+        <p14:creationId xmlns:p14="http://schemas.microsoft.com/office/powerpoint/2010/main" val="3046812420"/>
       </p:ext>
     </p:extLst>
   </p:cSld>
   <p:clrMapOvr>
     <a:masterClrMapping/>
   </p:clrMapOvr>
+  <p:timing>
+    <p:tnLst>
+      <p:par>
+        <p:cTn id="1" dur="indefinite" restart="never" nodeType="tmRoot"/>
+      </p:par>
+    </p:tnLst>
+  </p:timing>
 </p:sld>
 </file>
 
-<file path=ppt/slides/slide3.xml><?xml version="1.0" encoding="utf-8"?>
+<file path=ppt/slides/slide11.xml><?xml version="1.0" encoding="utf-8"?>
 <p:sld xmlns:a="http://schemas.openxmlformats.org/drawingml/2006/main" xmlns:r="http://schemas.openxmlformats.org/officeDocument/2006/relationships" xmlns:p="http://schemas.openxmlformats.org/presentationml/2006/main">
   <p:cSld>
     <p:spTree>
@@ -3174,8 +3660,12 @@
           <a:p>
             <a:pPr algn="ctr"/>
             <a:r>
-              <a:rPr lang="en-CA" dirty="0" smtClean="0"/>
-              <a:t>Hypothesis: can we switch?</a:t>
+              <a:rPr lang="en-CA" dirty="0" err="1"/>
+              <a:t>f</a:t>
+            </a:r>
+            <a:r>
+              <a:rPr lang="en-CA" dirty="0" err="1" smtClean="0"/>
+              <a:t>lexMF</a:t>
             </a:r>
             <a:endParaRPr lang="en-CA" dirty="0"/>
           </a:p>
@@ -3191,11 +3681,46 @@
             <p:ph idx="1"/>
           </p:nvPr>
         </p:nvSpPr>
-        <p:spPr/>
+        <p:spPr>
+          <a:xfrm>
+            <a:off x="838200" y="1835457"/>
+            <a:ext cx="10515600" cy="4351338"/>
+          </a:xfrm>
+        </p:spPr>
         <p:txBody>
           <a:bodyPr/>
           <a:lstStyle/>
           <a:p>
+            <a:r>
+              <a:rPr lang="en-CA" dirty="0" smtClean="0"/>
+              <a:t>Flexible / Extensible framework for Matrix Factorization</a:t>
+            </a:r>
+          </a:p>
+          <a:p>
+            <a:r>
+              <a:rPr lang="en-CA" dirty="0" smtClean="0"/>
+              <a:t>Mix &amp; Match: like a combo or buffet</a:t>
+            </a:r>
+          </a:p>
+          <a:p>
+            <a:r>
+              <a:rPr lang="en-CA" dirty="0" smtClean="0"/>
+              <a:t>Engineering Principles</a:t>
+            </a:r>
+          </a:p>
+          <a:p>
+            <a:pPr lvl="1"/>
+            <a:r>
+              <a:rPr lang="en-CA" dirty="0" smtClean="0"/>
+              <a:t>Open for Extension, Closed for Modification</a:t>
+            </a:r>
+          </a:p>
+          <a:p>
+            <a:pPr lvl="1"/>
+            <a:r>
+              <a:rPr lang="en-CA" dirty="0" smtClean="0"/>
+              <a:t>Decoupled vs. Cohesive</a:t>
+            </a:r>
             <a:endParaRPr lang="en-CA" dirty="0"/>
           </a:p>
         </p:txBody>
@@ -3203,17 +3728,24 @@
     </p:spTree>
     <p:extLst>
       <p:ext uri="{BB962C8B-B14F-4D97-AF65-F5344CB8AC3E}">
-        <p14:creationId xmlns:p14="http://schemas.microsoft.com/office/powerpoint/2010/main" val="1173577598"/>
+        <p14:creationId xmlns:p14="http://schemas.microsoft.com/office/powerpoint/2010/main" val="2777125165"/>
       </p:ext>
     </p:extLst>
   </p:cSld>
   <p:clrMapOvr>
     <a:masterClrMapping/>
   </p:clrMapOvr>
+  <p:timing>
+    <p:tnLst>
+      <p:par>
+        <p:cTn id="1" dur="indefinite" restart="never" nodeType="tmRoot"/>
+      </p:par>
+    </p:tnLst>
+  </p:timing>
 </p:sld>
 </file>
 
-<file path=ppt/slides/slide4.xml><?xml version="1.0" encoding="utf-8"?>
+<file path=ppt/slides/slide12.xml><?xml version="1.0" encoding="utf-8"?>
 <p:sld xmlns:a="http://schemas.openxmlformats.org/drawingml/2006/main" xmlns:r="http://schemas.openxmlformats.org/officeDocument/2006/relationships" xmlns:p="http://schemas.openxmlformats.org/presentationml/2006/main">
   <p:cSld>
     <p:spTree>
@@ -3248,7 +3780,7 @@
             <a:pPr algn="ctr"/>
             <a:r>
               <a:rPr lang="en-CA" dirty="0" smtClean="0"/>
-              <a:t>Design Goals</a:t>
+              <a:t>Getting out of minimum</a:t>
             </a:r>
             <a:endParaRPr lang="en-CA" dirty="0"/>
           </a:p>
@@ -3271,13 +3803,23 @@
           <a:p>
             <a:r>
               <a:rPr lang="en-CA" dirty="0" smtClean="0"/>
-              <a:t>Minimum engineering cost</a:t>
-            </a:r>
-          </a:p>
-          <a:p>
-            <a:r>
-              <a:rPr lang="en-CA" dirty="0" smtClean="0"/>
-              <a:t>Architecture is decoupled.</a:t>
+              <a:t>Momentum</a:t>
+            </a:r>
+          </a:p>
+          <a:p>
+            <a:r>
+              <a:rPr lang="en-CA" dirty="0" smtClean="0"/>
+              <a:t>Reverse direction: Descent </a:t>
+            </a:r>
+            <a:r>
+              <a:rPr lang="en-CA" dirty="0" smtClean="0">
+                <a:sym typeface="Wingdings" panose="05000000000000000000" pitchFamily="2" charset="2"/>
+              </a:rPr>
+              <a:t></a:t>
+            </a:r>
+            <a:r>
+              <a:rPr lang="en-CA" dirty="0" smtClean="0"/>
+              <a:t> Ascent?</a:t>
             </a:r>
             <a:endParaRPr lang="en-CA" dirty="0"/>
           </a:p>
@@ -3286,17 +3828,24 @@
     </p:spTree>
     <p:extLst>
       <p:ext uri="{BB962C8B-B14F-4D97-AF65-F5344CB8AC3E}">
-        <p14:creationId xmlns:p14="http://schemas.microsoft.com/office/powerpoint/2010/main" val="3046812420"/>
+        <p14:creationId xmlns:p14="http://schemas.microsoft.com/office/powerpoint/2010/main" val="2050289283"/>
       </p:ext>
     </p:extLst>
   </p:cSld>
   <p:clrMapOvr>
     <a:masterClrMapping/>
   </p:clrMapOvr>
+  <p:timing>
+    <p:tnLst>
+      <p:par>
+        <p:cTn id="1" dur="indefinite" restart="never" nodeType="tmRoot"/>
+      </p:par>
+    </p:tnLst>
+  </p:timing>
 </p:sld>
 </file>
 
-<file path=ppt/slides/slide5.xml><?xml version="1.0" encoding="utf-8"?>
+<file path=ppt/slides/slide13.xml><?xml version="1.0" encoding="utf-8"?>
 <p:sld xmlns:a="http://schemas.openxmlformats.org/drawingml/2006/main" xmlns:r="http://schemas.openxmlformats.org/officeDocument/2006/relationships" xmlns:p="http://schemas.openxmlformats.org/presentationml/2006/main">
   <p:cSld>
     <p:spTree>
@@ -3331,7 +3880,7 @@
             <a:pPr algn="ctr"/>
             <a:r>
               <a:rPr lang="en-CA" dirty="0" smtClean="0"/>
-              <a:t>Challenges</a:t>
+              <a:t>Implementation</a:t>
             </a:r>
             <a:endParaRPr lang="en-CA" dirty="0"/>
           </a:p>
@@ -3349,27 +3898,155 @@
         </p:nvSpPr>
         <p:spPr/>
         <p:txBody>
-          <a:bodyPr/>
+          <a:bodyPr>
+            <a:normAutofit/>
+          </a:bodyPr>
           <a:lstStyle/>
           <a:p>
-            <a:endParaRPr lang="en-CA"/>
+            <a:r>
+              <a:rPr lang="en-CA" dirty="0" smtClean="0"/>
+              <a:t>Why </a:t>
+            </a:r>
+            <a:r>
+              <a:rPr lang="en-CA" dirty="0" err="1" smtClean="0"/>
+              <a:t>Matlab</a:t>
+            </a:r>
+            <a:r>
+              <a:rPr lang="en-CA" dirty="0" smtClean="0"/>
+              <a:t>?</a:t>
+            </a:r>
+          </a:p>
+          <a:p>
+            <a:pPr lvl="1"/>
+            <a:r>
+              <a:rPr lang="en-CA" dirty="0" smtClean="0"/>
+              <a:t>By default, </a:t>
+            </a:r>
+            <a:r>
+              <a:rPr lang="en-CA" dirty="0" err="1" smtClean="0"/>
+              <a:t>Matlab</a:t>
+            </a:r>
+            <a:r>
+              <a:rPr lang="en-CA" dirty="0" smtClean="0"/>
+              <a:t> has many matrix operators</a:t>
+            </a:r>
+          </a:p>
+          <a:p>
+            <a:pPr lvl="1"/>
+            <a:r>
+              <a:rPr lang="en-CA" dirty="0" smtClean="0"/>
+              <a:t>General </a:t>
+            </a:r>
+            <a:r>
+              <a:rPr lang="en-CA" dirty="0" err="1" smtClean="0"/>
+              <a:t>flexMF</a:t>
+            </a:r>
+            <a:r>
+              <a:rPr lang="en-CA" dirty="0" smtClean="0"/>
+              <a:t> framework has less than 50 lines of </a:t>
+            </a:r>
+            <a:r>
+              <a:rPr lang="en-CA" dirty="0" err="1" smtClean="0"/>
+              <a:t>Matlab</a:t>
+            </a:r>
+            <a:r>
+              <a:rPr lang="en-CA" dirty="0" smtClean="0"/>
+              <a:t> code</a:t>
+            </a:r>
+          </a:p>
+          <a:p>
+            <a:pPr lvl="1"/>
+            <a:r>
+              <a:rPr lang="en-CA" dirty="0" smtClean="0"/>
+              <a:t>Parallel toolbox</a:t>
+            </a:r>
+            <a:r>
+              <a:rPr lang="en-CA" dirty="0"/>
+              <a:t>: </a:t>
+            </a:r>
+            <a:r>
+              <a:rPr lang="en-CA" dirty="0" smtClean="0"/>
+              <a:t>potential for parallelization (</a:t>
+            </a:r>
+            <a:r>
+              <a:rPr lang="en-CA" dirty="0" err="1" smtClean="0"/>
+              <a:t>parafor</a:t>
+            </a:r>
+            <a:r>
+              <a:rPr lang="en-CA" dirty="0" smtClean="0"/>
+              <a:t>, CUDA-enabled GPUs)</a:t>
+            </a:r>
+          </a:p>
+          <a:p>
+            <a:r>
+              <a:rPr lang="en-CA" dirty="0" err="1" smtClean="0"/>
+              <a:t>flexMF</a:t>
+            </a:r>
+            <a:r>
+              <a:rPr lang="en-CA" dirty="0" smtClean="0"/>
+              <a:t> keeps track of (both current &amp; previous) errors &amp; convergence</a:t>
+            </a:r>
+          </a:p>
+          <a:p>
+            <a:r>
+              <a:rPr lang="en-CA" dirty="0" smtClean="0"/>
+              <a:t>Mix &amp; Match (aka Plug &amp; Play): define in options</a:t>
+            </a:r>
+          </a:p>
+          <a:p>
+            <a:pPr lvl="1"/>
+            <a:r>
+              <a:rPr lang="en-CA" dirty="0" smtClean="0"/>
+              <a:t>Objective function: e.g. L2-square loss</a:t>
+            </a:r>
+          </a:p>
+          <a:p>
+            <a:pPr lvl="1"/>
+            <a:r>
+              <a:rPr lang="en-CA" dirty="0" smtClean="0"/>
+              <a:t>Regularization function: e.g. L2-regularization</a:t>
+            </a:r>
+          </a:p>
+          <a:p>
+            <a:pPr lvl="1"/>
+            <a:r>
+              <a:rPr lang="en-CA" dirty="0" smtClean="0"/>
+              <a:t>Update function: e.g. Full/Batch/SAG, with or w/o momentum</a:t>
+            </a:r>
+          </a:p>
+          <a:p>
+            <a:pPr lvl="1"/>
+            <a:r>
+              <a:rPr lang="en-CA" dirty="0" smtClean="0"/>
+              <a:t>Adaptive function</a:t>
+            </a:r>
+          </a:p>
+          <a:p>
+            <a:endParaRPr lang="en-CA" dirty="0" smtClean="0"/>
           </a:p>
         </p:txBody>
       </p:sp>
     </p:spTree>
     <p:extLst>
       <p:ext uri="{BB962C8B-B14F-4D97-AF65-F5344CB8AC3E}">
-        <p14:creationId xmlns:p14="http://schemas.microsoft.com/office/powerpoint/2010/main" val="3444781819"/>
+        <p14:creationId xmlns:p14="http://schemas.microsoft.com/office/powerpoint/2010/main" val="3038327064"/>
       </p:ext>
     </p:extLst>
   </p:cSld>
   <p:clrMapOvr>
     <a:masterClrMapping/>
   </p:clrMapOvr>
+  <p:timing>
+    <p:tnLst>
+      <p:par>
+        <p:cTn id="1" dur="indefinite" restart="never" nodeType="tmRoot"/>
+      </p:par>
+    </p:tnLst>
+  </p:timing>
 </p:sld>
 </file>
 
-<file path=ppt/slides/slide6.xml><?xml version="1.0" encoding="utf-8"?>
+<file path=ppt/slides/slide14.xml><?xml version="1.0" encoding="utf-8"?>
 <p:sld xmlns:a="http://schemas.openxmlformats.org/drawingml/2006/main" xmlns:r="http://schemas.openxmlformats.org/officeDocument/2006/relationships" xmlns:p="http://schemas.openxmlformats.org/presentationml/2006/main">
   <p:cSld>
     <p:spTree>
@@ -3403,8 +4080,8 @@
           <a:p>
             <a:pPr algn="ctr"/>
             <a:r>
-              <a:rPr lang="en-CA" dirty="0" err="1" smtClean="0"/>
-              <a:t>FlexMF</a:t>
+              <a:rPr lang="en-CA" dirty="0" smtClean="0"/>
+              <a:t>Evaluation</a:t>
             </a:r>
             <a:endParaRPr lang="en-CA" dirty="0"/>
           </a:p>
@@ -3425,16 +4102,150 @@
           <a:bodyPr/>
           <a:lstStyle/>
           <a:p>
-            <a:r>
-              <a:rPr lang="en-CA" dirty="0" smtClean="0"/>
-              <a:t>Flexible / Extensible framework for Matrix Factorization</a:t>
-            </a:r>
-          </a:p>
-          <a:p>
-            <a:r>
-              <a:rPr lang="en-CA" dirty="0" smtClean="0"/>
-              <a:t>Engineering Principles</a:t>
-            </a:r>
+            <a:pPr marL="514350" indent="-514350">
+              <a:buFont typeface="+mj-lt"/>
+              <a:buAutoNum type="arabicPeriod"/>
+            </a:pPr>
+            <a:r>
+              <a:rPr lang="en-CA" dirty="0" smtClean="0"/>
+              <a:t>Research Questions</a:t>
+            </a:r>
+          </a:p>
+          <a:p>
+            <a:pPr marL="971550" lvl="1" indent="-514350">
+              <a:buFont typeface="+mj-lt"/>
+              <a:buAutoNum type="arabicPeriod"/>
+            </a:pPr>
+            <a:r>
+              <a:rPr lang="en-CA" dirty="0" smtClean="0"/>
+              <a:t>Does SAG work well in MF?</a:t>
+            </a:r>
+          </a:p>
+          <a:p>
+            <a:pPr marL="971550" lvl="1" indent="-514350">
+              <a:buFont typeface="+mj-lt"/>
+              <a:buAutoNum type="arabicPeriod"/>
+            </a:pPr>
+            <a:r>
+              <a:rPr lang="en-CA" dirty="0" smtClean="0"/>
+              <a:t>How would </a:t>
+            </a:r>
+            <a:r>
+              <a:rPr lang="en-CA" dirty="0" err="1" smtClean="0"/>
+              <a:t>AdaSG</a:t>
+            </a:r>
+            <a:r>
+              <a:rPr lang="en-CA" dirty="0" smtClean="0"/>
+              <a:t> or </a:t>
+            </a:r>
+            <a:r>
+              <a:rPr lang="en-CA" dirty="0" err="1" smtClean="0"/>
+              <a:t>AdaSAG</a:t>
+            </a:r>
+            <a:r>
+              <a:rPr lang="en-CA" dirty="0" smtClean="0"/>
+              <a:t> compare to Full/Stochastic/Batch/SAG?</a:t>
+            </a:r>
+          </a:p>
+          <a:p>
+            <a:pPr marL="971550" lvl="1" indent="-514350">
+              <a:buFont typeface="+mj-lt"/>
+              <a:buAutoNum type="arabicPeriod"/>
+            </a:pPr>
+            <a:r>
+              <a:rPr lang="en-CA" dirty="0" smtClean="0"/>
+              <a:t>How easy is it to use </a:t>
+            </a:r>
+            <a:r>
+              <a:rPr lang="en-CA" dirty="0" err="1" smtClean="0"/>
+              <a:t>flexMF</a:t>
+            </a:r>
+            <a:r>
+              <a:rPr lang="en-CA" dirty="0" smtClean="0"/>
+              <a:t> in mixing and matching different GD algorithms?</a:t>
+            </a:r>
+          </a:p>
+          <a:p>
+            <a:pPr marL="514350" indent="-514350">
+              <a:buFont typeface="+mj-lt"/>
+              <a:buAutoNum type="arabicPeriod"/>
+            </a:pPr>
+            <a:r>
+              <a:rPr lang="en-CA" dirty="0" smtClean="0"/>
+              <a:t>Compare baseline (Full, Stochastic, SAG) vs. </a:t>
+            </a:r>
+            <a:r>
+              <a:rPr lang="en-CA" dirty="0" err="1"/>
+              <a:t>AdaSG</a:t>
+            </a:r>
+            <a:r>
+              <a:rPr lang="en-CA" dirty="0"/>
+              <a:t>, </a:t>
+            </a:r>
+            <a:r>
+              <a:rPr lang="en-CA" dirty="0" err="1"/>
+              <a:t>AdaSAG</a:t>
+            </a:r>
+            <a:endParaRPr lang="en-CA" dirty="0" smtClean="0"/>
+          </a:p>
+          <a:p>
+            <a:pPr marL="514350" indent="-514350">
+              <a:buFont typeface="+mj-lt"/>
+              <a:buAutoNum type="arabicPeriod"/>
+            </a:pPr>
+            <a:r>
+              <a:rPr lang="en-CA" dirty="0" smtClean="0"/>
+              <a:t>Metrics: epsilon vs. time (# of iterations)</a:t>
+            </a:r>
+          </a:p>
+          <a:p>
+            <a:pPr lvl="1"/>
+            <a:r>
+              <a:rPr lang="en-CA" dirty="0" smtClean="0"/>
+              <a:t>Epsilon is (</a:t>
+            </a:r>
+            <a:r>
+              <a:rPr lang="en-CA" dirty="0" err="1" smtClean="0"/>
+              <a:t>currentError</a:t>
+            </a:r>
+            <a:r>
+              <a:rPr lang="en-CA" dirty="0" smtClean="0"/>
+              <a:t> – </a:t>
+            </a:r>
+            <a:r>
+              <a:rPr lang="en-CA" dirty="0" err="1" smtClean="0"/>
+              <a:t>minError</a:t>
+            </a:r>
+            <a:r>
+              <a:rPr lang="en-CA" dirty="0" smtClean="0"/>
+              <a:t>)</a:t>
+            </a:r>
+          </a:p>
+          <a:p>
+            <a:pPr marL="514350" indent="-514350">
+              <a:buFont typeface="+mj-lt"/>
+              <a:buAutoNum type="arabicPeriod"/>
+            </a:pPr>
+            <a:r>
+              <a:rPr lang="en-CA" dirty="0" smtClean="0"/>
+              <a:t>Datasets</a:t>
+            </a:r>
+          </a:p>
+          <a:p>
+            <a:pPr marL="514350" indent="-514350">
+              <a:buFont typeface="+mj-lt"/>
+              <a:buAutoNum type="arabicPeriod"/>
+            </a:pPr>
+            <a:endParaRPr lang="en-CA" dirty="0" smtClean="0"/>
+          </a:p>
+          <a:p>
+            <a:pPr marL="514350" indent="-514350">
+              <a:buFont typeface="+mj-lt"/>
+              <a:buAutoNum type="arabicPeriod"/>
+            </a:pPr>
+            <a:endParaRPr lang="en-CA" dirty="0" smtClean="0"/>
+          </a:p>
+          <a:p>
             <a:endParaRPr lang="en-CA" dirty="0"/>
           </a:p>
         </p:txBody>
@@ -3442,17 +4253,24 @@
     </p:spTree>
     <p:extLst>
       <p:ext uri="{BB962C8B-B14F-4D97-AF65-F5344CB8AC3E}">
-        <p14:creationId xmlns:p14="http://schemas.microsoft.com/office/powerpoint/2010/main" val="2777125165"/>
+        <p14:creationId xmlns:p14="http://schemas.microsoft.com/office/powerpoint/2010/main" val="1223857108"/>
       </p:ext>
     </p:extLst>
   </p:cSld>
   <p:clrMapOvr>
     <a:masterClrMapping/>
   </p:clrMapOvr>
+  <p:timing>
+    <p:tnLst>
+      <p:par>
+        <p:cTn id="1" dur="indefinite" restart="never" nodeType="tmRoot"/>
+      </p:par>
+    </p:tnLst>
+  </p:timing>
 </p:sld>
 </file>
 
-<file path=ppt/slides/slide7.xml><?xml version="1.0" encoding="utf-8"?>
+<file path=ppt/slides/slide15.xml><?xml version="1.0" encoding="utf-8"?>
 <p:sld xmlns:a="http://schemas.openxmlformats.org/drawingml/2006/main" xmlns:r="http://schemas.openxmlformats.org/officeDocument/2006/relationships" xmlns:p="http://schemas.openxmlformats.org/presentationml/2006/main">
   <p:cSld>
     <p:spTree>
@@ -3487,14 +4305,565 @@
             <a:pPr algn="ctr"/>
             <a:r>
               <a:rPr lang="en-CA" dirty="0" smtClean="0"/>
+              <a:t>Discussion: </a:t>
+            </a:r>
+            <a:r>
+              <a:rPr lang="en-CA" dirty="0"/>
+              <a:t>Flexibility of </a:t>
+            </a:r>
+            <a:r>
+              <a:rPr lang="en-CA" dirty="0" err="1" smtClean="0"/>
+              <a:t>flexMF</a:t>
+            </a:r>
+            <a:endParaRPr lang="en-CA" dirty="0"/>
+          </a:p>
+        </p:txBody>
+      </p:sp>
+      <p:sp>
+        <p:nvSpPr>
+          <p:cNvPr id="3" name="Content Placeholder 2"/>
+          <p:cNvSpPr>
+            <a:spLocks noGrp="1"/>
+          </p:cNvSpPr>
+          <p:nvPr>
+            <p:ph idx="1"/>
+          </p:nvPr>
+        </p:nvSpPr>
+        <p:spPr/>
+        <p:txBody>
+          <a:bodyPr>
+            <a:normAutofit lnSpcReduction="10000"/>
+          </a:bodyPr>
+          <a:lstStyle/>
+          <a:p>
+            <a:r>
+              <a:rPr lang="en-CA" dirty="0" smtClean="0"/>
+              <a:t>Take advantage of 1st-class functions commonly found in a dynamic programming language (PL): e.g. </a:t>
+            </a:r>
+            <a:r>
+              <a:rPr lang="en-CA" dirty="0" err="1" smtClean="0"/>
+              <a:t>MatLab</a:t>
+            </a:r>
+            <a:r>
+              <a:rPr lang="en-CA" dirty="0" smtClean="0"/>
+              <a:t>, also JavaScript and Python…</a:t>
+            </a:r>
+          </a:p>
+          <a:p>
+            <a:r>
+              <a:rPr lang="en-CA" dirty="0" smtClean="0"/>
+              <a:t>A 1st class Function is a function that can be stored in a variable:</a:t>
+            </a:r>
+          </a:p>
+          <a:p>
+            <a:pPr lvl="1"/>
+            <a:r>
+              <a:rPr lang="en-CA" dirty="0" smtClean="0"/>
+              <a:t>passed as input:		call(</a:t>
+            </a:r>
+            <a:r>
+              <a:rPr lang="en-CA" dirty="0" err="1" smtClean="0">
+                <a:solidFill>
+                  <a:schemeClr val="accent1"/>
+                </a:solidFill>
+              </a:rPr>
+              <a:t>func</a:t>
+            </a:r>
+            <a:r>
+              <a:rPr lang="en-CA" dirty="0" smtClean="0"/>
+              <a:t>);</a:t>
+            </a:r>
+          </a:p>
+          <a:p>
+            <a:pPr lvl="1"/>
+            <a:r>
+              <a:rPr lang="en-CA" dirty="0" smtClean="0"/>
+              <a:t>returned as output:	</a:t>
+            </a:r>
+            <a:r>
+              <a:rPr lang="en-CA" dirty="0" err="1" smtClean="0">
+                <a:solidFill>
+                  <a:schemeClr val="accent1"/>
+                </a:solidFill>
+              </a:rPr>
+              <a:t>func</a:t>
+            </a:r>
+            <a:r>
+              <a:rPr lang="en-CA" dirty="0" smtClean="0"/>
+              <a:t> = </a:t>
+            </a:r>
+            <a:r>
+              <a:rPr lang="en-CA" dirty="0" err="1" smtClean="0"/>
+              <a:t>returnFunc</a:t>
+            </a:r>
+            <a:r>
+              <a:rPr lang="en-CA" dirty="0" smtClean="0"/>
+              <a:t>(</a:t>
+            </a:r>
+            <a:r>
+              <a:rPr lang="en-CA" dirty="0" err="1" smtClean="0">
+                <a:solidFill>
+                  <a:schemeClr val="accent1"/>
+                </a:solidFill>
+              </a:rPr>
+              <a:t>funcA</a:t>
+            </a:r>
+            <a:r>
+              <a:rPr lang="en-CA" dirty="0" smtClean="0"/>
+              <a:t>, </a:t>
+            </a:r>
+            <a:r>
+              <a:rPr lang="en-CA" dirty="0" err="1" smtClean="0">
+                <a:solidFill>
+                  <a:schemeClr val="accent1"/>
+                </a:solidFill>
+              </a:rPr>
+              <a:t>funcB</a:t>
+            </a:r>
+            <a:r>
+              <a:rPr lang="en-CA" dirty="0" smtClean="0"/>
+              <a:t>)</a:t>
+            </a:r>
+          </a:p>
+          <a:p>
+            <a:r>
+              <a:rPr lang="en-CA" dirty="0" smtClean="0"/>
+              <a:t>In static OOP (e.g. Java, C++…): wrap function inside a class/object</a:t>
+            </a:r>
+          </a:p>
+          <a:p>
+            <a:pPr lvl="1"/>
+            <a:r>
+              <a:rPr lang="en-CA" dirty="0" smtClean="0"/>
+              <a:t>Usually as static method, object is singleton or cannot be created.</a:t>
+            </a:r>
+          </a:p>
+          <a:p>
+            <a:pPr marL="457200" lvl="1" indent="0">
+              <a:buNone/>
+            </a:pPr>
+            <a:r>
+              <a:rPr lang="en-CA" dirty="0" smtClean="0"/>
+              <a:t>public static class </a:t>
+            </a:r>
+            <a:r>
+              <a:rPr lang="en-CA" dirty="0" err="1" smtClean="0"/>
+              <a:t>FuncA</a:t>
+            </a:r>
+            <a:r>
+              <a:rPr lang="en-CA" dirty="0" smtClean="0"/>
+              <a:t> implements </a:t>
+            </a:r>
+            <a:r>
+              <a:rPr lang="en-CA" dirty="0" err="1" smtClean="0"/>
+              <a:t>FunctionWrapper</a:t>
+            </a:r>
+            <a:endParaRPr lang="en-CA" dirty="0" smtClean="0"/>
+          </a:p>
+          <a:p>
+            <a:pPr marL="914400" lvl="2" indent="0">
+              <a:buNone/>
+            </a:pPr>
+            <a:r>
+              <a:rPr lang="en-CA" dirty="0" smtClean="0"/>
+              <a:t>public static call() {</a:t>
+            </a:r>
+          </a:p>
+          <a:p>
+            <a:pPr marL="914400" lvl="2" indent="0">
+              <a:buNone/>
+            </a:pPr>
+            <a:r>
+              <a:rPr lang="en-CA" dirty="0" smtClean="0"/>
+              <a:t>  // implements </a:t>
+            </a:r>
+            <a:r>
+              <a:rPr lang="en-CA" dirty="0" err="1" smtClean="0">
+                <a:solidFill>
+                  <a:schemeClr val="accent1"/>
+                </a:solidFill>
+              </a:rPr>
+              <a:t>funcA</a:t>
+            </a:r>
+            <a:r>
+              <a:rPr lang="en-CA" dirty="0" smtClean="0">
+                <a:solidFill>
+                  <a:schemeClr val="accent1"/>
+                </a:solidFill>
+              </a:rPr>
+              <a:t>…</a:t>
+            </a:r>
+            <a:endParaRPr lang="en-CA" dirty="0">
+              <a:solidFill>
+                <a:schemeClr val="accent1"/>
+              </a:solidFill>
+            </a:endParaRPr>
+          </a:p>
+          <a:p>
+            <a:pPr marL="914400" lvl="2" indent="0">
+              <a:buNone/>
+            </a:pPr>
+            <a:r>
+              <a:rPr lang="en-CA" dirty="0" smtClean="0"/>
+              <a:t>}</a:t>
+            </a:r>
+          </a:p>
+          <a:p>
+            <a:pPr lvl="1"/>
+            <a:endParaRPr lang="en-CA" dirty="0"/>
+          </a:p>
+        </p:txBody>
+      </p:sp>
+    </p:spTree>
+    <p:extLst>
+      <p:ext uri="{BB962C8B-B14F-4D97-AF65-F5344CB8AC3E}">
+        <p14:creationId xmlns:p14="http://schemas.microsoft.com/office/powerpoint/2010/main" val="1301912444"/>
+      </p:ext>
+    </p:extLst>
+  </p:cSld>
+  <p:clrMapOvr>
+    <a:masterClrMapping/>
+  </p:clrMapOvr>
+  <p:timing>
+    <p:tnLst>
+      <p:par>
+        <p:cTn id="1" dur="indefinite" restart="never" nodeType="tmRoot"/>
+      </p:par>
+    </p:tnLst>
+  </p:timing>
+</p:sld>
+</file>
+
+<file path=ppt/slides/slide16.xml><?xml version="1.0" encoding="utf-8"?>
+<p:sld xmlns:a="http://schemas.openxmlformats.org/drawingml/2006/main" xmlns:r="http://schemas.openxmlformats.org/officeDocument/2006/relationships" xmlns:p="http://schemas.openxmlformats.org/presentationml/2006/main">
+  <p:cSld>
+    <p:spTree>
+      <p:nvGrpSpPr>
+        <p:cNvPr id="1" name=""/>
+        <p:cNvGrpSpPr/>
+        <p:nvPr/>
+      </p:nvGrpSpPr>
+      <p:grpSpPr>
+        <a:xfrm>
+          <a:off x="0" y="0"/>
+          <a:ext cx="0" cy="0"/>
+          <a:chOff x="0" y="0"/>
+          <a:chExt cx="0" cy="0"/>
+        </a:xfrm>
+      </p:grpSpPr>
+      <p:sp>
+        <p:nvSpPr>
+          <p:cNvPr id="2" name="Title 1"/>
+          <p:cNvSpPr>
+            <a:spLocks noGrp="1"/>
+          </p:cNvSpPr>
+          <p:nvPr>
+            <p:ph type="title"/>
+          </p:nvPr>
+        </p:nvSpPr>
+        <p:spPr/>
+        <p:txBody>
+          <a:bodyPr/>
+          <a:lstStyle/>
+          <a:p>
+            <a:pPr algn="ctr"/>
+            <a:r>
+              <a:rPr lang="en-CA" dirty="0" smtClean="0"/>
+              <a:t>Discussion: Local Minimum</a:t>
+            </a:r>
+            <a:endParaRPr lang="en-CA" dirty="0"/>
+          </a:p>
+        </p:txBody>
+      </p:sp>
+      <p:sp>
+        <p:nvSpPr>
+          <p:cNvPr id="3" name="Content Placeholder 2"/>
+          <p:cNvSpPr>
+            <a:spLocks noGrp="1"/>
+          </p:cNvSpPr>
+          <p:nvPr>
+            <p:ph idx="1"/>
+          </p:nvPr>
+        </p:nvSpPr>
+        <p:spPr/>
+        <p:txBody>
+          <a:bodyPr/>
+          <a:lstStyle/>
+          <a:p>
+            <a:r>
+              <a:rPr lang="en-CA" dirty="0" smtClean="0"/>
+              <a:t>Next (better) local min can be far away from currently converged min</a:t>
+            </a:r>
+          </a:p>
+          <a:p>
+            <a:r>
+              <a:rPr lang="en-CA" dirty="0" err="1" smtClean="0"/>
+              <a:t>flexMF</a:t>
+            </a:r>
+            <a:r>
+              <a:rPr lang="en-CA" dirty="0" smtClean="0"/>
+              <a:t> remembers the best approximation we’ve seen</a:t>
+            </a:r>
+          </a:p>
+          <a:p>
+            <a:pPr lvl="1"/>
+            <a:r>
+              <a:rPr lang="en-CA" dirty="0" smtClean="0"/>
+              <a:t>Approximated U, V that would produce the least error</a:t>
+            </a:r>
+            <a:endParaRPr lang="en-CA" dirty="0"/>
+          </a:p>
+        </p:txBody>
+      </p:sp>
+    </p:spTree>
+    <p:extLst>
+      <p:ext uri="{BB962C8B-B14F-4D97-AF65-F5344CB8AC3E}">
+        <p14:creationId xmlns:p14="http://schemas.microsoft.com/office/powerpoint/2010/main" val="4292738100"/>
+      </p:ext>
+    </p:extLst>
+  </p:cSld>
+  <p:clrMapOvr>
+    <a:masterClrMapping/>
+  </p:clrMapOvr>
+  <p:timing>
+    <p:tnLst>
+      <p:par>
+        <p:cTn id="1" dur="indefinite" restart="never" nodeType="tmRoot"/>
+      </p:par>
+    </p:tnLst>
+  </p:timing>
+</p:sld>
+</file>
+
+<file path=ppt/slides/slide17.xml><?xml version="1.0" encoding="utf-8"?>
+<p:sld xmlns:a="http://schemas.openxmlformats.org/drawingml/2006/main" xmlns:r="http://schemas.openxmlformats.org/officeDocument/2006/relationships" xmlns:p="http://schemas.openxmlformats.org/presentationml/2006/main">
+  <p:cSld>
+    <p:spTree>
+      <p:nvGrpSpPr>
+        <p:cNvPr id="1" name=""/>
+        <p:cNvGrpSpPr/>
+        <p:nvPr/>
+      </p:nvGrpSpPr>
+      <p:grpSpPr>
+        <a:xfrm>
+          <a:off x="0" y="0"/>
+          <a:ext cx="0" cy="0"/>
+          <a:chOff x="0" y="0"/>
+          <a:chExt cx="0" cy="0"/>
+        </a:xfrm>
+      </p:grpSpPr>
+      <p:sp>
+        <p:nvSpPr>
+          <p:cNvPr id="2" name="Title 1"/>
+          <p:cNvSpPr>
+            <a:spLocks noGrp="1"/>
+          </p:cNvSpPr>
+          <p:nvPr>
+            <p:ph type="title"/>
+          </p:nvPr>
+        </p:nvSpPr>
+        <p:spPr/>
+        <p:txBody>
+          <a:bodyPr/>
+          <a:lstStyle/>
+          <a:p>
+            <a:pPr algn="ctr"/>
+            <a:r>
+              <a:rPr lang="en-CA" dirty="0" smtClean="0"/>
+              <a:t>Discussion: Convergence Rate</a:t>
+            </a:r>
+            <a:endParaRPr lang="en-CA" dirty="0"/>
+          </a:p>
+        </p:txBody>
+      </p:sp>
+      <p:sp>
+        <p:nvSpPr>
+          <p:cNvPr id="3" name="Content Placeholder 2"/>
+          <p:cNvSpPr>
+            <a:spLocks noGrp="1"/>
+          </p:cNvSpPr>
+          <p:nvPr>
+            <p:ph idx="1"/>
+          </p:nvPr>
+        </p:nvSpPr>
+        <p:spPr/>
+        <p:txBody>
+          <a:bodyPr/>
+          <a:lstStyle/>
+          <a:p>
+            <a:r>
+              <a:rPr lang="en-CA" dirty="0" smtClean="0"/>
+              <a:t>Depends on how many times we did Full GD, and Stochastic GD</a:t>
+            </a:r>
+            <a:endParaRPr lang="en-CA" dirty="0"/>
+          </a:p>
+        </p:txBody>
+      </p:sp>
+    </p:spTree>
+    <p:extLst>
+      <p:ext uri="{BB962C8B-B14F-4D97-AF65-F5344CB8AC3E}">
+        <p14:creationId xmlns:p14="http://schemas.microsoft.com/office/powerpoint/2010/main" val="1955405833"/>
+      </p:ext>
+    </p:extLst>
+  </p:cSld>
+  <p:clrMapOvr>
+    <a:masterClrMapping/>
+  </p:clrMapOvr>
+  <p:timing>
+    <p:tnLst>
+      <p:par>
+        <p:cTn id="1" dur="indefinite" restart="never" nodeType="tmRoot"/>
+      </p:par>
+    </p:tnLst>
+  </p:timing>
+</p:sld>
+</file>
+
+<file path=ppt/slides/slide18.xml><?xml version="1.0" encoding="utf-8"?>
+<p:sld xmlns:a="http://schemas.openxmlformats.org/drawingml/2006/main" xmlns:r="http://schemas.openxmlformats.org/officeDocument/2006/relationships" xmlns:p="http://schemas.openxmlformats.org/presentationml/2006/main">
+  <p:cSld>
+    <p:spTree>
+      <p:nvGrpSpPr>
+        <p:cNvPr id="1" name=""/>
+        <p:cNvGrpSpPr/>
+        <p:nvPr/>
+      </p:nvGrpSpPr>
+      <p:grpSpPr>
+        <a:xfrm>
+          <a:off x="0" y="0"/>
+          <a:ext cx="0" cy="0"/>
+          <a:chOff x="0" y="0"/>
+          <a:chExt cx="0" cy="0"/>
+        </a:xfrm>
+      </p:grpSpPr>
+      <p:sp>
+        <p:nvSpPr>
+          <p:cNvPr id="2" name="Title 1"/>
+          <p:cNvSpPr>
+            <a:spLocks noGrp="1"/>
+          </p:cNvSpPr>
+          <p:nvPr>
+            <p:ph type="title"/>
+          </p:nvPr>
+        </p:nvSpPr>
+        <p:spPr/>
+        <p:txBody>
+          <a:bodyPr/>
+          <a:lstStyle/>
+          <a:p>
+            <a:pPr algn="ctr"/>
+            <a:r>
+              <a:rPr lang="en-CA" dirty="0" smtClean="0"/>
+              <a:t>Discussion: L2-regualization</a:t>
+            </a:r>
+            <a:endParaRPr lang="en-CA" dirty="0"/>
+          </a:p>
+        </p:txBody>
+      </p:sp>
+      <p:sp>
+        <p:nvSpPr>
+          <p:cNvPr id="3" name="Content Placeholder 2"/>
+          <p:cNvSpPr>
+            <a:spLocks noGrp="1"/>
+          </p:cNvSpPr>
+          <p:nvPr>
+            <p:ph idx="1"/>
+          </p:nvPr>
+        </p:nvSpPr>
+        <p:spPr/>
+        <p:txBody>
+          <a:bodyPr/>
+          <a:lstStyle/>
+          <a:p>
+            <a:r>
+              <a:rPr lang="en-CA" dirty="0" smtClean="0"/>
+              <a:t>Unique solution</a:t>
+            </a:r>
+          </a:p>
+          <a:p>
+            <a:r>
+              <a:rPr lang="en-CA" dirty="0" smtClean="0"/>
+              <a:t>Numerical conditioning</a:t>
+            </a:r>
+          </a:p>
+          <a:p>
+            <a:r>
+              <a:rPr lang="en-CA" dirty="0" smtClean="0"/>
+              <a:t>Picking lambdaL2</a:t>
+            </a:r>
+          </a:p>
+          <a:p>
+            <a:r>
+              <a:rPr lang="en-CA" dirty="0" smtClean="0"/>
+              <a:t>Source: Dr. Mark Schmidt</a:t>
+            </a:r>
+            <a:endParaRPr lang="en-CA" dirty="0"/>
+          </a:p>
+        </p:txBody>
+      </p:sp>
+    </p:spTree>
+    <p:extLst>
+      <p:ext uri="{BB962C8B-B14F-4D97-AF65-F5344CB8AC3E}">
+        <p14:creationId xmlns:p14="http://schemas.microsoft.com/office/powerpoint/2010/main" val="2541683251"/>
+      </p:ext>
+    </p:extLst>
+  </p:cSld>
+  <p:clrMapOvr>
+    <a:masterClrMapping/>
+  </p:clrMapOvr>
+  <p:timing>
+    <p:tnLst>
+      <p:par>
+        <p:cTn id="1" dur="indefinite" restart="never" nodeType="tmRoot"/>
+      </p:par>
+    </p:tnLst>
+  </p:timing>
+</p:sld>
+</file>
+
+<file path=ppt/slides/slide19.xml><?xml version="1.0" encoding="utf-8"?>
+<p:sld xmlns:a="http://schemas.openxmlformats.org/drawingml/2006/main" xmlns:r="http://schemas.openxmlformats.org/officeDocument/2006/relationships" xmlns:p="http://schemas.openxmlformats.org/presentationml/2006/main">
+  <p:cSld>
+    <p:spTree>
+      <p:nvGrpSpPr>
+        <p:cNvPr id="1" name=""/>
+        <p:cNvGrpSpPr/>
+        <p:nvPr/>
+      </p:nvGrpSpPr>
+      <p:grpSpPr>
+        <a:xfrm>
+          <a:off x="0" y="0"/>
+          <a:ext cx="0" cy="0"/>
+          <a:chOff x="0" y="0"/>
+          <a:chExt cx="0" cy="0"/>
+        </a:xfrm>
+      </p:grpSpPr>
+      <p:sp>
+        <p:nvSpPr>
+          <p:cNvPr id="2" name="Title 1"/>
+          <p:cNvSpPr>
+            <a:spLocks noGrp="1"/>
+          </p:cNvSpPr>
+          <p:nvPr>
+            <p:ph type="title"/>
+          </p:nvPr>
+        </p:nvSpPr>
+        <p:spPr/>
+        <p:txBody>
+          <a:bodyPr/>
+          <a:lstStyle/>
+          <a:p>
+            <a:pPr algn="ctr"/>
+            <a:r>
+              <a:rPr lang="en-CA" dirty="0" smtClean="0"/>
               <a:t>Limitations</a:t>
             </a:r>
             <a:endParaRPr lang="en-CA" dirty="0"/>
           </a:p>
         </p:txBody>
       </p:sp>
-      <mc:AlternateContent xmlns:mc="http://schemas.openxmlformats.org/markup-compatibility/2006">
-        <mc:Choice xmlns:a14="http://schemas.microsoft.com/office/drawing/2010/main" Requires="a14">
+      <mc:AlternateContent xmlns:mc="http://schemas.openxmlformats.org/markup-compatibility/2006" xmlns:a14="http://schemas.microsoft.com/office/drawing/2010/main">
+        <mc:Choice Requires="a14">
           <p:sp>
             <p:nvSpPr>
               <p:cNvPr id="3" name="Content Placeholder 2"/>
@@ -3512,24 +4881,15 @@
               <a:p>
                 <a:r>
                   <a:rPr lang="en-CA" dirty="0" smtClean="0"/>
-                  <a:t>Decoupling does not yet capture any potential </a:t>
+                  <a:t>Decoupling does not yet capture any potential optimization in hard-coded implementations</a:t>
                 </a:r>
-                <a:r>
-                  <a:rPr lang="en-CA" dirty="0" smtClean="0"/>
-                  <a:t>optimization </a:t>
-                </a:r>
-                <a:r>
-                  <a:rPr lang="en-CA" dirty="0" smtClean="0"/>
-                  <a:t>in </a:t>
-                </a:r>
-                <a:r>
-                  <a:rPr lang="en-CA" dirty="0" smtClean="0"/>
-                  <a:t>hard-coded implementations</a:t>
-                </a:r>
-                <a:endParaRPr lang="en-CA" dirty="0" smtClean="0"/>
               </a:p>
               <a:p>
                 <a:pPr lvl="1"/>
+                <a:r>
+                  <a:rPr lang="en-CA" b="0" dirty="0" smtClean="0"/>
+                  <a:t>e.g. </a:t>
+                </a:r>
                 <a14:m>
                   <m:oMath xmlns:m="http://schemas.openxmlformats.org/officeDocument/2006/math">
                     <m:sSup>
@@ -3627,13 +4987,13 @@
                 <a:pPr lvl="1"/>
                 <a:r>
                   <a:rPr lang="en-CA" dirty="0" smtClean="0"/>
-                  <a:t>Don’t have data on how many people actually implement optimizations.</a:t>
+                  <a:t>Don’t yet have data on how many people actually implement optimizations in their projects.</a:t>
                 </a:r>
               </a:p>
               <a:p>
                 <a:r>
                   <a:rPr lang="en-CA" dirty="0" smtClean="0"/>
-                  <a:t>Faster/Better convergence may not imply Faster/Better Recommendations</a:t>
+                  <a:t>Faster/Better convergence may not imply Faster/Better Recommendation: e.g. RMSE is not good for Top-k recommendations.</a:t>
                 </a:r>
               </a:p>
               <a:p>
@@ -3642,7 +5002,7 @@
             </p:txBody>
           </p:sp>
         </mc:Choice>
-        <mc:Fallback>
+        <mc:Fallback xmlns="">
           <p:sp>
             <p:nvSpPr>
               <p:cNvPr id="3" name="Content Placeholder 2"/>
@@ -3657,7 +5017,7 @@
               <a:blipFill rotWithShape="0">
                 <a:blip r:embed="rId2"/>
                 <a:stretch>
-                  <a:fillRect l="-1043" t="-2241"/>
+                  <a:fillRect l="-1043" t="-2241" r="-812"/>
                 </a:stretch>
               </a:blipFill>
             </p:spPr>
@@ -3696,6 +5056,4044 @@
 </p:sld>
 </file>
 
+<file path=ppt/slides/slide2.xml><?xml version="1.0" encoding="utf-8"?>
+<p:sld xmlns:a="http://schemas.openxmlformats.org/drawingml/2006/main" xmlns:r="http://schemas.openxmlformats.org/officeDocument/2006/relationships" xmlns:p="http://schemas.openxmlformats.org/presentationml/2006/main">
+  <p:cSld>
+    <p:spTree>
+      <p:nvGrpSpPr>
+        <p:cNvPr id="1" name=""/>
+        <p:cNvGrpSpPr/>
+        <p:nvPr/>
+      </p:nvGrpSpPr>
+      <p:grpSpPr>
+        <a:xfrm>
+          <a:off x="0" y="0"/>
+          <a:ext cx="0" cy="0"/>
+          <a:chOff x="0" y="0"/>
+          <a:chExt cx="0" cy="0"/>
+        </a:xfrm>
+      </p:grpSpPr>
+      <p:sp>
+        <p:nvSpPr>
+          <p:cNvPr id="2" name="Title 1"/>
+          <p:cNvSpPr>
+            <a:spLocks noGrp="1"/>
+          </p:cNvSpPr>
+          <p:nvPr>
+            <p:ph type="title"/>
+          </p:nvPr>
+        </p:nvSpPr>
+        <p:spPr/>
+        <p:txBody>
+          <a:bodyPr>
+            <a:normAutofit/>
+          </a:bodyPr>
+          <a:lstStyle/>
+          <a:p>
+            <a:pPr algn="ctr"/>
+            <a:r>
+              <a:rPr lang="en-CA" dirty="0" smtClean="0"/>
+              <a:t>Motivation</a:t>
+            </a:r>
+            <a:endParaRPr lang="en-CA" dirty="0"/>
+          </a:p>
+        </p:txBody>
+      </p:sp>
+      <p:sp>
+        <p:nvSpPr>
+          <p:cNvPr id="3" name="Content Placeholder 2"/>
+          <p:cNvSpPr>
+            <a:spLocks noGrp="1"/>
+          </p:cNvSpPr>
+          <p:nvPr>
+            <p:ph idx="1"/>
+          </p:nvPr>
+        </p:nvSpPr>
+        <p:spPr/>
+        <p:txBody>
+          <a:bodyPr/>
+          <a:lstStyle/>
+          <a:p>
+            <a:pPr marL="0" indent="0" algn="ctr">
+              <a:buNone/>
+            </a:pPr>
+            <a:r>
+              <a:rPr lang="en-CA" dirty="0" smtClean="0"/>
+              <a:t>Gradient </a:t>
+            </a:r>
+            <a:r>
+              <a:rPr lang="en-CA" dirty="0"/>
+              <a:t>Descent/Ascent </a:t>
+            </a:r>
+            <a:r>
+              <a:rPr lang="en-CA" dirty="0" smtClean="0"/>
+              <a:t>(Full or Stochastic) is </a:t>
+            </a:r>
+            <a:r>
+              <a:rPr lang="en-CA" dirty="0"/>
+              <a:t>“Gold Standard</a:t>
+            </a:r>
+            <a:r>
+              <a:rPr lang="en-CA" dirty="0" smtClean="0"/>
+              <a:t>”</a:t>
+            </a:r>
+          </a:p>
+          <a:p>
+            <a:pPr marL="0" indent="0" algn="ctr">
+              <a:buNone/>
+            </a:pPr>
+            <a:endParaRPr lang="en-CA" sz="1200" dirty="0" smtClean="0"/>
+          </a:p>
+          <a:p>
+            <a:r>
+              <a:rPr lang="en-CA" dirty="0" smtClean="0"/>
+              <a:t>Gradient Descent/Ascent (GD) is a method of Iterative Optimization</a:t>
+            </a:r>
+          </a:p>
+          <a:p>
+            <a:pPr lvl="1"/>
+            <a:r>
+              <a:rPr lang="en-CA" dirty="0" smtClean="0"/>
+              <a:t>After each successive iteration, GD is expected to make approximation closer to (local) optimum.</a:t>
+            </a:r>
+          </a:p>
+          <a:p>
+            <a:r>
+              <a:rPr lang="en-CA" dirty="0" smtClean="0"/>
+              <a:t>GD has many application domains</a:t>
+            </a:r>
+          </a:p>
+          <a:p>
+            <a:pPr lvl="1"/>
+            <a:r>
+              <a:rPr lang="en-CA" dirty="0" smtClean="0"/>
+              <a:t>e.g</a:t>
+            </a:r>
+            <a:r>
+              <a:rPr lang="en-CA" dirty="0"/>
+              <a:t>. matrix factorization in </a:t>
+            </a:r>
+            <a:r>
+              <a:rPr lang="en-CA" dirty="0" err="1"/>
+              <a:t>RecSys</a:t>
+            </a:r>
+            <a:endParaRPr lang="en-CA" dirty="0"/>
+          </a:p>
+          <a:p>
+            <a:r>
+              <a:rPr lang="en-CA" dirty="0" smtClean="0"/>
+              <a:t>Equation has many forms, usually</a:t>
+            </a:r>
+          </a:p>
+          <a:p>
+            <a:pPr lvl="1"/>
+            <a:r>
+              <a:rPr lang="en-CA" dirty="0" smtClean="0"/>
+              <a:t>“</a:t>
+            </a:r>
+            <a:r>
+              <a:rPr lang="en-CA" dirty="0"/>
+              <a:t>objective function” (e.g. square error) + regularization (e.g. L2)</a:t>
+            </a:r>
+          </a:p>
+          <a:p>
+            <a:endParaRPr lang="en-CA" dirty="0"/>
+          </a:p>
+        </p:txBody>
+      </p:sp>
+    </p:spTree>
+    <p:extLst>
+      <p:ext uri="{BB962C8B-B14F-4D97-AF65-F5344CB8AC3E}">
+        <p14:creationId xmlns:p14="http://schemas.microsoft.com/office/powerpoint/2010/main" val="4267379325"/>
+      </p:ext>
+    </p:extLst>
+  </p:cSld>
+  <p:clrMapOvr>
+    <a:masterClrMapping/>
+  </p:clrMapOvr>
+  <p:timing>
+    <p:tnLst>
+      <p:par>
+        <p:cTn id="1" dur="indefinite" restart="never" nodeType="tmRoot"/>
+      </p:par>
+    </p:tnLst>
+  </p:timing>
+</p:sld>
+</file>
+
+<file path=ppt/slides/slide20.xml><?xml version="1.0" encoding="utf-8"?>
+<p:sld xmlns:a="http://schemas.openxmlformats.org/drawingml/2006/main" xmlns:r="http://schemas.openxmlformats.org/officeDocument/2006/relationships" xmlns:p="http://schemas.openxmlformats.org/presentationml/2006/main">
+  <p:cSld>
+    <p:spTree>
+      <p:nvGrpSpPr>
+        <p:cNvPr id="1" name=""/>
+        <p:cNvGrpSpPr/>
+        <p:nvPr/>
+      </p:nvGrpSpPr>
+      <p:grpSpPr>
+        <a:xfrm>
+          <a:off x="0" y="0"/>
+          <a:ext cx="0" cy="0"/>
+          <a:chOff x="0" y="0"/>
+          <a:chExt cx="0" cy="0"/>
+        </a:xfrm>
+      </p:grpSpPr>
+      <p:sp>
+        <p:nvSpPr>
+          <p:cNvPr id="2" name="Title 1"/>
+          <p:cNvSpPr>
+            <a:spLocks noGrp="1"/>
+          </p:cNvSpPr>
+          <p:nvPr>
+            <p:ph type="title"/>
+          </p:nvPr>
+        </p:nvSpPr>
+        <p:spPr/>
+        <p:txBody>
+          <a:bodyPr/>
+          <a:lstStyle/>
+          <a:p>
+            <a:pPr algn="ctr"/>
+            <a:r>
+              <a:rPr lang="en-CA" dirty="0" smtClean="0"/>
+              <a:t>Summary</a:t>
+            </a:r>
+            <a:endParaRPr lang="en-CA" dirty="0"/>
+          </a:p>
+        </p:txBody>
+      </p:sp>
+      <p:sp>
+        <p:nvSpPr>
+          <p:cNvPr id="3" name="Content Placeholder 2"/>
+          <p:cNvSpPr>
+            <a:spLocks noGrp="1"/>
+          </p:cNvSpPr>
+          <p:nvPr>
+            <p:ph idx="1"/>
+          </p:nvPr>
+        </p:nvSpPr>
+        <p:spPr/>
+        <p:txBody>
+          <a:bodyPr/>
+          <a:lstStyle/>
+          <a:p>
+            <a:r>
+              <a:rPr lang="en-CA" dirty="0" smtClean="0"/>
+              <a:t>Designed and implemented </a:t>
+            </a:r>
+            <a:r>
+              <a:rPr lang="en-CA" dirty="0" err="1" smtClean="0"/>
+              <a:t>flexMF</a:t>
+            </a:r>
+            <a:r>
+              <a:rPr lang="en-CA" dirty="0" smtClean="0"/>
+              <a:t>, a flexible architecture for mix &amp; match matric factorization (MF)</a:t>
+            </a:r>
+          </a:p>
+          <a:p>
+            <a:r>
+              <a:rPr lang="en-CA" dirty="0" smtClean="0"/>
+              <a:t>Proposed </a:t>
+            </a:r>
+            <a:r>
+              <a:rPr lang="en-CA" dirty="0" err="1" smtClean="0"/>
+              <a:t>AdaSG</a:t>
+            </a:r>
+            <a:r>
+              <a:rPr lang="en-CA" dirty="0" smtClean="0"/>
+              <a:t> and </a:t>
+            </a:r>
+            <a:r>
+              <a:rPr lang="en-CA" dirty="0" err="1" smtClean="0"/>
+              <a:t>AdaSAG</a:t>
+            </a:r>
+            <a:endParaRPr lang="en-CA" dirty="0" smtClean="0"/>
+          </a:p>
+          <a:p>
+            <a:r>
+              <a:rPr lang="en-CA" dirty="0"/>
+              <a:t>Evaluated SAG in MF (using </a:t>
+            </a:r>
+            <a:r>
+              <a:rPr lang="en-CA" dirty="0" err="1"/>
+              <a:t>flexMF</a:t>
+            </a:r>
+            <a:r>
+              <a:rPr lang="en-CA" dirty="0"/>
+              <a:t>)</a:t>
+            </a:r>
+          </a:p>
+          <a:p>
+            <a:r>
+              <a:rPr lang="en-CA" dirty="0" smtClean="0"/>
+              <a:t>Compared and contrasted </a:t>
+            </a:r>
+            <a:r>
+              <a:rPr lang="en-CA" dirty="0" err="1" smtClean="0"/>
+              <a:t>AdaSG</a:t>
+            </a:r>
+            <a:r>
+              <a:rPr lang="en-CA" dirty="0" smtClean="0"/>
+              <a:t> &amp; </a:t>
+            </a:r>
+            <a:r>
+              <a:rPr lang="en-CA" dirty="0" err="1" smtClean="0"/>
+              <a:t>AdaSAG</a:t>
+            </a:r>
+            <a:r>
+              <a:rPr lang="en-CA" dirty="0" smtClean="0"/>
+              <a:t> against baselines in the MF domain</a:t>
+            </a:r>
+          </a:p>
+          <a:p>
+            <a:endParaRPr lang="en-CA" dirty="0"/>
+          </a:p>
+        </p:txBody>
+      </p:sp>
+    </p:spTree>
+    <p:extLst>
+      <p:ext uri="{BB962C8B-B14F-4D97-AF65-F5344CB8AC3E}">
+        <p14:creationId xmlns:p14="http://schemas.microsoft.com/office/powerpoint/2010/main" val="2248130456"/>
+      </p:ext>
+    </p:extLst>
+  </p:cSld>
+  <p:clrMapOvr>
+    <a:masterClrMapping/>
+  </p:clrMapOvr>
+  <p:timing>
+    <p:tnLst>
+      <p:par>
+        <p:cTn id="1" dur="indefinite" restart="never" nodeType="tmRoot"/>
+      </p:par>
+    </p:tnLst>
+  </p:timing>
+</p:sld>
+</file>
+
+<file path=ppt/slides/slide21.xml><?xml version="1.0" encoding="utf-8"?>
+<p:sld xmlns:a="http://schemas.openxmlformats.org/drawingml/2006/main" xmlns:r="http://schemas.openxmlformats.org/officeDocument/2006/relationships" xmlns:p="http://schemas.openxmlformats.org/presentationml/2006/main">
+  <p:cSld>
+    <p:spTree>
+      <p:nvGrpSpPr>
+        <p:cNvPr id="1" name=""/>
+        <p:cNvGrpSpPr/>
+        <p:nvPr/>
+      </p:nvGrpSpPr>
+      <p:grpSpPr>
+        <a:xfrm>
+          <a:off x="0" y="0"/>
+          <a:ext cx="0" cy="0"/>
+          <a:chOff x="0" y="0"/>
+          <a:chExt cx="0" cy="0"/>
+        </a:xfrm>
+      </p:grpSpPr>
+      <p:sp>
+        <p:nvSpPr>
+          <p:cNvPr id="2" name="Title 1"/>
+          <p:cNvSpPr>
+            <a:spLocks noGrp="1"/>
+          </p:cNvSpPr>
+          <p:nvPr>
+            <p:ph type="title"/>
+          </p:nvPr>
+        </p:nvSpPr>
+        <p:spPr/>
+        <p:txBody>
+          <a:bodyPr/>
+          <a:lstStyle/>
+          <a:p>
+            <a:pPr algn="ctr"/>
+            <a:r>
+              <a:rPr lang="en-CA" dirty="0" smtClean="0"/>
+              <a:t>Ongoing Work: Parallel SAG</a:t>
+            </a:r>
+            <a:br>
+              <a:rPr lang="en-CA" dirty="0" smtClean="0"/>
+            </a:br>
+            <a:r>
+              <a:rPr lang="en-CA" sz="2800" dirty="0" smtClean="0"/>
+              <a:t>UBC CPSC 540</a:t>
+            </a:r>
+            <a:endParaRPr lang="en-CA" sz="2800" dirty="0"/>
+          </a:p>
+        </p:txBody>
+      </p:sp>
+      <p:sp>
+        <p:nvSpPr>
+          <p:cNvPr id="3" name="Content Placeholder 2"/>
+          <p:cNvSpPr>
+            <a:spLocks noGrp="1"/>
+          </p:cNvSpPr>
+          <p:nvPr>
+            <p:ph idx="1"/>
+          </p:nvPr>
+        </p:nvSpPr>
+        <p:spPr/>
+        <p:txBody>
+          <a:bodyPr/>
+          <a:lstStyle/>
+          <a:p>
+            <a:r>
+              <a:rPr lang="en-CA" dirty="0" smtClean="0"/>
+              <a:t>Hypothesis:		can SAG be parallel?</a:t>
+            </a:r>
+          </a:p>
+          <a:p>
+            <a:r>
+              <a:rPr lang="en-CA" dirty="0" smtClean="0"/>
+              <a:t>Objective function:	logistic regression in machine learning</a:t>
+            </a:r>
+          </a:p>
+          <a:p>
+            <a:r>
+              <a:rPr lang="en-CA" dirty="0" smtClean="0"/>
+              <a:t>Model-parallelism:	batch GD</a:t>
+            </a:r>
+          </a:p>
+          <a:p>
+            <a:r>
+              <a:rPr lang="en-CA" dirty="0" smtClean="0"/>
+              <a:t>Data-parallelism: 	</a:t>
+            </a:r>
+          </a:p>
+          <a:p>
+            <a:r>
+              <a:rPr lang="en-CA" dirty="0" smtClean="0"/>
+              <a:t>CPU-parallel: 		implemented in </a:t>
+            </a:r>
+            <a:r>
+              <a:rPr lang="en-CA" dirty="0" err="1" smtClean="0"/>
+              <a:t>OpenMP</a:t>
+            </a:r>
+            <a:r>
+              <a:rPr lang="en-CA" dirty="0" smtClean="0"/>
+              <a:t> using in C/C++</a:t>
+            </a:r>
+          </a:p>
+          <a:p>
+            <a:r>
+              <a:rPr lang="en-CA" dirty="0" smtClean="0"/>
+              <a:t>GPU-parallel:		implemented in CUDA</a:t>
+            </a:r>
+          </a:p>
+          <a:p>
+            <a:r>
+              <a:rPr lang="en-CA" dirty="0" smtClean="0"/>
+              <a:t>Hardware:			CPU/GPU clusters</a:t>
+            </a:r>
+          </a:p>
+          <a:p>
+            <a:r>
+              <a:rPr lang="en-CA" dirty="0" smtClean="0"/>
+              <a:t>Datasets:			</a:t>
+            </a:r>
+            <a:endParaRPr lang="en-CA" dirty="0"/>
+          </a:p>
+        </p:txBody>
+      </p:sp>
+    </p:spTree>
+    <p:extLst>
+      <p:ext uri="{BB962C8B-B14F-4D97-AF65-F5344CB8AC3E}">
+        <p14:creationId xmlns:p14="http://schemas.microsoft.com/office/powerpoint/2010/main" val="3458465752"/>
+      </p:ext>
+    </p:extLst>
+  </p:cSld>
+  <p:clrMapOvr>
+    <a:masterClrMapping/>
+  </p:clrMapOvr>
+  <p:timing>
+    <p:tnLst>
+      <p:par>
+        <p:cTn id="1" dur="indefinite" restart="never" nodeType="tmRoot"/>
+      </p:par>
+    </p:tnLst>
+  </p:timing>
+</p:sld>
+</file>
+
+<file path=ppt/slides/slide22.xml><?xml version="1.0" encoding="utf-8"?>
+<p:sld xmlns:a="http://schemas.openxmlformats.org/drawingml/2006/main" xmlns:r="http://schemas.openxmlformats.org/officeDocument/2006/relationships" xmlns:p="http://schemas.openxmlformats.org/presentationml/2006/main">
+  <p:cSld>
+    <p:spTree>
+      <p:nvGrpSpPr>
+        <p:cNvPr id="1" name=""/>
+        <p:cNvGrpSpPr/>
+        <p:nvPr/>
+      </p:nvGrpSpPr>
+      <p:grpSpPr>
+        <a:xfrm>
+          <a:off x="0" y="0"/>
+          <a:ext cx="0" cy="0"/>
+          <a:chOff x="0" y="0"/>
+          <a:chExt cx="0" cy="0"/>
+        </a:xfrm>
+      </p:grpSpPr>
+      <p:sp>
+        <p:nvSpPr>
+          <p:cNvPr id="2" name="Title 1"/>
+          <p:cNvSpPr>
+            <a:spLocks noGrp="1"/>
+          </p:cNvSpPr>
+          <p:nvPr>
+            <p:ph type="title"/>
+          </p:nvPr>
+        </p:nvSpPr>
+        <p:spPr/>
+        <p:txBody>
+          <a:bodyPr/>
+          <a:lstStyle/>
+          <a:p>
+            <a:pPr algn="ctr"/>
+            <a:r>
+              <a:rPr lang="en-CA" dirty="0" smtClean="0"/>
+              <a:t>Future Work: User Study on </a:t>
+            </a:r>
+            <a:r>
+              <a:rPr lang="en-CA" dirty="0" err="1" smtClean="0"/>
+              <a:t>flexMF</a:t>
+            </a:r>
+            <a:endParaRPr lang="en-CA" dirty="0"/>
+          </a:p>
+        </p:txBody>
+      </p:sp>
+      <p:sp>
+        <p:nvSpPr>
+          <p:cNvPr id="3" name="Content Placeholder 2"/>
+          <p:cNvSpPr>
+            <a:spLocks noGrp="1"/>
+          </p:cNvSpPr>
+          <p:nvPr>
+            <p:ph idx="1"/>
+          </p:nvPr>
+        </p:nvSpPr>
+        <p:spPr/>
+        <p:txBody>
+          <a:bodyPr/>
+          <a:lstStyle/>
+          <a:p>
+            <a:r>
+              <a:rPr lang="en-CA" dirty="0" smtClean="0"/>
+              <a:t>Task-based User Study: e.g. Do a squared-loss, L2-regularization…</a:t>
+            </a:r>
+          </a:p>
+          <a:p>
+            <a:pPr lvl="1"/>
+            <a:r>
+              <a:rPr lang="en-CA" dirty="0" smtClean="0"/>
+              <a:t>Observe what users (data-scientists) do</a:t>
+            </a:r>
+          </a:p>
+          <a:p>
+            <a:pPr lvl="1"/>
+            <a:r>
+              <a:rPr lang="en-CA" dirty="0" smtClean="0"/>
+              <a:t>Discover struggles </a:t>
+            </a:r>
+            <a:r>
+              <a:rPr lang="en-CA" dirty="0"/>
+              <a:t>that users may have</a:t>
+            </a:r>
+            <a:endParaRPr lang="en-CA" dirty="0" smtClean="0"/>
+          </a:p>
+          <a:p>
+            <a:pPr lvl="1"/>
+            <a:r>
+              <a:rPr lang="en-CA" dirty="0" smtClean="0"/>
+              <a:t>Follow up with feedback: pros &amp; cons, likes or dislikes</a:t>
+            </a:r>
+          </a:p>
+          <a:p>
+            <a:pPr lvl="1"/>
+            <a:r>
+              <a:rPr lang="en-CA" dirty="0" smtClean="0"/>
+              <a:t>Evaluate if </a:t>
+            </a:r>
+            <a:r>
+              <a:rPr lang="en-CA" dirty="0" err="1" smtClean="0"/>
+              <a:t>flexMF</a:t>
+            </a:r>
+            <a:r>
+              <a:rPr lang="en-CA" dirty="0" smtClean="0"/>
+              <a:t> framework really makes life easier for data-scientists</a:t>
+            </a:r>
+          </a:p>
+          <a:p>
+            <a:r>
+              <a:rPr lang="en-CA" dirty="0" smtClean="0"/>
+              <a:t>Informal &amp; Low Cost methods for User-Study</a:t>
+            </a:r>
+            <a:r>
+              <a:rPr lang="en-CA" dirty="0"/>
+              <a:t>: </a:t>
+            </a:r>
+            <a:endParaRPr lang="en-CA" dirty="0" smtClean="0"/>
+          </a:p>
+          <a:p>
+            <a:pPr lvl="1"/>
+            <a:r>
+              <a:rPr lang="en-CA" dirty="0" smtClean="0"/>
+              <a:t>Is tool easy to learn (adoption)? Cognitive </a:t>
+            </a:r>
+            <a:r>
+              <a:rPr lang="en-CA" dirty="0"/>
+              <a:t>Walkthrough</a:t>
+            </a:r>
+          </a:p>
+          <a:p>
+            <a:pPr lvl="1"/>
+            <a:r>
+              <a:rPr lang="en-CA" dirty="0" smtClean="0"/>
+              <a:t>Is tool easy to use (ongoing recurrence)? Heuristic </a:t>
+            </a:r>
+            <a:r>
+              <a:rPr lang="en-CA" dirty="0"/>
+              <a:t>Evaluation </a:t>
+            </a:r>
+            <a:endParaRPr lang="en-CA" dirty="0" smtClean="0"/>
+          </a:p>
+          <a:p>
+            <a:r>
+              <a:rPr lang="en-CA" dirty="0" smtClean="0"/>
+              <a:t>Still have to polish documentation, comments, organization of files</a:t>
+            </a:r>
+          </a:p>
+          <a:p>
+            <a:endParaRPr lang="en-CA" dirty="0"/>
+          </a:p>
+        </p:txBody>
+      </p:sp>
+    </p:spTree>
+    <p:extLst>
+      <p:ext uri="{BB962C8B-B14F-4D97-AF65-F5344CB8AC3E}">
+        <p14:creationId xmlns:p14="http://schemas.microsoft.com/office/powerpoint/2010/main" val="1516486419"/>
+      </p:ext>
+    </p:extLst>
+  </p:cSld>
+  <p:clrMapOvr>
+    <a:masterClrMapping/>
+  </p:clrMapOvr>
+</p:sld>
+</file>
+
+<file path=ppt/slides/slide23.xml><?xml version="1.0" encoding="utf-8"?>
+<p:sld xmlns:a="http://schemas.openxmlformats.org/drawingml/2006/main" xmlns:r="http://schemas.openxmlformats.org/officeDocument/2006/relationships" xmlns:p="http://schemas.openxmlformats.org/presentationml/2006/main">
+  <p:cSld>
+    <p:spTree>
+      <p:nvGrpSpPr>
+        <p:cNvPr id="1" name=""/>
+        <p:cNvGrpSpPr/>
+        <p:nvPr/>
+      </p:nvGrpSpPr>
+      <p:grpSpPr>
+        <a:xfrm>
+          <a:off x="0" y="0"/>
+          <a:ext cx="0" cy="0"/>
+          <a:chOff x="0" y="0"/>
+          <a:chExt cx="0" cy="0"/>
+        </a:xfrm>
+      </p:grpSpPr>
+      <p:sp>
+        <p:nvSpPr>
+          <p:cNvPr id="2" name="Title 1"/>
+          <p:cNvSpPr>
+            <a:spLocks noGrp="1"/>
+          </p:cNvSpPr>
+          <p:nvPr>
+            <p:ph type="title"/>
+          </p:nvPr>
+        </p:nvSpPr>
+        <p:spPr>
+          <a:xfrm>
+            <a:off x="828368" y="237305"/>
+            <a:ext cx="10515600" cy="1325563"/>
+          </a:xfrm>
+        </p:spPr>
+        <p:txBody>
+          <a:bodyPr>
+            <a:normAutofit/>
+          </a:bodyPr>
+          <a:lstStyle/>
+          <a:p>
+            <a:pPr algn="ctr"/>
+            <a:r>
+              <a:rPr lang="en-CA" dirty="0" smtClean="0"/>
+              <a:t>Future </a:t>
+            </a:r>
+            <a:r>
+              <a:rPr lang="en-CA" dirty="0"/>
+              <a:t>Work</a:t>
+            </a:r>
+            <a:r>
+              <a:rPr lang="en-CA" dirty="0" smtClean="0"/>
+              <a:t>: Adaptive Batching</a:t>
+            </a:r>
+            <a:br>
+              <a:rPr lang="en-CA" dirty="0" smtClean="0"/>
+            </a:br>
+            <a:r>
+              <a:rPr lang="en-CA" sz="2200" dirty="0" smtClean="0"/>
+              <a:t>so far adaptation has been binary: 1 or N, can we do better?</a:t>
+            </a:r>
+            <a:endParaRPr lang="en-CA" sz="2200" dirty="0"/>
+          </a:p>
+        </p:txBody>
+      </p:sp>
+      <p:sp>
+        <p:nvSpPr>
+          <p:cNvPr id="3" name="Content Placeholder 2"/>
+          <p:cNvSpPr>
+            <a:spLocks noGrp="1"/>
+          </p:cNvSpPr>
+          <p:nvPr>
+            <p:ph idx="1"/>
+          </p:nvPr>
+        </p:nvSpPr>
+        <p:spPr>
+          <a:xfrm>
+            <a:off x="838200" y="1617800"/>
+            <a:ext cx="10515600" cy="4351338"/>
+          </a:xfrm>
+        </p:spPr>
+        <p:txBody>
+          <a:bodyPr>
+            <a:normAutofit/>
+          </a:bodyPr>
+          <a:lstStyle/>
+          <a:p>
+            <a:pPr marL="0" indent="0" algn="ctr">
+              <a:buNone/>
+            </a:pPr>
+            <a:r>
+              <a:rPr lang="en-CA" dirty="0" smtClean="0"/>
+              <a:t>Can we change/adapt batch size in each iteration?</a:t>
+            </a:r>
+          </a:p>
+          <a:p>
+            <a:pPr marL="0" indent="0" algn="ctr">
+              <a:buNone/>
+            </a:pPr>
+            <a:r>
+              <a:rPr lang="en-CA" dirty="0" smtClean="0"/>
+              <a:t>Is it advantageous?  How to pick a good batch size in each iteration?</a:t>
+            </a:r>
+          </a:p>
+          <a:p>
+            <a:pPr marL="0" indent="0" algn="ctr">
+              <a:buNone/>
+            </a:pPr>
+            <a:r>
+              <a:rPr lang="en-CA" dirty="0"/>
+              <a:t>Can we intelligently choose which data-points to batch</a:t>
+            </a:r>
+            <a:r>
+              <a:rPr lang="en-CA" dirty="0" smtClean="0"/>
+              <a:t>?</a:t>
+            </a:r>
+          </a:p>
+        </p:txBody>
+      </p:sp>
+      <p:grpSp>
+        <p:nvGrpSpPr>
+          <p:cNvPr id="27" name="Group 26"/>
+          <p:cNvGrpSpPr/>
+          <p:nvPr/>
+        </p:nvGrpSpPr>
+        <p:grpSpPr>
+          <a:xfrm>
+            <a:off x="506359" y="3561705"/>
+            <a:ext cx="1858297" cy="3043369"/>
+            <a:chOff x="506359" y="2459159"/>
+            <a:chExt cx="1858297" cy="3043369"/>
+          </a:xfrm>
+        </p:grpSpPr>
+        <p:grpSp>
+          <p:nvGrpSpPr>
+            <p:cNvPr id="23" name="Group 22"/>
+            <p:cNvGrpSpPr/>
+            <p:nvPr/>
+          </p:nvGrpSpPr>
+          <p:grpSpPr>
+            <a:xfrm>
+              <a:off x="1155289" y="2459159"/>
+              <a:ext cx="560439" cy="1480428"/>
+              <a:chOff x="1155289" y="2459159"/>
+              <a:chExt cx="560439" cy="1480428"/>
+            </a:xfrm>
+          </p:grpSpPr>
+          <p:cxnSp>
+            <p:nvCxnSpPr>
+              <p:cNvPr id="7" name="Straight Arrow Connector 6"/>
+              <p:cNvCxnSpPr/>
+              <p:nvPr/>
+            </p:nvCxnSpPr>
+            <p:spPr>
+              <a:xfrm flipH="1">
+                <a:off x="1435509" y="3018503"/>
+                <a:ext cx="1" cy="921084"/>
+              </a:xfrm>
+              <a:prstGeom prst="straightConnector1">
+                <a:avLst/>
+              </a:prstGeom>
+              <a:ln w="38100">
+                <a:solidFill>
+                  <a:schemeClr val="accent6"/>
+                </a:solidFill>
+                <a:headEnd type="triangle"/>
+                <a:tailEnd type="none"/>
+              </a:ln>
+            </p:spPr>
+            <p:style>
+              <a:lnRef idx="1">
+                <a:schemeClr val="accent1"/>
+              </a:lnRef>
+              <a:fillRef idx="0">
+                <a:schemeClr val="accent1"/>
+              </a:fillRef>
+              <a:effectRef idx="0">
+                <a:schemeClr val="accent1"/>
+              </a:effectRef>
+              <a:fontRef idx="minor">
+                <a:schemeClr val="tx1"/>
+              </a:fontRef>
+            </p:style>
+          </p:cxnSp>
+          <p:sp>
+            <p:nvSpPr>
+              <p:cNvPr id="8" name="TextBox 7"/>
+              <p:cNvSpPr txBox="1"/>
+              <p:nvPr/>
+            </p:nvSpPr>
+            <p:spPr>
+              <a:xfrm>
+                <a:off x="1155289" y="2459159"/>
+                <a:ext cx="560439" cy="523220"/>
+              </a:xfrm>
+              <a:prstGeom prst="rect">
+                <a:avLst/>
+              </a:prstGeom>
+              <a:noFill/>
+            </p:spPr>
+            <p:txBody>
+              <a:bodyPr wrap="square" rtlCol="0">
+                <a:spAutoFit/>
+              </a:bodyPr>
+              <a:lstStyle/>
+              <a:p>
+                <a:pPr algn="ctr"/>
+                <a:r>
+                  <a:rPr lang="en-CA" sz="2800" dirty="0" smtClean="0">
+                    <a:solidFill>
+                      <a:schemeClr val="accent1"/>
+                    </a:solidFill>
+                  </a:rPr>
+                  <a:t>1</a:t>
+                </a:r>
+                <a:endParaRPr lang="en-CA" sz="2800" dirty="0">
+                  <a:solidFill>
+                    <a:schemeClr val="accent1"/>
+                  </a:solidFill>
+                </a:endParaRPr>
+              </a:p>
+            </p:txBody>
+          </p:sp>
+        </p:grpSp>
+        <p:sp>
+          <p:nvSpPr>
+            <p:cNvPr id="14" name="TextBox 13"/>
+            <p:cNvSpPr txBox="1"/>
+            <p:nvPr/>
+          </p:nvSpPr>
+          <p:spPr>
+            <a:xfrm>
+              <a:off x="506359" y="4117533"/>
+              <a:ext cx="1858297" cy="1384995"/>
+            </a:xfrm>
+            <a:prstGeom prst="rect">
+              <a:avLst/>
+            </a:prstGeom>
+            <a:noFill/>
+          </p:spPr>
+          <p:txBody>
+            <a:bodyPr wrap="square" rtlCol="0">
+              <a:spAutoFit/>
+            </a:bodyPr>
+            <a:lstStyle/>
+            <a:p>
+              <a:pPr algn="ctr"/>
+              <a:r>
+                <a:rPr lang="en-CA" sz="2800" dirty="0" smtClean="0">
+                  <a:solidFill>
+                    <a:schemeClr val="accent1"/>
+                  </a:solidFill>
+                </a:rPr>
+                <a:t>Stochastic gradient descent</a:t>
+              </a:r>
+              <a:endParaRPr lang="en-CA" sz="2800" dirty="0">
+                <a:solidFill>
+                  <a:schemeClr val="accent1"/>
+                </a:solidFill>
+              </a:endParaRPr>
+            </a:p>
+          </p:txBody>
+        </p:sp>
+      </p:grpSp>
+      <p:grpSp>
+        <p:nvGrpSpPr>
+          <p:cNvPr id="25" name="Group 24"/>
+          <p:cNvGrpSpPr/>
+          <p:nvPr/>
+        </p:nvGrpSpPr>
+        <p:grpSpPr>
+          <a:xfrm>
+            <a:off x="9779967" y="3561705"/>
+            <a:ext cx="1858297" cy="3047339"/>
+            <a:chOff x="9807677" y="2459159"/>
+            <a:chExt cx="1858297" cy="3047339"/>
+          </a:xfrm>
+        </p:grpSpPr>
+        <p:grpSp>
+          <p:nvGrpSpPr>
+            <p:cNvPr id="21" name="Group 20"/>
+            <p:cNvGrpSpPr/>
+            <p:nvPr/>
+          </p:nvGrpSpPr>
+          <p:grpSpPr>
+            <a:xfrm>
+              <a:off x="10484871" y="2459159"/>
+              <a:ext cx="560439" cy="1480428"/>
+              <a:chOff x="10484871" y="2459159"/>
+              <a:chExt cx="560439" cy="1480428"/>
+            </a:xfrm>
+          </p:grpSpPr>
+          <p:cxnSp>
+            <p:nvCxnSpPr>
+              <p:cNvPr id="12" name="Straight Arrow Connector 11"/>
+              <p:cNvCxnSpPr/>
+              <p:nvPr/>
+            </p:nvCxnSpPr>
+            <p:spPr>
+              <a:xfrm flipH="1">
+                <a:off x="10765092" y="3018503"/>
+                <a:ext cx="1" cy="921084"/>
+              </a:xfrm>
+              <a:prstGeom prst="straightConnector1">
+                <a:avLst/>
+              </a:prstGeom>
+              <a:ln w="38100">
+                <a:solidFill>
+                  <a:schemeClr val="accent6"/>
+                </a:solidFill>
+                <a:headEnd type="triangle"/>
+                <a:tailEnd type="none"/>
+              </a:ln>
+            </p:spPr>
+            <p:style>
+              <a:lnRef idx="1">
+                <a:schemeClr val="accent1"/>
+              </a:lnRef>
+              <a:fillRef idx="0">
+                <a:schemeClr val="accent1"/>
+              </a:fillRef>
+              <a:effectRef idx="0">
+                <a:schemeClr val="accent1"/>
+              </a:effectRef>
+              <a:fontRef idx="minor">
+                <a:schemeClr val="tx1"/>
+              </a:fontRef>
+            </p:style>
+          </p:cxnSp>
+          <p:sp>
+            <p:nvSpPr>
+              <p:cNvPr id="13" name="TextBox 12"/>
+              <p:cNvSpPr txBox="1"/>
+              <p:nvPr/>
+            </p:nvSpPr>
+            <p:spPr>
+              <a:xfrm>
+                <a:off x="10484871" y="2459159"/>
+                <a:ext cx="560439" cy="523220"/>
+              </a:xfrm>
+              <a:prstGeom prst="rect">
+                <a:avLst/>
+              </a:prstGeom>
+              <a:noFill/>
+            </p:spPr>
+            <p:txBody>
+              <a:bodyPr wrap="square" rtlCol="0">
+                <a:spAutoFit/>
+              </a:bodyPr>
+              <a:lstStyle/>
+              <a:p>
+                <a:pPr algn="ctr"/>
+                <a:r>
+                  <a:rPr lang="en-CA" sz="2800" dirty="0" smtClean="0">
+                    <a:solidFill>
+                      <a:schemeClr val="accent1"/>
+                    </a:solidFill>
+                  </a:rPr>
+                  <a:t>N</a:t>
+                </a:r>
+                <a:endParaRPr lang="en-CA" sz="2800" dirty="0">
+                  <a:solidFill>
+                    <a:schemeClr val="accent1"/>
+                  </a:solidFill>
+                </a:endParaRPr>
+              </a:p>
+            </p:txBody>
+          </p:sp>
+        </p:grpSp>
+        <p:sp>
+          <p:nvSpPr>
+            <p:cNvPr id="15" name="TextBox 14"/>
+            <p:cNvSpPr txBox="1"/>
+            <p:nvPr/>
+          </p:nvSpPr>
+          <p:spPr>
+            <a:xfrm>
+              <a:off x="9807677" y="4121503"/>
+              <a:ext cx="1858297" cy="1384995"/>
+            </a:xfrm>
+            <a:prstGeom prst="rect">
+              <a:avLst/>
+            </a:prstGeom>
+            <a:noFill/>
+          </p:spPr>
+          <p:txBody>
+            <a:bodyPr wrap="square" rtlCol="0">
+              <a:spAutoFit/>
+            </a:bodyPr>
+            <a:lstStyle/>
+            <a:p>
+              <a:pPr algn="ctr"/>
+              <a:r>
+                <a:rPr lang="en-CA" sz="2800" dirty="0" smtClean="0">
+                  <a:solidFill>
+                    <a:schemeClr val="accent1"/>
+                  </a:solidFill>
+                </a:rPr>
+                <a:t>Full </a:t>
+              </a:r>
+            </a:p>
+            <a:p>
+              <a:pPr algn="ctr"/>
+              <a:r>
+                <a:rPr lang="en-CA" sz="2800" dirty="0" smtClean="0">
+                  <a:solidFill>
+                    <a:schemeClr val="accent1"/>
+                  </a:solidFill>
+                </a:rPr>
+                <a:t>gradient descent</a:t>
+              </a:r>
+              <a:endParaRPr lang="en-CA" sz="2800" dirty="0">
+                <a:solidFill>
+                  <a:schemeClr val="accent1"/>
+                </a:solidFill>
+              </a:endParaRPr>
+            </a:p>
+          </p:txBody>
+        </p:sp>
+      </p:grpSp>
+      <p:grpSp>
+        <p:nvGrpSpPr>
+          <p:cNvPr id="28" name="Group 27"/>
+          <p:cNvGrpSpPr/>
+          <p:nvPr/>
+        </p:nvGrpSpPr>
+        <p:grpSpPr>
+          <a:xfrm>
+            <a:off x="1435510" y="3396279"/>
+            <a:ext cx="9301316" cy="701523"/>
+            <a:chOff x="1435510" y="2316980"/>
+            <a:chExt cx="9301316" cy="701523"/>
+          </a:xfrm>
+        </p:grpSpPr>
+        <p:cxnSp>
+          <p:nvCxnSpPr>
+            <p:cNvPr id="5" name="Straight Connector 4"/>
+            <p:cNvCxnSpPr/>
+            <p:nvPr/>
+          </p:nvCxnSpPr>
+          <p:spPr>
+            <a:xfrm>
+              <a:off x="1435510" y="3018503"/>
+              <a:ext cx="9301316" cy="0"/>
+            </a:xfrm>
+            <a:prstGeom prst="line">
+              <a:avLst/>
+            </a:prstGeom>
+            <a:ln w="31750"/>
+          </p:spPr>
+          <p:style>
+            <a:lnRef idx="1">
+              <a:schemeClr val="accent1"/>
+            </a:lnRef>
+            <a:fillRef idx="0">
+              <a:schemeClr val="accent1"/>
+            </a:fillRef>
+            <a:effectRef idx="0">
+              <a:schemeClr val="accent1"/>
+            </a:effectRef>
+            <a:fontRef idx="minor">
+              <a:schemeClr val="tx1"/>
+            </a:fontRef>
+          </p:style>
+        </p:cxnSp>
+        <p:sp>
+          <p:nvSpPr>
+            <p:cNvPr id="16" name="TextBox 15"/>
+            <p:cNvSpPr txBox="1"/>
+            <p:nvPr/>
+          </p:nvSpPr>
+          <p:spPr>
+            <a:xfrm>
+              <a:off x="5171151" y="2316980"/>
+              <a:ext cx="1858297" cy="523220"/>
+            </a:xfrm>
+            <a:prstGeom prst="rect">
+              <a:avLst/>
+            </a:prstGeom>
+            <a:noFill/>
+          </p:spPr>
+          <p:txBody>
+            <a:bodyPr wrap="square" rtlCol="0">
+              <a:spAutoFit/>
+            </a:bodyPr>
+            <a:lstStyle/>
+            <a:p>
+              <a:pPr algn="ctr"/>
+              <a:r>
+                <a:rPr lang="en-CA" sz="2800" dirty="0" smtClean="0">
+                  <a:solidFill>
+                    <a:schemeClr val="accent1"/>
+                  </a:solidFill>
+                </a:rPr>
+                <a:t>Batch size</a:t>
+              </a:r>
+              <a:endParaRPr lang="en-CA" sz="2800" dirty="0">
+                <a:solidFill>
+                  <a:schemeClr val="accent1"/>
+                </a:solidFill>
+              </a:endParaRPr>
+            </a:p>
+          </p:txBody>
+        </p:sp>
+      </p:grpSp>
+      <p:grpSp>
+        <p:nvGrpSpPr>
+          <p:cNvPr id="24" name="Group 23"/>
+          <p:cNvGrpSpPr/>
+          <p:nvPr/>
+        </p:nvGrpSpPr>
+        <p:grpSpPr>
+          <a:xfrm>
+            <a:off x="2517065" y="3566623"/>
+            <a:ext cx="1858297" cy="3038450"/>
+            <a:chOff x="2517065" y="2464077"/>
+            <a:chExt cx="1858297" cy="3038450"/>
+          </a:xfrm>
+        </p:grpSpPr>
+        <p:cxnSp>
+          <p:nvCxnSpPr>
+            <p:cNvPr id="18" name="Straight Arrow Connector 17"/>
+            <p:cNvCxnSpPr/>
+            <p:nvPr/>
+          </p:nvCxnSpPr>
+          <p:spPr>
+            <a:xfrm flipH="1">
+              <a:off x="3446214" y="3003755"/>
+              <a:ext cx="1" cy="921084"/>
+            </a:xfrm>
+            <a:prstGeom prst="straightConnector1">
+              <a:avLst/>
+            </a:prstGeom>
+            <a:ln w="38100">
+              <a:solidFill>
+                <a:schemeClr val="accent6"/>
+              </a:solidFill>
+              <a:headEnd type="triangle"/>
+              <a:tailEnd type="none"/>
+            </a:ln>
+          </p:spPr>
+          <p:style>
+            <a:lnRef idx="1">
+              <a:schemeClr val="accent1"/>
+            </a:lnRef>
+            <a:fillRef idx="0">
+              <a:schemeClr val="accent1"/>
+            </a:fillRef>
+            <a:effectRef idx="0">
+              <a:schemeClr val="accent1"/>
+            </a:effectRef>
+            <a:fontRef idx="minor">
+              <a:schemeClr val="tx1"/>
+            </a:fontRef>
+          </p:style>
+        </p:cxnSp>
+        <p:sp>
+          <p:nvSpPr>
+            <p:cNvPr id="19" name="TextBox 18"/>
+            <p:cNvSpPr txBox="1"/>
+            <p:nvPr/>
+          </p:nvSpPr>
+          <p:spPr>
+            <a:xfrm>
+              <a:off x="2517065" y="4117532"/>
+              <a:ext cx="1858297" cy="1384995"/>
+            </a:xfrm>
+            <a:prstGeom prst="rect">
+              <a:avLst/>
+            </a:prstGeom>
+            <a:noFill/>
+          </p:spPr>
+          <p:txBody>
+            <a:bodyPr wrap="square" rtlCol="0">
+              <a:spAutoFit/>
+            </a:bodyPr>
+            <a:lstStyle/>
+            <a:p>
+              <a:pPr algn="ctr"/>
+              <a:r>
+                <a:rPr lang="en-CA" sz="2800" dirty="0" smtClean="0">
+                  <a:solidFill>
+                    <a:schemeClr val="accent1"/>
+                  </a:solidFill>
+                </a:rPr>
+                <a:t>Batch</a:t>
+              </a:r>
+            </a:p>
+            <a:p>
+              <a:pPr algn="ctr"/>
+              <a:r>
+                <a:rPr lang="en-CA" sz="2800" dirty="0" smtClean="0">
+                  <a:solidFill>
+                    <a:schemeClr val="accent1"/>
+                  </a:solidFill>
+                </a:rPr>
+                <a:t>gradient descent</a:t>
+              </a:r>
+              <a:endParaRPr lang="en-CA" sz="2800" dirty="0">
+                <a:solidFill>
+                  <a:schemeClr val="accent1"/>
+                </a:solidFill>
+              </a:endParaRPr>
+            </a:p>
+          </p:txBody>
+        </p:sp>
+        <p:sp>
+          <p:nvSpPr>
+            <p:cNvPr id="20" name="TextBox 19"/>
+            <p:cNvSpPr txBox="1"/>
+            <p:nvPr/>
+          </p:nvSpPr>
+          <p:spPr>
+            <a:xfrm>
+              <a:off x="3175826" y="2464077"/>
+              <a:ext cx="560439" cy="523220"/>
+            </a:xfrm>
+            <a:prstGeom prst="rect">
+              <a:avLst/>
+            </a:prstGeom>
+            <a:noFill/>
+          </p:spPr>
+          <p:txBody>
+            <a:bodyPr wrap="square" rtlCol="0">
+              <a:spAutoFit/>
+            </a:bodyPr>
+            <a:lstStyle/>
+            <a:p>
+              <a:pPr algn="ctr"/>
+              <a:r>
+                <a:rPr lang="en-CA" sz="2800" dirty="0" smtClean="0">
+                  <a:solidFill>
+                    <a:schemeClr val="accent1"/>
+                  </a:solidFill>
+                </a:rPr>
+                <a:t>b</a:t>
+              </a:r>
+              <a:endParaRPr lang="en-CA" sz="2800" dirty="0">
+                <a:solidFill>
+                  <a:schemeClr val="accent1"/>
+                </a:solidFill>
+              </a:endParaRPr>
+            </a:p>
+          </p:txBody>
+        </p:sp>
+      </p:grpSp>
+      <mc:AlternateContent xmlns:mc="http://schemas.openxmlformats.org/markup-compatibility/2006" xmlns:a14="http://schemas.microsoft.com/office/drawing/2010/main">
+        <mc:Choice Requires="a14">
+          <p:sp>
+            <p:nvSpPr>
+              <p:cNvPr id="29" name="Rectangle 28"/>
+              <p:cNvSpPr/>
+              <p:nvPr/>
+            </p:nvSpPr>
+            <p:spPr>
+              <a:xfrm>
+                <a:off x="3957917" y="4290502"/>
+                <a:ext cx="6156365" cy="1578637"/>
+              </a:xfrm>
+              <a:prstGeom prst="rect">
+                <a:avLst/>
+              </a:prstGeom>
+            </p:spPr>
+            <p:txBody>
+              <a:bodyPr wrap="none">
+                <a:spAutoFit/>
+              </a:bodyPr>
+              <a:lstStyle/>
+              <a:p>
+                <a:pPr/>
+                <a14:m>
+                  <m:oMathPara xmlns:m="http://schemas.openxmlformats.org/officeDocument/2006/math">
+                    <m:oMathParaPr>
+                      <m:jc m:val="centerGroup"/>
+                    </m:oMathParaPr>
+                    <m:oMath xmlns:m="http://schemas.openxmlformats.org/officeDocument/2006/math">
+                      <m:sSup>
+                        <m:sSupPr>
+                          <m:ctrlPr>
+                            <a:rPr lang="en-CA" sz="3000" i="1" smtClean="0">
+                              <a:latin typeface="Cambria Math" panose="02040503050406030204" pitchFamily="18" charset="0"/>
+                              <a:ea typeface="Cambria Math" panose="02040503050406030204" pitchFamily="18" charset="0"/>
+                            </a:rPr>
+                          </m:ctrlPr>
+                        </m:sSupPr>
+                        <m:e>
+                          <m:r>
+                            <a:rPr lang="en-CA" sz="3000" i="1">
+                              <a:latin typeface="Cambria Math" panose="02040503050406030204" pitchFamily="18" charset="0"/>
+                              <a:ea typeface="Cambria Math" panose="02040503050406030204" pitchFamily="18" charset="0"/>
+                            </a:rPr>
+                            <m:t>𝑤</m:t>
+                          </m:r>
+                        </m:e>
+                        <m:sup>
+                          <m:r>
+                            <a:rPr lang="en-CA" sz="3000" i="1">
+                              <a:latin typeface="Cambria Math" panose="02040503050406030204" pitchFamily="18" charset="0"/>
+                              <a:ea typeface="Cambria Math" panose="02040503050406030204" pitchFamily="18" charset="0"/>
+                            </a:rPr>
+                            <m:t>𝑡</m:t>
+                          </m:r>
+                          <m:r>
+                            <a:rPr lang="en-CA" sz="3000" i="1">
+                              <a:latin typeface="Cambria Math" panose="02040503050406030204" pitchFamily="18" charset="0"/>
+                              <a:ea typeface="Cambria Math" panose="02040503050406030204" pitchFamily="18" charset="0"/>
+                            </a:rPr>
+                            <m:t>+1</m:t>
+                          </m:r>
+                        </m:sup>
+                      </m:sSup>
+                      <m:r>
+                        <a:rPr lang="en-CA" sz="3000" i="1">
+                          <a:latin typeface="Cambria Math" panose="02040503050406030204" pitchFamily="18" charset="0"/>
+                          <a:ea typeface="Cambria Math" panose="02040503050406030204" pitchFamily="18" charset="0"/>
+                        </a:rPr>
+                        <m:t>=</m:t>
+                      </m:r>
+                      <m:sSup>
+                        <m:sSupPr>
+                          <m:ctrlPr>
+                            <a:rPr lang="en-CA" sz="3000" i="1">
+                              <a:latin typeface="Cambria Math" panose="02040503050406030204" pitchFamily="18" charset="0"/>
+                              <a:ea typeface="Cambria Math" panose="02040503050406030204" pitchFamily="18" charset="0"/>
+                            </a:rPr>
+                          </m:ctrlPr>
+                        </m:sSupPr>
+                        <m:e>
+                          <m:r>
+                            <a:rPr lang="en-CA" sz="3000" i="1">
+                              <a:latin typeface="Cambria Math" panose="02040503050406030204" pitchFamily="18" charset="0"/>
+                              <a:ea typeface="Cambria Math" panose="02040503050406030204" pitchFamily="18" charset="0"/>
+                            </a:rPr>
+                            <m:t>𝑤</m:t>
+                          </m:r>
+                        </m:e>
+                        <m:sup>
+                          <m:r>
+                            <a:rPr lang="en-CA" sz="3000" i="1">
+                              <a:latin typeface="Cambria Math" panose="02040503050406030204" pitchFamily="18" charset="0"/>
+                              <a:ea typeface="Cambria Math" panose="02040503050406030204" pitchFamily="18" charset="0"/>
+                            </a:rPr>
+                            <m:t>𝑡</m:t>
+                          </m:r>
+                        </m:sup>
+                      </m:sSup>
+                      <m:r>
+                        <a:rPr lang="en-CA" sz="3000" i="1">
+                          <a:latin typeface="Cambria Math" panose="02040503050406030204" pitchFamily="18" charset="0"/>
+                        </a:rPr>
+                        <m:t>−</m:t>
+                      </m:r>
+                      <m:r>
+                        <a:rPr lang="en-CA" sz="3000" i="1">
+                          <a:latin typeface="Cambria Math" panose="02040503050406030204" pitchFamily="18" charset="0"/>
+                          <a:ea typeface="Cambria Math" panose="02040503050406030204" pitchFamily="18" charset="0"/>
+                        </a:rPr>
+                        <m:t>𝛼</m:t>
+                      </m:r>
+                      <m:r>
+                        <a:rPr lang="en-CA" sz="3000" i="1">
+                          <a:latin typeface="Cambria Math" panose="02040503050406030204" pitchFamily="18" charset="0"/>
+                        </a:rPr>
+                        <m:t>∗</m:t>
+                      </m:r>
+                      <m:d>
+                        <m:dPr>
+                          <m:ctrlPr>
+                            <a:rPr lang="en-CA" sz="3000" i="1" smtClean="0">
+                              <a:latin typeface="Cambria Math" panose="02040503050406030204" pitchFamily="18" charset="0"/>
+                            </a:rPr>
+                          </m:ctrlPr>
+                        </m:dPr>
+                        <m:e>
+                          <m:nary>
+                            <m:naryPr>
+                              <m:chr m:val="∑"/>
+                              <m:ctrlPr>
+                                <a:rPr lang="en-CA" sz="3000" i="1">
+                                  <a:latin typeface="Cambria Math" panose="02040503050406030204" pitchFamily="18" charset="0"/>
+                                </a:rPr>
+                              </m:ctrlPr>
+                            </m:naryPr>
+                            <m:sub>
+                              <m:r>
+                                <m:rPr>
+                                  <m:brk m:alnAt="23"/>
+                                </m:rPr>
+                                <a:rPr lang="en-CA" sz="3000" i="1">
+                                  <a:latin typeface="Cambria Math" panose="02040503050406030204" pitchFamily="18" charset="0"/>
+                                </a:rPr>
+                                <m:t>𝑖</m:t>
+                              </m:r>
+                              <m:r>
+                                <a:rPr lang="en-CA" sz="3000" i="1">
+                                  <a:latin typeface="Cambria Math" panose="02040503050406030204" pitchFamily="18" charset="0"/>
+                                </a:rPr>
+                                <m:t>=1</m:t>
+                              </m:r>
+                            </m:sub>
+                            <m:sup>
+                              <m:r>
+                                <a:rPr lang="en-CA" sz="3000" i="1">
+                                  <a:solidFill>
+                                    <a:schemeClr val="accent6"/>
+                                  </a:solidFill>
+                                  <a:latin typeface="Cambria Math" panose="02040503050406030204" pitchFamily="18" charset="0"/>
+                                </a:rPr>
+                                <m:t>𝑏</m:t>
+                              </m:r>
+                              <m:r>
+                                <a:rPr lang="en-CA" sz="3000" i="1">
+                                  <a:solidFill>
+                                    <a:schemeClr val="accent1"/>
+                                  </a:solidFill>
+                                  <a:latin typeface="Cambria Math" panose="02040503050406030204" pitchFamily="18" charset="0"/>
+                                </a:rPr>
+                                <m:t>(</m:t>
+                              </m:r>
+                              <m:r>
+                                <a:rPr lang="en-CA" sz="3000" i="1">
+                                  <a:solidFill>
+                                    <a:schemeClr val="accent1"/>
+                                  </a:solidFill>
+                                  <a:latin typeface="Cambria Math" panose="02040503050406030204" pitchFamily="18" charset="0"/>
+                                </a:rPr>
+                                <m:t>𝑡</m:t>
+                              </m:r>
+                              <m:r>
+                                <a:rPr lang="en-CA" sz="3000" i="1">
+                                  <a:solidFill>
+                                    <a:schemeClr val="accent1"/>
+                                  </a:solidFill>
+                                  <a:latin typeface="Cambria Math" panose="02040503050406030204" pitchFamily="18" charset="0"/>
+                                </a:rPr>
+                                <m:t>)</m:t>
+                              </m:r>
+                            </m:sup>
+                            <m:e>
+                              <m:sSub>
+                                <m:sSubPr>
+                                  <m:ctrlPr>
+                                    <a:rPr lang="en-CA" sz="3000" i="1">
+                                      <a:latin typeface="Cambria Math" panose="02040503050406030204" pitchFamily="18" charset="0"/>
+                                    </a:rPr>
+                                  </m:ctrlPr>
+                                </m:sSubPr>
+                                <m:e>
+                                  <m:r>
+                                    <a:rPr lang="en-CA" sz="3000" i="1">
+                                      <a:latin typeface="Cambria Math" panose="02040503050406030204" pitchFamily="18" charset="0"/>
+                                      <a:ea typeface="Cambria Math" panose="02040503050406030204" pitchFamily="18" charset="0"/>
+                                    </a:rPr>
+                                    <m:t>𝛻</m:t>
+                                  </m:r>
+                                </m:e>
+                                <m:sub>
+                                  <m:r>
+                                    <a:rPr lang="en-CA" sz="3000" i="1">
+                                      <a:latin typeface="Cambria Math" panose="02040503050406030204" pitchFamily="18" charset="0"/>
+                                    </a:rPr>
+                                    <m:t>𝑝</m:t>
+                                  </m:r>
+                                  <m:r>
+                                    <a:rPr lang="en-CA" sz="3000" i="1">
+                                      <a:latin typeface="Cambria Math" panose="02040503050406030204" pitchFamily="18" charset="0"/>
+                                    </a:rPr>
+                                    <m:t>(</m:t>
+                                  </m:r>
+                                  <m:r>
+                                    <a:rPr lang="en-CA" sz="3000" i="1">
+                                      <a:solidFill>
+                                        <a:schemeClr val="accent6"/>
+                                      </a:solidFill>
+                                      <a:latin typeface="Cambria Math" panose="02040503050406030204" pitchFamily="18" charset="0"/>
+                                    </a:rPr>
+                                    <m:t>𝑖</m:t>
+                                  </m:r>
+                                  <m:r>
+                                    <a:rPr lang="en-CA" sz="3000" i="1">
+                                      <a:latin typeface="Cambria Math" panose="02040503050406030204" pitchFamily="18" charset="0"/>
+                                    </a:rPr>
+                                    <m:t>,</m:t>
+                                  </m:r>
+                                  <m:r>
+                                    <a:rPr lang="en-CA" sz="3000" i="1">
+                                      <a:solidFill>
+                                        <a:schemeClr val="accent1"/>
+                                      </a:solidFill>
+                                      <a:latin typeface="Cambria Math" panose="02040503050406030204" pitchFamily="18" charset="0"/>
+                                    </a:rPr>
+                                    <m:t>𝑡</m:t>
+                                  </m:r>
+                                  <m:r>
+                                    <a:rPr lang="en-CA" sz="3000" i="1">
+                                      <a:latin typeface="Cambria Math" panose="02040503050406030204" pitchFamily="18" charset="0"/>
+                                    </a:rPr>
+                                    <m:t>)</m:t>
+                                  </m:r>
+                                </m:sub>
+                              </m:sSub>
+                              <m:r>
+                                <a:rPr lang="en-CA" sz="3000" i="1">
+                                  <a:latin typeface="Cambria Math" panose="02040503050406030204" pitchFamily="18" charset="0"/>
+                                  <a:ea typeface="Cambria Math" panose="02040503050406030204" pitchFamily="18" charset="0"/>
+                                </a:rPr>
+                                <m:t>𝑓</m:t>
+                              </m:r>
+                              <m:r>
+                                <a:rPr lang="en-CA" sz="3000" i="1">
+                                  <a:latin typeface="Cambria Math" panose="02040503050406030204" pitchFamily="18" charset="0"/>
+                                  <a:ea typeface="Cambria Math" panose="02040503050406030204" pitchFamily="18" charset="0"/>
+                                </a:rPr>
+                                <m:t>(</m:t>
+                              </m:r>
+                              <m:sSup>
+                                <m:sSupPr>
+                                  <m:ctrlPr>
+                                    <a:rPr lang="en-CA" sz="3000" i="1">
+                                      <a:latin typeface="Cambria Math" panose="02040503050406030204" pitchFamily="18" charset="0"/>
+                                      <a:ea typeface="Cambria Math" panose="02040503050406030204" pitchFamily="18" charset="0"/>
+                                    </a:rPr>
+                                  </m:ctrlPr>
+                                </m:sSupPr>
+                                <m:e>
+                                  <m:r>
+                                    <a:rPr lang="en-CA" sz="3000" i="1">
+                                      <a:latin typeface="Cambria Math" panose="02040503050406030204" pitchFamily="18" charset="0"/>
+                                      <a:ea typeface="Cambria Math" panose="02040503050406030204" pitchFamily="18" charset="0"/>
+                                    </a:rPr>
+                                    <m:t>𝑤</m:t>
+                                  </m:r>
+                                </m:e>
+                                <m:sup>
+                                  <m:r>
+                                    <a:rPr lang="en-CA" sz="3000" i="1">
+                                      <a:latin typeface="Cambria Math" panose="02040503050406030204" pitchFamily="18" charset="0"/>
+                                      <a:ea typeface="Cambria Math" panose="02040503050406030204" pitchFamily="18" charset="0"/>
+                                    </a:rPr>
+                                    <m:t>𝑡</m:t>
+                                  </m:r>
+                                </m:sup>
+                              </m:sSup>
+                              <m:r>
+                                <a:rPr lang="en-CA" sz="3000" i="1">
+                                  <a:latin typeface="Cambria Math" panose="02040503050406030204" pitchFamily="18" charset="0"/>
+                                  <a:ea typeface="Cambria Math" panose="02040503050406030204" pitchFamily="18" charset="0"/>
+                                </a:rPr>
+                                <m:t>)</m:t>
+                              </m:r>
+                            </m:e>
+                          </m:nary>
+                        </m:e>
+                      </m:d>
+                    </m:oMath>
+                  </m:oMathPara>
+                </a14:m>
+                <a:endParaRPr lang="en-CA" sz="3000" dirty="0"/>
+              </a:p>
+            </p:txBody>
+          </p:sp>
+        </mc:Choice>
+        <mc:Fallback xmlns="">
+          <p:sp>
+            <p:nvSpPr>
+              <p:cNvPr id="29" name="Rectangle 28"/>
+              <p:cNvSpPr>
+                <a:spLocks noRot="1" noChangeAspect="1" noMove="1" noResize="1" noEditPoints="1" noAdjustHandles="1" noChangeArrowheads="1" noChangeShapeType="1" noTextEdit="1"/>
+              </p:cNvSpPr>
+              <p:nvPr/>
+            </p:nvSpPr>
+            <p:spPr>
+              <a:xfrm>
+                <a:off x="3957917" y="4290502"/>
+                <a:ext cx="6156365" cy="1578637"/>
+              </a:xfrm>
+              <a:prstGeom prst="rect">
+                <a:avLst/>
+              </a:prstGeom>
+              <a:blipFill rotWithShape="0">
+                <a:blip r:embed="rId3"/>
+                <a:stretch>
+                  <a:fillRect/>
+                </a:stretch>
+              </a:blipFill>
+            </p:spPr>
+            <p:txBody>
+              <a:bodyPr/>
+              <a:lstStyle/>
+              <a:p>
+                <a:r>
+                  <a:rPr lang="en-CA">
+                    <a:noFill/>
+                  </a:rPr>
+                  <a:t> </a:t>
+                </a:r>
+              </a:p>
+            </p:txBody>
+          </p:sp>
+        </mc:Fallback>
+      </mc:AlternateContent>
+    </p:spTree>
+    <p:extLst>
+      <p:ext uri="{BB962C8B-B14F-4D97-AF65-F5344CB8AC3E}">
+        <p14:creationId xmlns:p14="http://schemas.microsoft.com/office/powerpoint/2010/main" val="75161297"/>
+      </p:ext>
+    </p:extLst>
+  </p:cSld>
+  <p:clrMapOvr>
+    <a:masterClrMapping/>
+  </p:clrMapOvr>
+  <p:timing>
+    <p:tnLst>
+      <p:par>
+        <p:cTn id="1" dur="indefinite" restart="never" nodeType="tmRoot">
+          <p:childTnLst>
+            <p:seq concurrent="1" nextAc="seek">
+              <p:cTn id="2" dur="indefinite" nodeType="mainSeq">
+                <p:childTnLst>
+                  <p:par>
+                    <p:cTn id="3" fill="hold">
+                      <p:stCondLst>
+                        <p:cond delay="indefinite"/>
+                      </p:stCondLst>
+                      <p:childTnLst>
+                        <p:par>
+                          <p:cTn id="4" fill="hold">
+                            <p:stCondLst>
+                              <p:cond delay="0"/>
+                            </p:stCondLst>
+                            <p:childTnLst>
+                              <p:par>
+                                <p:cTn id="5" presetID="1" presetClass="entr" presetSubtype="0" fill="hold" grpId="0" nodeType="clickEffect">
+                                  <p:stCondLst>
+                                    <p:cond delay="0"/>
+                                  </p:stCondLst>
+                                  <p:childTnLst>
+                                    <p:set>
+                                      <p:cBhvr>
+                                        <p:cTn id="6" dur="1" fill="hold">
+                                          <p:stCondLst>
+                                            <p:cond delay="0"/>
+                                          </p:stCondLst>
+                                        </p:cTn>
+                                        <p:tgtEl>
+                                          <p:spTgt spid="29"/>
+                                        </p:tgtEl>
+                                        <p:attrNameLst>
+                                          <p:attrName>style.visibility</p:attrName>
+                                        </p:attrNameLst>
+                                      </p:cBhvr>
+                                      <p:to>
+                                        <p:strVal val="visible"/>
+                                      </p:to>
+                                    </p:set>
+                                  </p:childTnLst>
+                                </p:cTn>
+                              </p:par>
+                            </p:childTnLst>
+                          </p:cTn>
+                        </p:par>
+                      </p:childTnLst>
+                    </p:cTn>
+                  </p:par>
+                </p:childTnLst>
+              </p:cTn>
+              <p:prevCondLst>
+                <p:cond evt="onPrev" delay="0">
+                  <p:tgtEl>
+                    <p:sldTgt/>
+                  </p:tgtEl>
+                </p:cond>
+              </p:prevCondLst>
+              <p:nextCondLst>
+                <p:cond evt="onNext" delay="0">
+                  <p:tgtEl>
+                    <p:sldTgt/>
+                  </p:tgtEl>
+                </p:cond>
+              </p:nextCondLst>
+            </p:seq>
+          </p:childTnLst>
+        </p:cTn>
+      </p:par>
+    </p:tnLst>
+    <p:bldLst>
+      <p:bldP spid="29" grpId="0"/>
+    </p:bldLst>
+  </p:timing>
+</p:sld>
+</file>
+
+<file path=ppt/slides/slide24.xml><?xml version="1.0" encoding="utf-8"?>
+<p:sld xmlns:a="http://schemas.openxmlformats.org/drawingml/2006/main" xmlns:r="http://schemas.openxmlformats.org/officeDocument/2006/relationships" xmlns:p="http://schemas.openxmlformats.org/presentationml/2006/main">
+  <p:cSld>
+    <p:spTree>
+      <p:nvGrpSpPr>
+        <p:cNvPr id="1" name=""/>
+        <p:cNvGrpSpPr/>
+        <p:nvPr/>
+      </p:nvGrpSpPr>
+      <p:grpSpPr>
+        <a:xfrm>
+          <a:off x="0" y="0"/>
+          <a:ext cx="0" cy="0"/>
+          <a:chOff x="0" y="0"/>
+          <a:chExt cx="0" cy="0"/>
+        </a:xfrm>
+      </p:grpSpPr>
+      <p:sp>
+        <p:nvSpPr>
+          <p:cNvPr id="2" name="Title 1"/>
+          <p:cNvSpPr>
+            <a:spLocks noGrp="1"/>
+          </p:cNvSpPr>
+          <p:nvPr>
+            <p:ph type="title"/>
+          </p:nvPr>
+        </p:nvSpPr>
+        <p:spPr/>
+        <p:txBody>
+          <a:bodyPr>
+            <a:normAutofit/>
+          </a:bodyPr>
+          <a:lstStyle/>
+          <a:p>
+            <a:pPr algn="ctr"/>
+            <a:r>
+              <a:rPr lang="en-CA" dirty="0" smtClean="0"/>
+              <a:t>Future </a:t>
+            </a:r>
+            <a:r>
+              <a:rPr lang="en-CA" dirty="0"/>
+              <a:t>Work</a:t>
+            </a:r>
+            <a:r>
+              <a:rPr lang="en-CA" dirty="0" smtClean="0"/>
+              <a:t>: </a:t>
+            </a:r>
+            <a:r>
+              <a:rPr lang="en-CA" dirty="0"/>
+              <a:t>What do we do with </a:t>
+            </a:r>
+            <a:r>
+              <a:rPr lang="en-CA" dirty="0" err="1" smtClean="0"/>
+              <a:t>flexMF</a:t>
+            </a:r>
+            <a:r>
+              <a:rPr lang="en-CA" dirty="0"/>
+              <a:t>?</a:t>
+            </a:r>
+          </a:p>
+        </p:txBody>
+      </p:sp>
+      <p:sp>
+        <p:nvSpPr>
+          <p:cNvPr id="3" name="Content Placeholder 2"/>
+          <p:cNvSpPr>
+            <a:spLocks noGrp="1"/>
+          </p:cNvSpPr>
+          <p:nvPr>
+            <p:ph idx="1"/>
+          </p:nvPr>
+        </p:nvSpPr>
+        <p:spPr/>
+        <p:txBody>
+          <a:bodyPr>
+            <a:normAutofit fontScale="92500" lnSpcReduction="20000"/>
+          </a:bodyPr>
+          <a:lstStyle/>
+          <a:p>
+            <a:pPr marL="0" indent="0" algn="ctr">
+              <a:buNone/>
+            </a:pPr>
+            <a:r>
+              <a:rPr lang="en-CA" dirty="0" smtClean="0">
+                <a:sym typeface="Wingdings" panose="05000000000000000000" pitchFamily="2" charset="2"/>
+              </a:rPr>
+              <a:t>Adaptive </a:t>
+            </a:r>
+            <a:r>
+              <a:rPr lang="en-CA" dirty="0">
+                <a:sym typeface="Wingdings" panose="05000000000000000000" pitchFamily="2" charset="2"/>
+              </a:rPr>
+              <a:t>Descent/Ascent </a:t>
+            </a:r>
+            <a:endParaRPr lang="en-CA" dirty="0"/>
+          </a:p>
+          <a:p>
+            <a:r>
+              <a:rPr lang="en-CA" dirty="0" smtClean="0"/>
+              <a:t>There’re other Iterative </a:t>
+            </a:r>
+            <a:r>
+              <a:rPr lang="en-CA" dirty="0"/>
+              <a:t>optimization </a:t>
+            </a:r>
+            <a:r>
+              <a:rPr lang="en-CA" dirty="0" smtClean="0"/>
+              <a:t>methods:</a:t>
+            </a:r>
+            <a:endParaRPr lang="en-CA" dirty="0"/>
+          </a:p>
+          <a:p>
+            <a:pPr lvl="1"/>
+            <a:r>
+              <a:rPr lang="en-CA" dirty="0" smtClean="0"/>
+              <a:t>Coordinate/Proximal/Incremental: which can we integrate?</a:t>
+            </a:r>
+          </a:p>
+          <a:p>
+            <a:pPr marL="457200" lvl="1" indent="0">
+              <a:buNone/>
+            </a:pPr>
+            <a:endParaRPr lang="en-CA" dirty="0" smtClean="0"/>
+          </a:p>
+          <a:p>
+            <a:pPr marL="0" indent="0" algn="ctr">
+              <a:buNone/>
+            </a:pPr>
+            <a:r>
+              <a:rPr lang="en-CA" dirty="0" smtClean="0"/>
+              <a:t>Greedy </a:t>
+            </a:r>
+            <a:r>
+              <a:rPr lang="en-CA" dirty="0"/>
+              <a:t>Parallel </a:t>
+            </a:r>
+            <a:r>
+              <a:rPr lang="en-CA" dirty="0" smtClean="0"/>
+              <a:t>Descent/Ascent</a:t>
+            </a:r>
+          </a:p>
+          <a:p>
+            <a:r>
+              <a:rPr lang="en-CA" dirty="0" smtClean="0"/>
+              <a:t>Problem: Individual descent/ascent can be difficult to parallelize</a:t>
+            </a:r>
+          </a:p>
+          <a:p>
+            <a:r>
+              <a:rPr lang="en-CA" dirty="0" smtClean="0"/>
+              <a:t>Idea: can run multiple individual algorithms independently in parallel</a:t>
+            </a:r>
+          </a:p>
+          <a:p>
+            <a:pPr lvl="1"/>
+            <a:r>
+              <a:rPr lang="en-CA" dirty="0" smtClean="0"/>
+              <a:t>Pick the algorithm with the best convergence rate</a:t>
+            </a:r>
+          </a:p>
+          <a:p>
+            <a:r>
+              <a:rPr lang="en-CA" dirty="0" smtClean="0"/>
+              <a:t>Challenge: some algorithms are faster than others</a:t>
+            </a:r>
+          </a:p>
+          <a:p>
+            <a:pPr lvl="1"/>
+            <a:r>
+              <a:rPr lang="en-CA" dirty="0" smtClean="0"/>
+              <a:t>Run faster algorithms multiple times, wait for slowest to complete</a:t>
+            </a:r>
+          </a:p>
+          <a:p>
+            <a:r>
+              <a:rPr lang="en-CA" dirty="0" smtClean="0"/>
+              <a:t>Hypothesis: Greedy Parallel would be faster than Adaptive</a:t>
+            </a:r>
+          </a:p>
+        </p:txBody>
+      </p:sp>
+    </p:spTree>
+    <p:extLst>
+      <p:ext uri="{BB962C8B-B14F-4D97-AF65-F5344CB8AC3E}">
+        <p14:creationId xmlns:p14="http://schemas.microsoft.com/office/powerpoint/2010/main" val="153489664"/>
+      </p:ext>
+    </p:extLst>
+  </p:cSld>
+  <p:clrMapOvr>
+    <a:masterClrMapping/>
+  </p:clrMapOvr>
+  <p:timing>
+    <p:tnLst>
+      <p:par>
+        <p:cTn id="1" dur="indefinite" restart="never" nodeType="tmRoot"/>
+      </p:par>
+    </p:tnLst>
+  </p:timing>
+</p:sld>
+</file>
+
+<file path=ppt/slides/slide25.xml><?xml version="1.0" encoding="utf-8"?>
+<p:sld xmlns:a="http://schemas.openxmlformats.org/drawingml/2006/main" xmlns:r="http://schemas.openxmlformats.org/officeDocument/2006/relationships" xmlns:p="http://schemas.openxmlformats.org/presentationml/2006/main">
+  <p:cSld>
+    <p:spTree>
+      <p:nvGrpSpPr>
+        <p:cNvPr id="1" name=""/>
+        <p:cNvGrpSpPr/>
+        <p:nvPr/>
+      </p:nvGrpSpPr>
+      <p:grpSpPr>
+        <a:xfrm>
+          <a:off x="0" y="0"/>
+          <a:ext cx="0" cy="0"/>
+          <a:chOff x="0" y="0"/>
+          <a:chExt cx="0" cy="0"/>
+        </a:xfrm>
+      </p:grpSpPr>
+      <p:sp>
+        <p:nvSpPr>
+          <p:cNvPr id="2" name="Title 1"/>
+          <p:cNvSpPr>
+            <a:spLocks noGrp="1"/>
+          </p:cNvSpPr>
+          <p:nvPr>
+            <p:ph type="title"/>
+          </p:nvPr>
+        </p:nvSpPr>
+        <p:spPr/>
+        <p:txBody>
+          <a:bodyPr/>
+          <a:lstStyle/>
+          <a:p>
+            <a:pPr algn="ctr"/>
+            <a:r>
+              <a:rPr lang="en-CA" dirty="0" smtClean="0"/>
+              <a:t>Demo / Sample Code</a:t>
+            </a:r>
+            <a:endParaRPr lang="en-CA" dirty="0"/>
+          </a:p>
+        </p:txBody>
+      </p:sp>
+      <p:sp>
+        <p:nvSpPr>
+          <p:cNvPr id="3" name="Content Placeholder 2"/>
+          <p:cNvSpPr>
+            <a:spLocks noGrp="1"/>
+          </p:cNvSpPr>
+          <p:nvPr>
+            <p:ph idx="1"/>
+          </p:nvPr>
+        </p:nvSpPr>
+        <p:spPr/>
+        <p:txBody>
+          <a:bodyPr/>
+          <a:lstStyle/>
+          <a:p>
+            <a:endParaRPr lang="en-CA"/>
+          </a:p>
+        </p:txBody>
+      </p:sp>
+    </p:spTree>
+    <p:extLst>
+      <p:ext uri="{BB962C8B-B14F-4D97-AF65-F5344CB8AC3E}">
+        <p14:creationId xmlns:p14="http://schemas.microsoft.com/office/powerpoint/2010/main" val="74748030"/>
+      </p:ext>
+    </p:extLst>
+  </p:cSld>
+  <p:clrMapOvr>
+    <a:masterClrMapping/>
+  </p:clrMapOvr>
+</p:sld>
+</file>
+
+<file path=ppt/slides/slide3.xml><?xml version="1.0" encoding="utf-8"?>
+<p:sld xmlns:a="http://schemas.openxmlformats.org/drawingml/2006/main" xmlns:r="http://schemas.openxmlformats.org/officeDocument/2006/relationships" xmlns:p="http://schemas.openxmlformats.org/presentationml/2006/main">
+  <p:cSld>
+    <p:spTree>
+      <p:nvGrpSpPr>
+        <p:cNvPr id="1" name=""/>
+        <p:cNvGrpSpPr/>
+        <p:nvPr/>
+      </p:nvGrpSpPr>
+      <p:grpSpPr>
+        <a:xfrm>
+          <a:off x="0" y="0"/>
+          <a:ext cx="0" cy="0"/>
+          <a:chOff x="0" y="0"/>
+          <a:chExt cx="0" cy="0"/>
+        </a:xfrm>
+      </p:grpSpPr>
+      <p:sp>
+        <p:nvSpPr>
+          <p:cNvPr id="2" name="Title 1"/>
+          <p:cNvSpPr>
+            <a:spLocks noGrp="1"/>
+          </p:cNvSpPr>
+          <p:nvPr>
+            <p:ph type="title"/>
+          </p:nvPr>
+        </p:nvSpPr>
+        <p:spPr/>
+        <p:txBody>
+          <a:bodyPr/>
+          <a:lstStyle/>
+          <a:p>
+            <a:pPr algn="ctr"/>
+            <a:r>
+              <a:rPr lang="en-CA" dirty="0" smtClean="0"/>
+              <a:t>Problem with Gradient Descent methods</a:t>
+            </a:r>
+            <a:endParaRPr lang="en-CA" dirty="0"/>
+          </a:p>
+        </p:txBody>
+      </p:sp>
+      <p:sp>
+        <p:nvSpPr>
+          <p:cNvPr id="3" name="Content Placeholder 2"/>
+          <p:cNvSpPr>
+            <a:spLocks noGrp="1"/>
+          </p:cNvSpPr>
+          <p:nvPr>
+            <p:ph idx="1"/>
+          </p:nvPr>
+        </p:nvSpPr>
+        <p:spPr/>
+        <p:txBody>
+          <a:bodyPr>
+            <a:normAutofit/>
+          </a:bodyPr>
+          <a:lstStyle/>
+          <a:p>
+            <a:pPr marL="0" indent="0" algn="ctr">
+              <a:buNone/>
+            </a:pPr>
+            <a:r>
+              <a:rPr lang="en-CA" dirty="0" smtClean="0"/>
+              <a:t>But… it’s hard to get both speed and quality</a:t>
+            </a:r>
+          </a:p>
+          <a:p>
+            <a:r>
+              <a:rPr lang="en-CA" dirty="0" smtClean="0"/>
+              <a:t>Stochastic GD: each iteration is quick O(1*d)</a:t>
+            </a:r>
+          </a:p>
+          <a:p>
+            <a:pPr lvl="1"/>
+            <a:r>
+              <a:rPr lang="en-CA" dirty="0" smtClean="0"/>
+              <a:t>But… Error may still be high after convergence </a:t>
+            </a:r>
+          </a:p>
+          <a:p>
+            <a:r>
+              <a:rPr lang="en-CA" dirty="0" smtClean="0"/>
+              <a:t>Full GD: can go towards a lower error after convergence</a:t>
+            </a:r>
+          </a:p>
+          <a:p>
+            <a:pPr lvl="1"/>
+            <a:r>
+              <a:rPr lang="en-CA" dirty="0" smtClean="0"/>
+              <a:t>But… each iteration is slow O(N*d), has to go thru all N data points</a:t>
+            </a:r>
+          </a:p>
+          <a:p>
+            <a:r>
+              <a:rPr lang="en-CA" dirty="0" smtClean="0"/>
+              <a:t>Stochastic Average GD</a:t>
+            </a:r>
+          </a:p>
+          <a:p>
+            <a:pPr lvl="1"/>
+            <a:r>
+              <a:rPr lang="en-CA" dirty="0" smtClean="0"/>
+              <a:t>shows some promise in logistic regression in machine learning</a:t>
+            </a:r>
+          </a:p>
+          <a:p>
+            <a:pPr lvl="1"/>
+            <a:r>
+              <a:rPr lang="en-CA" dirty="0" smtClean="0"/>
+              <a:t>not yet evaluated on Matrix Factorization</a:t>
+            </a:r>
+            <a:endParaRPr lang="en-CA" dirty="0"/>
+          </a:p>
+        </p:txBody>
+      </p:sp>
+    </p:spTree>
+    <p:extLst>
+      <p:ext uri="{BB962C8B-B14F-4D97-AF65-F5344CB8AC3E}">
+        <p14:creationId xmlns:p14="http://schemas.microsoft.com/office/powerpoint/2010/main" val="1359493865"/>
+      </p:ext>
+    </p:extLst>
+  </p:cSld>
+  <p:clrMapOvr>
+    <a:masterClrMapping/>
+  </p:clrMapOvr>
+  <p:timing>
+    <p:tnLst>
+      <p:par>
+        <p:cTn id="1" dur="indefinite" restart="never" nodeType="tmRoot"/>
+      </p:par>
+    </p:tnLst>
+  </p:timing>
+</p:sld>
+</file>
+
+<file path=ppt/slides/slide4.xml><?xml version="1.0" encoding="utf-8"?>
+<p:sld xmlns:a="http://schemas.openxmlformats.org/drawingml/2006/main" xmlns:r="http://schemas.openxmlformats.org/officeDocument/2006/relationships" xmlns:p="http://schemas.openxmlformats.org/presentationml/2006/main">
+  <p:cSld>
+    <p:spTree>
+      <p:nvGrpSpPr>
+        <p:cNvPr id="1" name=""/>
+        <p:cNvGrpSpPr/>
+        <p:nvPr/>
+      </p:nvGrpSpPr>
+      <p:grpSpPr>
+        <a:xfrm>
+          <a:off x="0" y="0"/>
+          <a:ext cx="0" cy="0"/>
+          <a:chOff x="0" y="0"/>
+          <a:chExt cx="0" cy="0"/>
+        </a:xfrm>
+      </p:grpSpPr>
+      <p:sp>
+        <p:nvSpPr>
+          <p:cNvPr id="2" name="Title 1"/>
+          <p:cNvSpPr>
+            <a:spLocks noGrp="1"/>
+          </p:cNvSpPr>
+          <p:nvPr>
+            <p:ph type="title"/>
+          </p:nvPr>
+        </p:nvSpPr>
+        <p:spPr/>
+        <p:txBody>
+          <a:bodyPr/>
+          <a:lstStyle/>
+          <a:p>
+            <a:pPr algn="ctr"/>
+            <a:r>
+              <a:rPr lang="en-CA" dirty="0" smtClean="0"/>
+              <a:t>Background: Gradient Descent/ascent</a:t>
+            </a:r>
+            <a:endParaRPr lang="en-CA" dirty="0"/>
+          </a:p>
+        </p:txBody>
+      </p:sp>
+      <mc:AlternateContent xmlns:mc="http://schemas.openxmlformats.org/markup-compatibility/2006" xmlns:a14="http://schemas.microsoft.com/office/drawing/2010/main">
+        <mc:Choice Requires="a14">
+          <p:sp>
+            <p:nvSpPr>
+              <p:cNvPr id="3" name="Content Placeholder 2"/>
+              <p:cNvSpPr>
+                <a:spLocks noGrp="1"/>
+              </p:cNvSpPr>
+              <p:nvPr>
+                <p:ph idx="1"/>
+              </p:nvPr>
+            </p:nvSpPr>
+            <p:spPr/>
+            <p:txBody>
+              <a:bodyPr>
+                <a:normAutofit/>
+              </a:bodyPr>
+              <a:lstStyle/>
+              <a:p>
+                <a:pPr marL="0" indent="0">
+                  <a:buNone/>
+                </a:pPr>
+                <a14:m>
+                  <m:oMathPara xmlns:m="http://schemas.openxmlformats.org/officeDocument/2006/math">
+                    <m:oMathParaPr>
+                      <m:jc m:val="centerGroup"/>
+                    </m:oMathParaPr>
+                    <m:oMath xmlns:m="http://schemas.openxmlformats.org/officeDocument/2006/math">
+                      <m:sSup>
+                        <m:sSupPr>
+                          <m:ctrlPr>
+                            <a:rPr lang="en-CA" i="1" smtClean="0">
+                              <a:latin typeface="Cambria Math" panose="02040503050406030204" pitchFamily="18" charset="0"/>
+                              <a:ea typeface="Cambria Math" panose="02040503050406030204" pitchFamily="18" charset="0"/>
+                            </a:rPr>
+                          </m:ctrlPr>
+                        </m:sSupPr>
+                        <m:e>
+                          <m:r>
+                            <a:rPr lang="en-CA" i="1">
+                              <a:latin typeface="Cambria Math" panose="02040503050406030204" pitchFamily="18" charset="0"/>
+                              <a:ea typeface="Cambria Math" panose="02040503050406030204" pitchFamily="18" charset="0"/>
+                            </a:rPr>
+                            <m:t>𝑤</m:t>
+                          </m:r>
+                        </m:e>
+                        <m:sup>
+                          <m:r>
+                            <a:rPr lang="en-CA" b="0" i="1" smtClean="0">
+                              <a:solidFill>
+                                <a:schemeClr val="accent1"/>
+                              </a:solidFill>
+                              <a:latin typeface="Cambria Math" panose="02040503050406030204" pitchFamily="18" charset="0"/>
+                              <a:ea typeface="Cambria Math" panose="02040503050406030204" pitchFamily="18" charset="0"/>
+                            </a:rPr>
+                            <m:t>𝑡</m:t>
+                          </m:r>
+                          <m:r>
+                            <a:rPr lang="en-CA" b="0" i="1" smtClean="0">
+                              <a:solidFill>
+                                <a:schemeClr val="accent1"/>
+                              </a:solidFill>
+                              <a:latin typeface="Cambria Math" panose="02040503050406030204" pitchFamily="18" charset="0"/>
+                              <a:ea typeface="Cambria Math" panose="02040503050406030204" pitchFamily="18" charset="0"/>
+                            </a:rPr>
+                            <m:t>+1</m:t>
+                          </m:r>
+                        </m:sup>
+                      </m:sSup>
+                      <m:r>
+                        <a:rPr lang="en-CA" b="0" i="1" smtClean="0">
+                          <a:latin typeface="Cambria Math" panose="02040503050406030204" pitchFamily="18" charset="0"/>
+                          <a:ea typeface="Cambria Math" panose="02040503050406030204" pitchFamily="18" charset="0"/>
+                        </a:rPr>
+                        <m:t>=</m:t>
+                      </m:r>
+                      <m:sSup>
+                        <m:sSupPr>
+                          <m:ctrlPr>
+                            <a:rPr lang="en-CA" i="1" smtClean="0">
+                              <a:latin typeface="Cambria Math" panose="02040503050406030204" pitchFamily="18" charset="0"/>
+                              <a:ea typeface="Cambria Math" panose="02040503050406030204" pitchFamily="18" charset="0"/>
+                            </a:rPr>
+                          </m:ctrlPr>
+                        </m:sSupPr>
+                        <m:e>
+                          <m:r>
+                            <a:rPr lang="en-CA" i="1">
+                              <a:latin typeface="Cambria Math" panose="02040503050406030204" pitchFamily="18" charset="0"/>
+                              <a:ea typeface="Cambria Math" panose="02040503050406030204" pitchFamily="18" charset="0"/>
+                            </a:rPr>
+                            <m:t>𝑤</m:t>
+                          </m:r>
+                        </m:e>
+                        <m:sup>
+                          <m:r>
+                            <a:rPr lang="en-CA" i="1" smtClean="0">
+                              <a:solidFill>
+                                <a:schemeClr val="accent1"/>
+                              </a:solidFill>
+                              <a:latin typeface="Cambria Math" panose="02040503050406030204" pitchFamily="18" charset="0"/>
+                              <a:ea typeface="Cambria Math" panose="02040503050406030204" pitchFamily="18" charset="0"/>
+                            </a:rPr>
+                            <m:t>𝑡</m:t>
+                          </m:r>
+                        </m:sup>
+                      </m:sSup>
+                      <m:r>
+                        <a:rPr lang="en-CA" b="0" i="1" smtClean="0">
+                          <a:latin typeface="Cambria Math" panose="02040503050406030204" pitchFamily="18" charset="0"/>
+                        </a:rPr>
+                        <m:t>−</m:t>
+                      </m:r>
+                      <m:r>
+                        <a:rPr lang="en-CA" b="0" i="1" smtClean="0">
+                          <a:solidFill>
+                            <a:srgbClr val="C00000"/>
+                          </a:solidFill>
+                          <a:latin typeface="Cambria Math" panose="02040503050406030204" pitchFamily="18" charset="0"/>
+                          <a:ea typeface="Cambria Math" panose="02040503050406030204" pitchFamily="18" charset="0"/>
+                        </a:rPr>
+                        <m:t>𝛼</m:t>
+                      </m:r>
+                      <m:r>
+                        <a:rPr lang="en-CA" b="0" i="1" smtClean="0">
+                          <a:latin typeface="Cambria Math" panose="02040503050406030204" pitchFamily="18" charset="0"/>
+                        </a:rPr>
+                        <m:t>∗</m:t>
+                      </m:r>
+                      <m:d>
+                        <m:dPr>
+                          <m:ctrlPr>
+                            <a:rPr lang="en-CA" b="0" i="1" smtClean="0">
+                              <a:latin typeface="Cambria Math" panose="02040503050406030204" pitchFamily="18" charset="0"/>
+                            </a:rPr>
+                          </m:ctrlPr>
+                        </m:dPr>
+                        <m:e>
+                          <m:nary>
+                            <m:naryPr>
+                              <m:chr m:val="∑"/>
+                              <m:ctrlPr>
+                                <a:rPr lang="en-CA" i="1">
+                                  <a:latin typeface="Cambria Math" panose="02040503050406030204" pitchFamily="18" charset="0"/>
+                                </a:rPr>
+                              </m:ctrlPr>
+                            </m:naryPr>
+                            <m:sub>
+                              <m:r>
+                                <m:rPr>
+                                  <m:brk m:alnAt="23"/>
+                                </m:rPr>
+                                <a:rPr lang="en-CA" i="1">
+                                  <a:latin typeface="Cambria Math" panose="02040503050406030204" pitchFamily="18" charset="0"/>
+                                </a:rPr>
+                                <m:t>𝑖</m:t>
+                              </m:r>
+                              <m:r>
+                                <a:rPr lang="en-CA" i="1">
+                                  <a:latin typeface="Cambria Math" panose="02040503050406030204" pitchFamily="18" charset="0"/>
+                                </a:rPr>
+                                <m:t>=1</m:t>
+                              </m:r>
+                            </m:sub>
+                            <m:sup>
+                              <m:r>
+                                <a:rPr lang="en-CA" i="1">
+                                  <a:latin typeface="Cambria Math" panose="02040503050406030204" pitchFamily="18" charset="0"/>
+                                </a:rPr>
+                                <m:t>𝑏</m:t>
+                              </m:r>
+                            </m:sup>
+                            <m:e>
+                              <m:sSub>
+                                <m:sSubPr>
+                                  <m:ctrlPr>
+                                    <a:rPr lang="en-CA" i="1">
+                                      <a:latin typeface="Cambria Math" panose="02040503050406030204" pitchFamily="18" charset="0"/>
+                                    </a:rPr>
+                                  </m:ctrlPr>
+                                </m:sSubPr>
+                                <m:e>
+                                  <m:r>
+                                    <a:rPr lang="en-CA" i="1">
+                                      <a:latin typeface="Cambria Math" panose="02040503050406030204" pitchFamily="18" charset="0"/>
+                                      <a:ea typeface="Cambria Math" panose="02040503050406030204" pitchFamily="18" charset="0"/>
+                                    </a:rPr>
+                                    <m:t>𝛻</m:t>
+                                  </m:r>
+                                </m:e>
+                                <m:sub>
+                                  <m:r>
+                                    <a:rPr lang="en-CA" i="1">
+                                      <a:latin typeface="Cambria Math" panose="02040503050406030204" pitchFamily="18" charset="0"/>
+                                    </a:rPr>
+                                    <m:t>𝑝</m:t>
+                                  </m:r>
+                                  <m:r>
+                                    <a:rPr lang="en-CA" i="1">
+                                      <a:latin typeface="Cambria Math" panose="02040503050406030204" pitchFamily="18" charset="0"/>
+                                    </a:rPr>
+                                    <m:t>(</m:t>
+                                  </m:r>
+                                  <m:r>
+                                    <a:rPr lang="en-CA" i="1">
+                                      <a:solidFill>
+                                        <a:schemeClr val="accent6"/>
+                                      </a:solidFill>
+                                      <a:latin typeface="Cambria Math" panose="02040503050406030204" pitchFamily="18" charset="0"/>
+                                    </a:rPr>
+                                    <m:t>𝑖</m:t>
+                                  </m:r>
+                                  <m:r>
+                                    <a:rPr lang="en-CA" i="1">
+                                      <a:latin typeface="Cambria Math" panose="02040503050406030204" pitchFamily="18" charset="0"/>
+                                    </a:rPr>
+                                    <m:t>,</m:t>
+                                  </m:r>
+                                  <m:r>
+                                    <a:rPr lang="en-CA" i="1">
+                                      <a:solidFill>
+                                        <a:schemeClr val="accent1"/>
+                                      </a:solidFill>
+                                      <a:latin typeface="Cambria Math" panose="02040503050406030204" pitchFamily="18" charset="0"/>
+                                    </a:rPr>
+                                    <m:t>𝑡</m:t>
+                                  </m:r>
+                                  <m:r>
+                                    <a:rPr lang="en-CA" i="1">
+                                      <a:latin typeface="Cambria Math" panose="02040503050406030204" pitchFamily="18" charset="0"/>
+                                    </a:rPr>
+                                    <m:t>)</m:t>
+                                  </m:r>
+                                </m:sub>
+                              </m:sSub>
+                              <m:r>
+                                <a:rPr lang="en-CA" i="1">
+                                  <a:latin typeface="Cambria Math" panose="02040503050406030204" pitchFamily="18" charset="0"/>
+                                  <a:ea typeface="Cambria Math" panose="02040503050406030204" pitchFamily="18" charset="0"/>
+                                </a:rPr>
+                                <m:t>𝑓</m:t>
+                              </m:r>
+                              <m:r>
+                                <a:rPr lang="en-CA" i="1">
+                                  <a:latin typeface="Cambria Math" panose="02040503050406030204" pitchFamily="18" charset="0"/>
+                                  <a:ea typeface="Cambria Math" panose="02040503050406030204" pitchFamily="18" charset="0"/>
+                                </a:rPr>
+                                <m:t>(</m:t>
+                              </m:r>
+                              <m:sSup>
+                                <m:sSupPr>
+                                  <m:ctrlPr>
+                                    <a:rPr lang="en-CA" i="1">
+                                      <a:latin typeface="Cambria Math" panose="02040503050406030204" pitchFamily="18" charset="0"/>
+                                      <a:ea typeface="Cambria Math" panose="02040503050406030204" pitchFamily="18" charset="0"/>
+                                    </a:rPr>
+                                  </m:ctrlPr>
+                                </m:sSupPr>
+                                <m:e>
+                                  <m:r>
+                                    <a:rPr lang="en-CA" i="1">
+                                      <a:latin typeface="Cambria Math" panose="02040503050406030204" pitchFamily="18" charset="0"/>
+                                      <a:ea typeface="Cambria Math" panose="02040503050406030204" pitchFamily="18" charset="0"/>
+                                    </a:rPr>
+                                    <m:t>𝑤</m:t>
+                                  </m:r>
+                                </m:e>
+                                <m:sup>
+                                  <m:r>
+                                    <a:rPr lang="en-CA" i="1">
+                                      <a:latin typeface="Cambria Math" panose="02040503050406030204" pitchFamily="18" charset="0"/>
+                                      <a:ea typeface="Cambria Math" panose="02040503050406030204" pitchFamily="18" charset="0"/>
+                                    </a:rPr>
+                                    <m:t>𝑡</m:t>
+                                  </m:r>
+                                </m:sup>
+                              </m:sSup>
+                              <m:r>
+                                <a:rPr lang="en-CA" i="1">
+                                  <a:latin typeface="Cambria Math" panose="02040503050406030204" pitchFamily="18" charset="0"/>
+                                  <a:ea typeface="Cambria Math" panose="02040503050406030204" pitchFamily="18" charset="0"/>
+                                </a:rPr>
+                                <m:t>)</m:t>
+                              </m:r>
+                            </m:e>
+                          </m:nary>
+                        </m:e>
+                      </m:d>
+                    </m:oMath>
+                  </m:oMathPara>
+                </a14:m>
+                <a:endParaRPr lang="en-CA" dirty="0" smtClean="0"/>
+              </a:p>
+              <a:p>
+                <a:endParaRPr lang="en-CA" dirty="0" smtClean="0"/>
+              </a:p>
+              <a:p>
+                <a:endParaRPr lang="en-CA" dirty="0" smtClean="0"/>
+              </a:p>
+              <a:p>
+                <a:pPr lvl="1"/>
+                <a:endParaRPr lang="en-CA" dirty="0" smtClean="0"/>
+              </a:p>
+              <a:p>
+                <a:endParaRPr lang="en-CA" dirty="0"/>
+              </a:p>
+              <a:p>
+                <a:endParaRPr lang="en-CA" dirty="0"/>
+              </a:p>
+            </p:txBody>
+          </p:sp>
+        </mc:Choice>
+        <mc:Fallback xmlns="">
+          <p:sp>
+            <p:nvSpPr>
+              <p:cNvPr id="3" name="Content Placeholder 2"/>
+              <p:cNvSpPr>
+                <a:spLocks noGrp="1" noRot="1" noChangeAspect="1" noMove="1" noResize="1" noEditPoints="1" noAdjustHandles="1" noChangeArrowheads="1" noChangeShapeType="1" noTextEdit="1"/>
+              </p:cNvSpPr>
+              <p:nvPr>
+                <p:ph idx="1"/>
+              </p:nvPr>
+            </p:nvSpPr>
+            <p:spPr>
+              <a:blipFill rotWithShape="0">
+                <a:blip r:embed="rId2"/>
+                <a:stretch>
+                  <a:fillRect/>
+                </a:stretch>
+              </a:blipFill>
+            </p:spPr>
+            <p:txBody>
+              <a:bodyPr/>
+              <a:lstStyle/>
+              <a:p>
+                <a:r>
+                  <a:rPr lang="en-CA">
+                    <a:noFill/>
+                  </a:rPr>
+                  <a:t> </a:t>
+                </a:r>
+              </a:p>
+            </p:txBody>
+          </p:sp>
+        </mc:Fallback>
+      </mc:AlternateContent>
+      <p:cxnSp>
+        <p:nvCxnSpPr>
+          <p:cNvPr id="5" name="Straight Connector 4"/>
+          <p:cNvCxnSpPr/>
+          <p:nvPr/>
+        </p:nvCxnSpPr>
+        <p:spPr>
+          <a:xfrm flipH="1">
+            <a:off x="3224981" y="2546555"/>
+            <a:ext cx="845574" cy="1454739"/>
+          </a:xfrm>
+          <a:prstGeom prst="line">
+            <a:avLst/>
+          </a:prstGeom>
+        </p:spPr>
+        <p:style>
+          <a:lnRef idx="1">
+            <a:schemeClr val="accent1"/>
+          </a:lnRef>
+          <a:fillRef idx="0">
+            <a:schemeClr val="accent1"/>
+          </a:fillRef>
+          <a:effectRef idx="0">
+            <a:schemeClr val="accent1"/>
+          </a:effectRef>
+          <a:fontRef idx="minor">
+            <a:schemeClr val="tx1"/>
+          </a:fontRef>
+        </p:style>
+      </p:cxnSp>
+      <p:sp>
+        <p:nvSpPr>
+          <p:cNvPr id="8" name="TextBox 7"/>
+          <p:cNvSpPr txBox="1"/>
+          <p:nvPr/>
+        </p:nvSpPr>
+        <p:spPr>
+          <a:xfrm>
+            <a:off x="1897626" y="4001294"/>
+            <a:ext cx="2723531" cy="769441"/>
+          </a:xfrm>
+          <a:prstGeom prst="rect">
+            <a:avLst/>
+          </a:prstGeom>
+          <a:noFill/>
+        </p:spPr>
+        <p:txBody>
+          <a:bodyPr wrap="square" rtlCol="0">
+            <a:spAutoFit/>
+          </a:bodyPr>
+          <a:lstStyle/>
+          <a:p>
+            <a:pPr algn="ctr"/>
+            <a:r>
+              <a:rPr lang="en-CA" sz="2200" dirty="0" smtClean="0"/>
+              <a:t>W</a:t>
+            </a:r>
+            <a:r>
+              <a:rPr lang="en-CA" sz="2200" baseline="30000" dirty="0" smtClean="0">
+                <a:solidFill>
+                  <a:schemeClr val="accent1"/>
+                </a:solidFill>
+              </a:rPr>
+              <a:t>t+1</a:t>
+            </a:r>
+            <a:r>
+              <a:rPr lang="en-CA" sz="2200" dirty="0" smtClean="0"/>
+              <a:t> = approximation at iteration </a:t>
+            </a:r>
+            <a:r>
+              <a:rPr lang="en-CA" sz="2200" dirty="0" smtClean="0">
+                <a:solidFill>
+                  <a:schemeClr val="accent1"/>
+                </a:solidFill>
+              </a:rPr>
+              <a:t>t+1</a:t>
+            </a:r>
+            <a:endParaRPr lang="en-CA" sz="2200" dirty="0">
+              <a:solidFill>
+                <a:schemeClr val="accent1"/>
+              </a:solidFill>
+            </a:endParaRPr>
+          </a:p>
+        </p:txBody>
+      </p:sp>
+      <p:cxnSp>
+        <p:nvCxnSpPr>
+          <p:cNvPr id="9" name="Straight Connector 8"/>
+          <p:cNvCxnSpPr>
+            <a:endCxn id="10" idx="0"/>
+          </p:cNvCxnSpPr>
+          <p:nvPr/>
+        </p:nvCxnSpPr>
+        <p:spPr>
+          <a:xfrm>
+            <a:off x="5624052" y="2753032"/>
+            <a:ext cx="324468" cy="1248262"/>
+          </a:xfrm>
+          <a:prstGeom prst="line">
+            <a:avLst/>
+          </a:prstGeom>
+        </p:spPr>
+        <p:style>
+          <a:lnRef idx="1">
+            <a:schemeClr val="accent1"/>
+          </a:lnRef>
+          <a:fillRef idx="0">
+            <a:schemeClr val="accent1"/>
+          </a:fillRef>
+          <a:effectRef idx="0">
+            <a:schemeClr val="accent1"/>
+          </a:effectRef>
+          <a:fontRef idx="minor">
+            <a:schemeClr val="tx1"/>
+          </a:fontRef>
+        </p:style>
+      </p:cxnSp>
+      <p:sp>
+        <p:nvSpPr>
+          <p:cNvPr id="10" name="TextBox 9"/>
+          <p:cNvSpPr txBox="1"/>
+          <p:nvPr/>
+        </p:nvSpPr>
+        <p:spPr>
+          <a:xfrm>
+            <a:off x="4866971" y="4001294"/>
+            <a:ext cx="2163097" cy="430887"/>
+          </a:xfrm>
+          <a:prstGeom prst="rect">
+            <a:avLst/>
+          </a:prstGeom>
+          <a:noFill/>
+        </p:spPr>
+        <p:txBody>
+          <a:bodyPr wrap="square" rtlCol="0">
+            <a:spAutoFit/>
+          </a:bodyPr>
+          <a:lstStyle/>
+          <a:p>
+            <a:pPr algn="ctr"/>
+            <a:r>
+              <a:rPr lang="el-GR" sz="2200" dirty="0" smtClean="0">
+                <a:solidFill>
+                  <a:srgbClr val="C00000"/>
+                </a:solidFill>
+              </a:rPr>
+              <a:t>α</a:t>
+            </a:r>
+            <a:r>
+              <a:rPr lang="en-CA" sz="2200" dirty="0" smtClean="0"/>
+              <a:t> = step size</a:t>
+            </a:r>
+            <a:endParaRPr lang="en-CA" sz="2200" dirty="0">
+              <a:solidFill>
+                <a:schemeClr val="accent1"/>
+              </a:solidFill>
+            </a:endParaRPr>
+          </a:p>
+        </p:txBody>
+      </p:sp>
+      <p:cxnSp>
+        <p:nvCxnSpPr>
+          <p:cNvPr id="18" name="Straight Connector 17"/>
+          <p:cNvCxnSpPr>
+            <a:endCxn id="19" idx="0"/>
+          </p:cNvCxnSpPr>
+          <p:nvPr/>
+        </p:nvCxnSpPr>
+        <p:spPr>
+          <a:xfrm>
+            <a:off x="7574525" y="2753032"/>
+            <a:ext cx="1525233" cy="1248262"/>
+          </a:xfrm>
+          <a:prstGeom prst="line">
+            <a:avLst/>
+          </a:prstGeom>
+        </p:spPr>
+        <p:style>
+          <a:lnRef idx="1">
+            <a:schemeClr val="accent1"/>
+          </a:lnRef>
+          <a:fillRef idx="0">
+            <a:schemeClr val="accent1"/>
+          </a:fillRef>
+          <a:effectRef idx="0">
+            <a:schemeClr val="accent1"/>
+          </a:effectRef>
+          <a:fontRef idx="minor">
+            <a:schemeClr val="tx1"/>
+          </a:fontRef>
+        </p:style>
+      </p:cxnSp>
+      <mc:AlternateContent xmlns:mc="http://schemas.openxmlformats.org/markup-compatibility/2006" xmlns:a14="http://schemas.microsoft.com/office/drawing/2010/main">
+        <mc:Choice Requires="a14">
+          <p:sp>
+            <p:nvSpPr>
+              <p:cNvPr id="19" name="TextBox 18"/>
+              <p:cNvSpPr txBox="1"/>
+              <p:nvPr/>
+            </p:nvSpPr>
+            <p:spPr>
+              <a:xfrm>
+                <a:off x="8018209" y="4001294"/>
+                <a:ext cx="2163097" cy="1854418"/>
+              </a:xfrm>
+              <a:prstGeom prst="rect">
+                <a:avLst/>
+              </a:prstGeom>
+              <a:noFill/>
+            </p:spPr>
+            <p:txBody>
+              <a:bodyPr wrap="square" rtlCol="0">
+                <a:spAutoFit/>
+              </a:bodyPr>
+              <a:lstStyle/>
+              <a:p>
+                <a:pPr algn="ctr"/>
+                <a14:m>
+                  <m:oMath xmlns:m="http://schemas.openxmlformats.org/officeDocument/2006/math">
+                    <m:sSub>
+                      <m:sSubPr>
+                        <m:ctrlPr>
+                          <a:rPr lang="en-CA" sz="2400" i="1">
+                            <a:latin typeface="Cambria Math" panose="02040503050406030204" pitchFamily="18" charset="0"/>
+                          </a:rPr>
+                        </m:ctrlPr>
+                      </m:sSubPr>
+                      <m:e>
+                        <m:r>
+                          <a:rPr lang="en-CA" sz="2400" i="1">
+                            <a:latin typeface="Cambria Math" panose="02040503050406030204" pitchFamily="18" charset="0"/>
+                            <a:ea typeface="Cambria Math" panose="02040503050406030204" pitchFamily="18" charset="0"/>
+                          </a:rPr>
+                          <m:t>𝛻</m:t>
+                        </m:r>
+                      </m:e>
+                      <m:sub>
+                        <m:r>
+                          <a:rPr lang="en-CA" sz="2400" i="1">
+                            <a:latin typeface="Cambria Math" panose="02040503050406030204" pitchFamily="18" charset="0"/>
+                          </a:rPr>
+                          <m:t>𝑝</m:t>
+                        </m:r>
+                        <m:r>
+                          <a:rPr lang="en-CA" sz="2400" i="1">
+                            <a:latin typeface="Cambria Math" panose="02040503050406030204" pitchFamily="18" charset="0"/>
+                          </a:rPr>
+                          <m:t>(</m:t>
+                        </m:r>
+                        <m:r>
+                          <a:rPr lang="en-CA" sz="2400" i="1" smtClean="0">
+                            <a:solidFill>
+                              <a:schemeClr val="accent6"/>
+                            </a:solidFill>
+                            <a:latin typeface="Cambria Math" panose="02040503050406030204" pitchFamily="18" charset="0"/>
+                          </a:rPr>
+                          <m:t>𝑖</m:t>
+                        </m:r>
+                        <m:r>
+                          <a:rPr lang="en-CA" sz="2400" i="1">
+                            <a:latin typeface="Cambria Math" panose="02040503050406030204" pitchFamily="18" charset="0"/>
+                          </a:rPr>
+                          <m:t>,</m:t>
+                        </m:r>
+                        <m:r>
+                          <a:rPr lang="en-CA" sz="2400" i="1">
+                            <a:latin typeface="Cambria Math" panose="02040503050406030204" pitchFamily="18" charset="0"/>
+                          </a:rPr>
+                          <m:t>𝑡</m:t>
+                        </m:r>
+                        <m:r>
+                          <a:rPr lang="en-CA" sz="2400" i="1">
+                            <a:latin typeface="Cambria Math" panose="02040503050406030204" pitchFamily="18" charset="0"/>
+                          </a:rPr>
+                          <m:t>)</m:t>
+                        </m:r>
+                      </m:sub>
+                    </m:sSub>
+                    <m:r>
+                      <a:rPr lang="en-CA" sz="2400" i="1">
+                        <a:latin typeface="Cambria Math" panose="02040503050406030204" pitchFamily="18" charset="0"/>
+                        <a:ea typeface="Cambria Math" panose="02040503050406030204" pitchFamily="18" charset="0"/>
+                      </a:rPr>
+                      <m:t>𝑓</m:t>
+                    </m:r>
+                    <m:r>
+                      <a:rPr lang="en-CA" sz="2400" i="1">
+                        <a:latin typeface="Cambria Math" panose="02040503050406030204" pitchFamily="18" charset="0"/>
+                        <a:ea typeface="Cambria Math" panose="02040503050406030204" pitchFamily="18" charset="0"/>
+                      </a:rPr>
+                      <m:t>(</m:t>
+                    </m:r>
+                    <m:sSup>
+                      <m:sSupPr>
+                        <m:ctrlPr>
+                          <a:rPr lang="en-CA" sz="2400" i="1">
+                            <a:latin typeface="Cambria Math" panose="02040503050406030204" pitchFamily="18" charset="0"/>
+                            <a:ea typeface="Cambria Math" panose="02040503050406030204" pitchFamily="18" charset="0"/>
+                          </a:rPr>
+                        </m:ctrlPr>
+                      </m:sSupPr>
+                      <m:e>
+                        <m:r>
+                          <a:rPr lang="en-CA" sz="2400" i="1">
+                            <a:latin typeface="Cambria Math" panose="02040503050406030204" pitchFamily="18" charset="0"/>
+                            <a:ea typeface="Cambria Math" panose="02040503050406030204" pitchFamily="18" charset="0"/>
+                          </a:rPr>
+                          <m:t>𝑤</m:t>
+                        </m:r>
+                      </m:e>
+                      <m:sup>
+                        <m:r>
+                          <a:rPr lang="en-CA" sz="2400" i="1">
+                            <a:latin typeface="Cambria Math" panose="02040503050406030204" pitchFamily="18" charset="0"/>
+                            <a:ea typeface="Cambria Math" panose="02040503050406030204" pitchFamily="18" charset="0"/>
+                          </a:rPr>
+                          <m:t>𝑡</m:t>
+                        </m:r>
+                      </m:sup>
+                    </m:sSup>
+                    <m:r>
+                      <a:rPr lang="en-CA" sz="2400" i="1">
+                        <a:latin typeface="Cambria Math" panose="02040503050406030204" pitchFamily="18" charset="0"/>
+                        <a:ea typeface="Cambria Math" panose="02040503050406030204" pitchFamily="18" charset="0"/>
+                      </a:rPr>
+                      <m:t>)</m:t>
+                    </m:r>
+                  </m:oMath>
+                </a14:m>
+                <a:r>
+                  <a:rPr lang="en-CA" sz="2200" dirty="0" smtClean="0"/>
+                  <a:t> = gradient at </a:t>
+                </a:r>
+              </a:p>
+              <a:p>
+                <a:pPr algn="ctr"/>
+                <a:r>
+                  <a:rPr lang="en-CA" sz="2200" dirty="0" err="1" smtClean="0">
+                    <a:solidFill>
+                      <a:schemeClr val="accent6"/>
+                    </a:solidFill>
+                  </a:rPr>
+                  <a:t>i-th</a:t>
+                </a:r>
+                <a:r>
+                  <a:rPr lang="en-CA" sz="2200" dirty="0" smtClean="0"/>
+                  <a:t> randomly selected data point at time </a:t>
+                </a:r>
+                <a:r>
+                  <a:rPr lang="en-CA" sz="2200" dirty="0" smtClean="0">
+                    <a:solidFill>
+                      <a:schemeClr val="accent1"/>
+                    </a:solidFill>
+                  </a:rPr>
+                  <a:t>t</a:t>
+                </a:r>
+                <a:endParaRPr lang="en-CA" sz="2200" dirty="0">
+                  <a:solidFill>
+                    <a:schemeClr val="accent1"/>
+                  </a:solidFill>
+                </a:endParaRPr>
+              </a:p>
+            </p:txBody>
+          </p:sp>
+        </mc:Choice>
+        <mc:Fallback xmlns="">
+          <p:sp>
+            <p:nvSpPr>
+              <p:cNvPr id="19" name="TextBox 18"/>
+              <p:cNvSpPr txBox="1">
+                <a:spLocks noRot="1" noChangeAspect="1" noMove="1" noResize="1" noEditPoints="1" noAdjustHandles="1" noChangeArrowheads="1" noChangeShapeType="1" noTextEdit="1"/>
+              </p:cNvSpPr>
+              <p:nvPr/>
+            </p:nvSpPr>
+            <p:spPr>
+              <a:xfrm>
+                <a:off x="8018209" y="4001294"/>
+                <a:ext cx="2163097" cy="1854418"/>
+              </a:xfrm>
+              <a:prstGeom prst="rect">
+                <a:avLst/>
+              </a:prstGeom>
+              <a:blipFill rotWithShape="0">
+                <a:blip r:embed="rId3"/>
+                <a:stretch>
+                  <a:fillRect t="-328" r="-845" b="-5574"/>
+                </a:stretch>
+              </a:blipFill>
+            </p:spPr>
+            <p:txBody>
+              <a:bodyPr/>
+              <a:lstStyle/>
+              <a:p>
+                <a:r>
+                  <a:rPr lang="en-CA">
+                    <a:noFill/>
+                  </a:rPr>
+                  <a:t> </a:t>
+                </a:r>
+              </a:p>
+            </p:txBody>
+          </p:sp>
+        </mc:Fallback>
+      </mc:AlternateContent>
+    </p:spTree>
+    <p:extLst>
+      <p:ext uri="{BB962C8B-B14F-4D97-AF65-F5344CB8AC3E}">
+        <p14:creationId xmlns:p14="http://schemas.microsoft.com/office/powerpoint/2010/main" val="4019962113"/>
+      </p:ext>
+    </p:extLst>
+  </p:cSld>
+  <p:clrMapOvr>
+    <a:masterClrMapping/>
+  </p:clrMapOvr>
+  <mc:AlternateContent xmlns:mc="http://schemas.openxmlformats.org/markup-compatibility/2006" xmlns:p14="http://schemas.microsoft.com/office/powerpoint/2010/main">
+    <mc:Choice Requires="p14">
+      <p:transition spd="slow" p14:dur="2000"/>
+    </mc:Choice>
+    <mc:Fallback xmlns="">
+      <p:transition spd="slow"/>
+    </mc:Fallback>
+  </mc:AlternateContent>
+  <p:timing>
+    <p:tnLst>
+      <p:par>
+        <p:cTn id="1" dur="indefinite" restart="never" nodeType="tmRoot"/>
+      </p:par>
+    </p:tnLst>
+  </p:timing>
+</p:sld>
+</file>
+
+<file path=ppt/slides/slide5.xml><?xml version="1.0" encoding="utf-8"?>
+<p:sld xmlns:a="http://schemas.openxmlformats.org/drawingml/2006/main" xmlns:r="http://schemas.openxmlformats.org/officeDocument/2006/relationships" xmlns:p="http://schemas.openxmlformats.org/presentationml/2006/main">
+  <p:cSld>
+    <p:spTree>
+      <p:nvGrpSpPr>
+        <p:cNvPr id="1" name=""/>
+        <p:cNvGrpSpPr/>
+        <p:nvPr/>
+      </p:nvGrpSpPr>
+      <p:grpSpPr>
+        <a:xfrm>
+          <a:off x="0" y="0"/>
+          <a:ext cx="0" cy="0"/>
+          <a:chOff x="0" y="0"/>
+          <a:chExt cx="0" cy="0"/>
+        </a:xfrm>
+      </p:grpSpPr>
+      <p:sp>
+        <p:nvSpPr>
+          <p:cNvPr id="2" name="Title 1"/>
+          <p:cNvSpPr>
+            <a:spLocks noGrp="1"/>
+          </p:cNvSpPr>
+          <p:nvPr>
+            <p:ph type="title"/>
+          </p:nvPr>
+        </p:nvSpPr>
+        <p:spPr/>
+        <p:txBody>
+          <a:bodyPr/>
+          <a:lstStyle/>
+          <a:p>
+            <a:pPr algn="ctr"/>
+            <a:r>
+              <a:rPr lang="en-CA" dirty="0" smtClean="0"/>
+              <a:t>Background: Gradient Descent/ascent</a:t>
+            </a:r>
+            <a:endParaRPr lang="en-CA" dirty="0"/>
+          </a:p>
+        </p:txBody>
+      </p:sp>
+      <mc:AlternateContent xmlns:mc="http://schemas.openxmlformats.org/markup-compatibility/2006" xmlns:a14="http://schemas.microsoft.com/office/drawing/2010/main">
+        <mc:Choice Requires="a14">
+          <p:sp>
+            <p:nvSpPr>
+              <p:cNvPr id="3" name="Content Placeholder 2"/>
+              <p:cNvSpPr>
+                <a:spLocks noGrp="1"/>
+              </p:cNvSpPr>
+              <p:nvPr>
+                <p:ph idx="1"/>
+              </p:nvPr>
+            </p:nvSpPr>
+            <p:spPr/>
+            <p:txBody>
+              <a:bodyPr>
+                <a:normAutofit fontScale="92500" lnSpcReduction="10000"/>
+              </a:bodyPr>
+              <a:lstStyle/>
+              <a:p>
+                <a:pPr marL="0" indent="0">
+                  <a:buNone/>
+                </a:pPr>
+                <a14:m>
+                  <m:oMathPara xmlns:m="http://schemas.openxmlformats.org/officeDocument/2006/math">
+                    <m:oMathParaPr>
+                      <m:jc m:val="centerGroup"/>
+                    </m:oMathParaPr>
+                    <m:oMath xmlns:m="http://schemas.openxmlformats.org/officeDocument/2006/math">
+                      <m:sSup>
+                        <m:sSupPr>
+                          <m:ctrlPr>
+                            <a:rPr lang="en-CA" i="1" smtClean="0">
+                              <a:latin typeface="Cambria Math" panose="02040503050406030204" pitchFamily="18" charset="0"/>
+                              <a:ea typeface="Cambria Math" panose="02040503050406030204" pitchFamily="18" charset="0"/>
+                            </a:rPr>
+                          </m:ctrlPr>
+                        </m:sSupPr>
+                        <m:e>
+                          <m:r>
+                            <a:rPr lang="en-CA" i="1">
+                              <a:latin typeface="Cambria Math" panose="02040503050406030204" pitchFamily="18" charset="0"/>
+                              <a:ea typeface="Cambria Math" panose="02040503050406030204" pitchFamily="18" charset="0"/>
+                            </a:rPr>
+                            <m:t>𝑤</m:t>
+                          </m:r>
+                        </m:e>
+                        <m:sup>
+                          <m:r>
+                            <a:rPr lang="en-CA" b="0" i="1" smtClean="0">
+                              <a:solidFill>
+                                <a:schemeClr val="accent1"/>
+                              </a:solidFill>
+                              <a:latin typeface="Cambria Math" panose="02040503050406030204" pitchFamily="18" charset="0"/>
+                              <a:ea typeface="Cambria Math" panose="02040503050406030204" pitchFamily="18" charset="0"/>
+                            </a:rPr>
+                            <m:t>𝑡</m:t>
+                          </m:r>
+                          <m:r>
+                            <a:rPr lang="en-CA" b="0" i="1" smtClean="0">
+                              <a:solidFill>
+                                <a:schemeClr val="accent1"/>
+                              </a:solidFill>
+                              <a:latin typeface="Cambria Math" panose="02040503050406030204" pitchFamily="18" charset="0"/>
+                              <a:ea typeface="Cambria Math" panose="02040503050406030204" pitchFamily="18" charset="0"/>
+                            </a:rPr>
+                            <m:t>+1</m:t>
+                          </m:r>
+                        </m:sup>
+                      </m:sSup>
+                      <m:r>
+                        <a:rPr lang="en-CA" b="0" i="1" smtClean="0">
+                          <a:latin typeface="Cambria Math" panose="02040503050406030204" pitchFamily="18" charset="0"/>
+                          <a:ea typeface="Cambria Math" panose="02040503050406030204" pitchFamily="18" charset="0"/>
+                        </a:rPr>
+                        <m:t>=</m:t>
+                      </m:r>
+                      <m:sSup>
+                        <m:sSupPr>
+                          <m:ctrlPr>
+                            <a:rPr lang="en-CA" i="1" smtClean="0">
+                              <a:latin typeface="Cambria Math" panose="02040503050406030204" pitchFamily="18" charset="0"/>
+                              <a:ea typeface="Cambria Math" panose="02040503050406030204" pitchFamily="18" charset="0"/>
+                            </a:rPr>
+                          </m:ctrlPr>
+                        </m:sSupPr>
+                        <m:e>
+                          <m:r>
+                            <a:rPr lang="en-CA" i="1">
+                              <a:latin typeface="Cambria Math" panose="02040503050406030204" pitchFamily="18" charset="0"/>
+                              <a:ea typeface="Cambria Math" panose="02040503050406030204" pitchFamily="18" charset="0"/>
+                            </a:rPr>
+                            <m:t>𝑤</m:t>
+                          </m:r>
+                        </m:e>
+                        <m:sup>
+                          <m:r>
+                            <a:rPr lang="en-CA" i="1" smtClean="0">
+                              <a:solidFill>
+                                <a:schemeClr val="accent1"/>
+                              </a:solidFill>
+                              <a:latin typeface="Cambria Math" panose="02040503050406030204" pitchFamily="18" charset="0"/>
+                              <a:ea typeface="Cambria Math" panose="02040503050406030204" pitchFamily="18" charset="0"/>
+                            </a:rPr>
+                            <m:t>𝑡</m:t>
+                          </m:r>
+                        </m:sup>
+                      </m:sSup>
+                      <m:r>
+                        <a:rPr lang="en-CA" b="0" i="1" smtClean="0">
+                          <a:latin typeface="Cambria Math" panose="02040503050406030204" pitchFamily="18" charset="0"/>
+                        </a:rPr>
+                        <m:t>−</m:t>
+                      </m:r>
+                      <m:r>
+                        <a:rPr lang="en-CA" b="0" i="1" smtClean="0">
+                          <a:solidFill>
+                            <a:srgbClr val="C00000"/>
+                          </a:solidFill>
+                          <a:latin typeface="Cambria Math" panose="02040503050406030204" pitchFamily="18" charset="0"/>
+                          <a:ea typeface="Cambria Math" panose="02040503050406030204" pitchFamily="18" charset="0"/>
+                        </a:rPr>
+                        <m:t>𝛼</m:t>
+                      </m:r>
+                      <m:r>
+                        <a:rPr lang="en-CA" b="0" i="1" smtClean="0">
+                          <a:latin typeface="Cambria Math" panose="02040503050406030204" pitchFamily="18" charset="0"/>
+                        </a:rPr>
+                        <m:t>∗</m:t>
+                      </m:r>
+                      <m:d>
+                        <m:dPr>
+                          <m:ctrlPr>
+                            <a:rPr lang="en-CA" b="0" i="1" smtClean="0">
+                              <a:latin typeface="Cambria Math" panose="02040503050406030204" pitchFamily="18" charset="0"/>
+                            </a:rPr>
+                          </m:ctrlPr>
+                        </m:dPr>
+                        <m:e>
+                          <m:nary>
+                            <m:naryPr>
+                              <m:chr m:val="∑"/>
+                              <m:ctrlPr>
+                                <a:rPr lang="en-CA" i="1">
+                                  <a:latin typeface="Cambria Math" panose="02040503050406030204" pitchFamily="18" charset="0"/>
+                                </a:rPr>
+                              </m:ctrlPr>
+                            </m:naryPr>
+                            <m:sub>
+                              <m:r>
+                                <m:rPr>
+                                  <m:brk m:alnAt="23"/>
+                                </m:rPr>
+                                <a:rPr lang="en-CA" i="1">
+                                  <a:latin typeface="Cambria Math" panose="02040503050406030204" pitchFamily="18" charset="0"/>
+                                </a:rPr>
+                                <m:t>𝑖</m:t>
+                              </m:r>
+                              <m:r>
+                                <a:rPr lang="en-CA" i="1">
+                                  <a:latin typeface="Cambria Math" panose="02040503050406030204" pitchFamily="18" charset="0"/>
+                                </a:rPr>
+                                <m:t>=1</m:t>
+                              </m:r>
+                            </m:sub>
+                            <m:sup>
+                              <m:r>
+                                <a:rPr lang="en-CA" i="1">
+                                  <a:latin typeface="Cambria Math" panose="02040503050406030204" pitchFamily="18" charset="0"/>
+                                </a:rPr>
+                                <m:t>𝑏</m:t>
+                              </m:r>
+                            </m:sup>
+                            <m:e>
+                              <m:sSub>
+                                <m:sSubPr>
+                                  <m:ctrlPr>
+                                    <a:rPr lang="en-CA" i="1">
+                                      <a:latin typeface="Cambria Math" panose="02040503050406030204" pitchFamily="18" charset="0"/>
+                                    </a:rPr>
+                                  </m:ctrlPr>
+                                </m:sSubPr>
+                                <m:e>
+                                  <m:r>
+                                    <a:rPr lang="en-CA" i="1">
+                                      <a:latin typeface="Cambria Math" panose="02040503050406030204" pitchFamily="18" charset="0"/>
+                                      <a:ea typeface="Cambria Math" panose="02040503050406030204" pitchFamily="18" charset="0"/>
+                                    </a:rPr>
+                                    <m:t>𝛻</m:t>
+                                  </m:r>
+                                </m:e>
+                                <m:sub>
+                                  <m:r>
+                                    <a:rPr lang="en-CA" i="1">
+                                      <a:latin typeface="Cambria Math" panose="02040503050406030204" pitchFamily="18" charset="0"/>
+                                    </a:rPr>
+                                    <m:t>𝑝</m:t>
+                                  </m:r>
+                                  <m:r>
+                                    <a:rPr lang="en-CA" i="1">
+                                      <a:latin typeface="Cambria Math" panose="02040503050406030204" pitchFamily="18" charset="0"/>
+                                    </a:rPr>
+                                    <m:t>(</m:t>
+                                  </m:r>
+                                  <m:r>
+                                    <a:rPr lang="en-CA" i="1">
+                                      <a:solidFill>
+                                        <a:schemeClr val="accent6"/>
+                                      </a:solidFill>
+                                      <a:latin typeface="Cambria Math" panose="02040503050406030204" pitchFamily="18" charset="0"/>
+                                    </a:rPr>
+                                    <m:t>𝑖</m:t>
+                                  </m:r>
+                                  <m:r>
+                                    <a:rPr lang="en-CA" i="1">
+                                      <a:latin typeface="Cambria Math" panose="02040503050406030204" pitchFamily="18" charset="0"/>
+                                    </a:rPr>
+                                    <m:t>,</m:t>
+                                  </m:r>
+                                  <m:r>
+                                    <a:rPr lang="en-CA" i="1">
+                                      <a:solidFill>
+                                        <a:schemeClr val="accent1"/>
+                                      </a:solidFill>
+                                      <a:latin typeface="Cambria Math" panose="02040503050406030204" pitchFamily="18" charset="0"/>
+                                    </a:rPr>
+                                    <m:t>𝑡</m:t>
+                                  </m:r>
+                                  <m:r>
+                                    <a:rPr lang="en-CA" i="1">
+                                      <a:latin typeface="Cambria Math" panose="02040503050406030204" pitchFamily="18" charset="0"/>
+                                    </a:rPr>
+                                    <m:t>)</m:t>
+                                  </m:r>
+                                </m:sub>
+                              </m:sSub>
+                              <m:r>
+                                <a:rPr lang="en-CA" i="1">
+                                  <a:latin typeface="Cambria Math" panose="02040503050406030204" pitchFamily="18" charset="0"/>
+                                  <a:ea typeface="Cambria Math" panose="02040503050406030204" pitchFamily="18" charset="0"/>
+                                </a:rPr>
+                                <m:t>𝑓</m:t>
+                              </m:r>
+                              <m:r>
+                                <a:rPr lang="en-CA" i="1">
+                                  <a:latin typeface="Cambria Math" panose="02040503050406030204" pitchFamily="18" charset="0"/>
+                                  <a:ea typeface="Cambria Math" panose="02040503050406030204" pitchFamily="18" charset="0"/>
+                                </a:rPr>
+                                <m:t>(</m:t>
+                              </m:r>
+                              <m:sSup>
+                                <m:sSupPr>
+                                  <m:ctrlPr>
+                                    <a:rPr lang="en-CA" i="1">
+                                      <a:latin typeface="Cambria Math" panose="02040503050406030204" pitchFamily="18" charset="0"/>
+                                      <a:ea typeface="Cambria Math" panose="02040503050406030204" pitchFamily="18" charset="0"/>
+                                    </a:rPr>
+                                  </m:ctrlPr>
+                                </m:sSupPr>
+                                <m:e>
+                                  <m:r>
+                                    <a:rPr lang="en-CA" i="1">
+                                      <a:latin typeface="Cambria Math" panose="02040503050406030204" pitchFamily="18" charset="0"/>
+                                      <a:ea typeface="Cambria Math" panose="02040503050406030204" pitchFamily="18" charset="0"/>
+                                    </a:rPr>
+                                    <m:t>𝑤</m:t>
+                                  </m:r>
+                                </m:e>
+                                <m:sup>
+                                  <m:r>
+                                    <a:rPr lang="en-CA" i="1">
+                                      <a:latin typeface="Cambria Math" panose="02040503050406030204" pitchFamily="18" charset="0"/>
+                                      <a:ea typeface="Cambria Math" panose="02040503050406030204" pitchFamily="18" charset="0"/>
+                                    </a:rPr>
+                                    <m:t>𝑡</m:t>
+                                  </m:r>
+                                </m:sup>
+                              </m:sSup>
+                              <m:r>
+                                <a:rPr lang="en-CA" i="1">
+                                  <a:latin typeface="Cambria Math" panose="02040503050406030204" pitchFamily="18" charset="0"/>
+                                  <a:ea typeface="Cambria Math" panose="02040503050406030204" pitchFamily="18" charset="0"/>
+                                </a:rPr>
+                                <m:t>)</m:t>
+                              </m:r>
+                            </m:e>
+                          </m:nary>
+                        </m:e>
+                      </m:d>
+                    </m:oMath>
+                  </m:oMathPara>
+                </a14:m>
+                <a:endParaRPr lang="en-CA" dirty="0" smtClean="0"/>
+              </a:p>
+              <a:p>
+                <a:pPr marL="0" indent="0">
+                  <a:buNone/>
+                </a:pPr>
+                <a:endParaRPr lang="en-CA" dirty="0" smtClean="0"/>
+              </a:p>
+              <a:p>
+                <a:pPr marL="514350" indent="-514350">
+                  <a:buFont typeface="+mj-lt"/>
+                  <a:buAutoNum type="arabicPeriod"/>
+                </a:pPr>
+                <a:r>
+                  <a:rPr lang="en-CA" dirty="0" smtClean="0"/>
+                  <a:t>Full GD: pick all N data points, b = N</a:t>
+                </a:r>
+              </a:p>
+              <a:p>
+                <a:pPr lvl="1"/>
+                <a:r>
+                  <a:rPr lang="en-CA" dirty="0" smtClean="0"/>
+                  <a:t>Matrix </a:t>
+                </a:r>
+                <a:r>
+                  <a:rPr lang="en-CA" dirty="0"/>
+                  <a:t>Factorization: a data point is a rating in matrix M(</a:t>
+                </a:r>
+                <a:r>
+                  <a:rPr lang="en-CA" dirty="0" err="1"/>
+                  <a:t>user_i</a:t>
+                </a:r>
+                <a:r>
+                  <a:rPr lang="en-CA" dirty="0"/>
+                  <a:t>, </a:t>
+                </a:r>
+                <a:r>
+                  <a:rPr lang="en-CA" dirty="0" err="1"/>
+                  <a:t>item_j</a:t>
+                </a:r>
+                <a:r>
+                  <a:rPr lang="en-CA" dirty="0"/>
+                  <a:t>)</a:t>
+                </a:r>
+                <a:endParaRPr lang="en-CA" dirty="0" smtClean="0"/>
+              </a:p>
+              <a:p>
+                <a:pPr marL="514350" indent="-514350">
+                  <a:buFont typeface="+mj-lt"/>
+                  <a:buAutoNum type="arabicPeriod"/>
+                </a:pPr>
+                <a:r>
+                  <a:rPr lang="en-CA" dirty="0" smtClean="0"/>
+                  <a:t>Stochastic GD: </a:t>
+                </a:r>
+                <a:r>
+                  <a:rPr lang="en-CA" dirty="0"/>
+                  <a:t>randomly pick 1 data point </a:t>
+                </a:r>
+              </a:p>
+              <a:p>
+                <a:pPr lvl="1"/>
+                <a:r>
+                  <a:rPr lang="en-CA" dirty="0" smtClean="0"/>
+                  <a:t>Batching</a:t>
+                </a:r>
+                <a:r>
+                  <a:rPr lang="en-CA" dirty="0"/>
+                  <a:t>: pick </a:t>
+                </a:r>
+                <a:r>
+                  <a:rPr lang="en-CA" i="1" dirty="0"/>
+                  <a:t>b</a:t>
+                </a:r>
+                <a:r>
+                  <a:rPr lang="en-CA" dirty="0"/>
+                  <a:t> random </a:t>
+                </a:r>
+                <a:r>
+                  <a:rPr lang="en-CA" dirty="0" smtClean="0"/>
+                  <a:t>points; </a:t>
+                </a:r>
+                <a:r>
+                  <a:rPr lang="en-CA" dirty="0"/>
+                  <a:t>usually </a:t>
+                </a:r>
+                <a:r>
+                  <a:rPr lang="en-CA" dirty="0" smtClean="0"/>
+                  <a:t>b </a:t>
+                </a:r>
+                <a:r>
+                  <a:rPr lang="en-CA" dirty="0"/>
+                  <a:t>&lt;&lt; </a:t>
+                </a:r>
+                <a:r>
+                  <a:rPr lang="en-CA" dirty="0" smtClean="0"/>
+                  <a:t>N, e.g. b = 1</a:t>
+                </a:r>
+                <a:endParaRPr lang="en-CA" dirty="0"/>
+              </a:p>
+              <a:p>
+                <a:pPr marL="514350" indent="-514350">
+                  <a:buFont typeface="+mj-lt"/>
+                  <a:buAutoNum type="arabicPeriod"/>
+                </a:pPr>
+                <a:r>
+                  <a:rPr lang="en-CA" dirty="0" smtClean="0"/>
+                  <a:t>Stochastic Average GD</a:t>
+                </a:r>
+                <a:endParaRPr lang="en-CA" dirty="0"/>
+              </a:p>
+              <a:p>
+                <a:pPr lvl="1"/>
+                <a:r>
+                  <a:rPr lang="en-CA" dirty="0" smtClean="0"/>
+                  <a:t>Full </a:t>
+                </a:r>
+                <a:r>
+                  <a:rPr lang="en-CA" dirty="0"/>
+                  <a:t>GD </a:t>
+                </a:r>
+                <a:r>
+                  <a:rPr lang="en-CA" dirty="0" smtClean="0"/>
+                  <a:t>(N data points) in </a:t>
+                </a:r>
+                <a:r>
+                  <a:rPr lang="en-CA" dirty="0"/>
+                  <a:t>1st iteration</a:t>
+                </a:r>
+              </a:p>
+              <a:p>
+                <a:pPr lvl="1"/>
+                <a:r>
+                  <a:rPr lang="en-CA" dirty="0"/>
+                  <a:t>Stochastic </a:t>
+                </a:r>
+                <a:r>
+                  <a:rPr lang="en-CA" dirty="0" smtClean="0"/>
+                  <a:t>(1 or few data points) in </a:t>
+                </a:r>
+                <a:r>
+                  <a:rPr lang="en-CA" dirty="0"/>
+                  <a:t>subsequent </a:t>
+                </a:r>
+                <a:r>
+                  <a:rPr lang="en-CA" dirty="0" smtClean="0"/>
+                  <a:t>iterations, until convergence</a:t>
+                </a:r>
+                <a:endParaRPr lang="en-CA" dirty="0"/>
+              </a:p>
+              <a:p>
+                <a:pPr lvl="1"/>
+                <a:endParaRPr lang="en-CA" dirty="0" smtClean="0"/>
+              </a:p>
+              <a:p>
+                <a:pPr lvl="1"/>
+                <a:endParaRPr lang="en-CA" dirty="0" smtClean="0"/>
+              </a:p>
+              <a:p>
+                <a:endParaRPr lang="en-CA" dirty="0"/>
+              </a:p>
+              <a:p>
+                <a:endParaRPr lang="en-CA" dirty="0"/>
+              </a:p>
+            </p:txBody>
+          </p:sp>
+        </mc:Choice>
+        <mc:Fallback xmlns="">
+          <p:sp>
+            <p:nvSpPr>
+              <p:cNvPr id="3" name="Content Placeholder 2"/>
+              <p:cNvSpPr>
+                <a:spLocks noGrp="1" noRot="1" noChangeAspect="1" noMove="1" noResize="1" noEditPoints="1" noAdjustHandles="1" noChangeArrowheads="1" noChangeShapeType="1" noTextEdit="1"/>
+              </p:cNvSpPr>
+              <p:nvPr>
+                <p:ph idx="1"/>
+              </p:nvPr>
+            </p:nvSpPr>
+            <p:spPr>
+              <a:blipFill rotWithShape="0">
+                <a:blip r:embed="rId2"/>
+                <a:stretch>
+                  <a:fillRect l="-1101" b="-2801"/>
+                </a:stretch>
+              </a:blipFill>
+            </p:spPr>
+            <p:txBody>
+              <a:bodyPr/>
+              <a:lstStyle/>
+              <a:p>
+                <a:r>
+                  <a:rPr lang="en-CA">
+                    <a:noFill/>
+                  </a:rPr>
+                  <a:t> </a:t>
+                </a:r>
+              </a:p>
+            </p:txBody>
+          </p:sp>
+        </mc:Fallback>
+      </mc:AlternateContent>
+    </p:spTree>
+    <p:extLst>
+      <p:ext uri="{BB962C8B-B14F-4D97-AF65-F5344CB8AC3E}">
+        <p14:creationId xmlns:p14="http://schemas.microsoft.com/office/powerpoint/2010/main" val="2425552712"/>
+      </p:ext>
+    </p:extLst>
+  </p:cSld>
+  <p:clrMapOvr>
+    <a:masterClrMapping/>
+  </p:clrMapOvr>
+  <mc:AlternateContent xmlns:mc="http://schemas.openxmlformats.org/markup-compatibility/2006" xmlns:p14="http://schemas.microsoft.com/office/powerpoint/2010/main">
+    <mc:Choice Requires="p14">
+      <p:transition spd="slow" p14:dur="2000"/>
+    </mc:Choice>
+    <mc:Fallback xmlns="">
+      <p:transition spd="slow"/>
+    </mc:Fallback>
+  </mc:AlternateContent>
+  <p:timing>
+    <p:tnLst>
+      <p:par>
+        <p:cTn id="1" dur="indefinite" restart="never" nodeType="tmRoot"/>
+      </p:par>
+    </p:tnLst>
+  </p:timing>
+</p:sld>
+</file>
+
+<file path=ppt/slides/slide6.xml><?xml version="1.0" encoding="utf-8"?>
+<p:sld xmlns:a="http://schemas.openxmlformats.org/drawingml/2006/main" xmlns:r="http://schemas.openxmlformats.org/officeDocument/2006/relationships" xmlns:p="http://schemas.openxmlformats.org/presentationml/2006/main">
+  <p:cSld>
+    <p:spTree>
+      <p:nvGrpSpPr>
+        <p:cNvPr id="1" name=""/>
+        <p:cNvGrpSpPr/>
+        <p:nvPr/>
+      </p:nvGrpSpPr>
+      <p:grpSpPr>
+        <a:xfrm>
+          <a:off x="0" y="0"/>
+          <a:ext cx="0" cy="0"/>
+          <a:chOff x="0" y="0"/>
+          <a:chExt cx="0" cy="0"/>
+        </a:xfrm>
+      </p:grpSpPr>
+      <p:sp>
+        <p:nvSpPr>
+          <p:cNvPr id="2" name="Title 1"/>
+          <p:cNvSpPr>
+            <a:spLocks noGrp="1"/>
+          </p:cNvSpPr>
+          <p:nvPr>
+            <p:ph type="title"/>
+          </p:nvPr>
+        </p:nvSpPr>
+        <p:spPr/>
+        <p:txBody>
+          <a:bodyPr/>
+          <a:lstStyle/>
+          <a:p>
+            <a:pPr algn="ctr"/>
+            <a:r>
+              <a:rPr lang="en-CA" dirty="0" smtClean="0"/>
+              <a:t>Summary</a:t>
+            </a:r>
+            <a:endParaRPr lang="en-CA" dirty="0"/>
+          </a:p>
+        </p:txBody>
+      </p:sp>
+      <p:graphicFrame>
+        <p:nvGraphicFramePr>
+          <p:cNvPr id="4" name="Content Placeholder 3"/>
+          <p:cNvGraphicFramePr>
+            <a:graphicFrameLocks noGrp="1"/>
+          </p:cNvGraphicFramePr>
+          <p:nvPr>
+            <p:ph idx="1"/>
+            <p:extLst>
+              <p:ext uri="{D42A27DB-BD31-4B8C-83A1-F6EECF244321}">
+                <p14:modId xmlns:p14="http://schemas.microsoft.com/office/powerpoint/2010/main" val="1208091317"/>
+              </p:ext>
+            </p:extLst>
+          </p:nvPr>
+        </p:nvGraphicFramePr>
+        <p:xfrm>
+          <a:off x="838200" y="1825625"/>
+          <a:ext cx="10515602" cy="2291080"/>
+        </p:xfrm>
+        <a:graphic>
+          <a:graphicData uri="http://schemas.openxmlformats.org/drawingml/2006/table">
+            <a:tbl>
+              <a:tblPr firstRow="1" bandRow="1">
+                <a:tableStyleId>{5C22544A-7EE6-4342-B048-85BDC9FD1C3A}</a:tableStyleId>
+              </a:tblPr>
+              <a:tblGrid>
+                <a:gridCol w="1226574"/>
+                <a:gridCol w="2349910"/>
+                <a:gridCol w="2310581"/>
+                <a:gridCol w="1674835"/>
+                <a:gridCol w="2953702"/>
+              </a:tblGrid>
+              <a:tr h="370840">
+                <a:tc>
+                  <a:txBody>
+                    <a:bodyPr/>
+                    <a:lstStyle/>
+                    <a:p>
+                      <a:r>
+                        <a:rPr lang="en-CA" dirty="0" smtClean="0"/>
+                        <a:t>GD type</a:t>
+                      </a:r>
+                      <a:endParaRPr lang="en-CA" dirty="0"/>
+                    </a:p>
+                  </a:txBody>
+                  <a:tcPr/>
+                </a:tc>
+                <a:tc>
+                  <a:txBody>
+                    <a:bodyPr/>
+                    <a:lstStyle/>
+                    <a:p>
+                      <a:pPr algn="ctr"/>
+                      <a:r>
+                        <a:rPr lang="en-CA" dirty="0" smtClean="0"/>
+                        <a:t>Cost</a:t>
+                      </a:r>
+                      <a:r>
+                        <a:rPr lang="en-CA" baseline="0" dirty="0" smtClean="0"/>
+                        <a:t> per Iteration</a:t>
+                      </a:r>
+                      <a:endParaRPr lang="en-CA" dirty="0"/>
+                    </a:p>
+                  </a:txBody>
+                  <a:tcPr/>
+                </a:tc>
+                <a:tc>
+                  <a:txBody>
+                    <a:bodyPr/>
+                    <a:lstStyle/>
+                    <a:p>
+                      <a:pPr algn="ctr"/>
+                      <a:r>
+                        <a:rPr lang="en-CA" dirty="0" smtClean="0"/>
+                        <a:t>Convergence</a:t>
+                      </a:r>
+                    </a:p>
+                    <a:p>
+                      <a:pPr algn="ctr"/>
+                      <a:r>
+                        <a:rPr lang="en-CA" dirty="0" smtClean="0"/>
+                        <a:t>Rate</a:t>
+                      </a:r>
+                      <a:endParaRPr lang="en-CA" dirty="0"/>
+                    </a:p>
+                  </a:txBody>
+                  <a:tcPr/>
+                </a:tc>
+                <a:tc>
+                  <a:txBody>
+                    <a:bodyPr/>
+                    <a:lstStyle/>
+                    <a:p>
+                      <a:r>
+                        <a:rPr lang="en-CA" dirty="0" smtClean="0"/>
+                        <a:t>Error after convergence</a:t>
+                      </a:r>
+                      <a:endParaRPr lang="en-CA" dirty="0"/>
+                    </a:p>
+                  </a:txBody>
+                  <a:tcPr/>
+                </a:tc>
+                <a:tc>
+                  <a:txBody>
+                    <a:bodyPr/>
+                    <a:lstStyle/>
+                    <a:p>
+                      <a:pPr algn="ctr"/>
+                      <a:endParaRPr lang="en-CA" dirty="0"/>
+                    </a:p>
+                  </a:txBody>
+                  <a:tcPr/>
+                </a:tc>
+              </a:tr>
+              <a:tr h="370840">
+                <a:tc>
+                  <a:txBody>
+                    <a:bodyPr/>
+                    <a:lstStyle/>
+                    <a:p>
+                      <a:r>
+                        <a:rPr lang="en-CA" dirty="0" smtClean="0"/>
+                        <a:t>Full</a:t>
+                      </a:r>
+                      <a:endParaRPr lang="en-CA" dirty="0"/>
+                    </a:p>
+                  </a:txBody>
+                  <a:tcPr/>
+                </a:tc>
+                <a:tc>
+                  <a:txBody>
+                    <a:bodyPr/>
+                    <a:lstStyle/>
+                    <a:p>
+                      <a:pPr algn="ctr"/>
+                      <a:r>
+                        <a:rPr lang="en-CA" dirty="0" smtClean="0"/>
+                        <a:t>O(N): all N data</a:t>
+                      </a:r>
+                      <a:r>
+                        <a:rPr lang="en-CA" baseline="0" dirty="0" smtClean="0"/>
+                        <a:t> points</a:t>
+                      </a:r>
+                      <a:endParaRPr lang="en-CA" dirty="0"/>
+                    </a:p>
+                  </a:txBody>
+                  <a:tcPr/>
+                </a:tc>
+                <a:tc>
+                  <a:txBody>
+                    <a:bodyPr/>
+                    <a:lstStyle/>
+                    <a:p>
+                      <a:pPr algn="ctr"/>
+                      <a:r>
+                        <a:rPr lang="en-CA" dirty="0" smtClean="0"/>
+                        <a:t>Linear</a:t>
+                      </a:r>
+                      <a:endParaRPr lang="en-CA" dirty="0"/>
+                    </a:p>
+                  </a:txBody>
+                  <a:tcPr/>
+                </a:tc>
+                <a:tc>
+                  <a:txBody>
+                    <a:bodyPr/>
+                    <a:lstStyle/>
+                    <a:p>
+                      <a:r>
+                        <a:rPr lang="en-CA" dirty="0" smtClean="0"/>
+                        <a:t>Lowest</a:t>
+                      </a:r>
+                      <a:endParaRPr lang="en-CA" dirty="0"/>
+                    </a:p>
+                  </a:txBody>
+                  <a:tcPr/>
+                </a:tc>
+                <a:tc>
+                  <a:txBody>
+                    <a:bodyPr/>
+                    <a:lstStyle/>
+                    <a:p>
+                      <a:endParaRPr lang="en-CA" dirty="0"/>
+                    </a:p>
+                  </a:txBody>
+                  <a:tcPr/>
+                </a:tc>
+              </a:tr>
+              <a:tr h="370840">
+                <a:tc>
+                  <a:txBody>
+                    <a:bodyPr/>
+                    <a:lstStyle/>
+                    <a:p>
+                      <a:r>
+                        <a:rPr lang="en-CA" dirty="0" smtClean="0"/>
+                        <a:t>Stochastic</a:t>
+                      </a:r>
+                    </a:p>
+                    <a:p>
+                      <a:r>
+                        <a:rPr lang="en-CA" dirty="0" smtClean="0"/>
+                        <a:t>or</a:t>
+                      </a:r>
+                      <a:r>
+                        <a:rPr lang="en-CA" baseline="0" dirty="0" smtClean="0"/>
+                        <a:t> Batch</a:t>
+                      </a:r>
+                      <a:endParaRPr lang="en-CA" dirty="0"/>
+                    </a:p>
+                  </a:txBody>
+                  <a:tcPr/>
+                </a:tc>
+                <a:tc rowSpan="2">
+                  <a:txBody>
+                    <a:bodyPr/>
+                    <a:lstStyle/>
+                    <a:p>
+                      <a:pPr algn="ctr"/>
+                      <a:r>
+                        <a:rPr lang="en-CA" dirty="0" smtClean="0"/>
+                        <a:t>O(b): b</a:t>
+                      </a:r>
+                      <a:r>
+                        <a:rPr lang="en-CA" baseline="0" dirty="0" smtClean="0"/>
+                        <a:t> random points</a:t>
+                      </a:r>
+                    </a:p>
+                    <a:p>
+                      <a:pPr marL="0" marR="0" indent="0" algn="ctr" defTabSz="914400" rtl="0" eaLnBrk="1" fontAlgn="auto" latinLnBrk="0" hangingPunct="1">
+                        <a:lnSpc>
+                          <a:spcPct val="100000"/>
+                        </a:lnSpc>
+                        <a:spcBef>
+                          <a:spcPts val="0"/>
+                        </a:spcBef>
+                        <a:spcAft>
+                          <a:spcPts val="0"/>
+                        </a:spcAft>
+                        <a:buClrTx/>
+                        <a:buSzTx/>
+                        <a:buFontTx/>
+                        <a:buNone/>
+                        <a:tabLst/>
+                        <a:defRPr/>
+                      </a:pPr>
+                      <a:r>
+                        <a:rPr lang="en-CA" dirty="0" smtClean="0"/>
+                        <a:t>usually b &lt;&lt; N</a:t>
+                      </a:r>
+                    </a:p>
+                    <a:p>
+                      <a:pPr marL="0" marR="0" indent="0" algn="ctr" defTabSz="914400" rtl="0" eaLnBrk="1" fontAlgn="auto" latinLnBrk="0" hangingPunct="1">
+                        <a:lnSpc>
+                          <a:spcPct val="100000"/>
+                        </a:lnSpc>
+                        <a:spcBef>
+                          <a:spcPts val="0"/>
+                        </a:spcBef>
+                        <a:spcAft>
+                          <a:spcPts val="0"/>
+                        </a:spcAft>
+                        <a:buClrTx/>
+                        <a:buSzTx/>
+                        <a:buFontTx/>
+                        <a:buNone/>
+                        <a:tabLst/>
+                        <a:defRPr/>
+                      </a:pPr>
+                      <a:r>
+                        <a:rPr lang="en-CA" dirty="0" smtClean="0"/>
+                        <a:t>e.g. b=1</a:t>
+                      </a:r>
+                    </a:p>
+                  </a:txBody>
+                  <a:tcPr anchor="ctr"/>
+                </a:tc>
+                <a:tc>
+                  <a:txBody>
+                    <a:bodyPr/>
+                    <a:lstStyle/>
+                    <a:p>
+                      <a:pPr algn="ctr"/>
+                      <a:r>
+                        <a:rPr lang="en-CA" dirty="0" smtClean="0"/>
+                        <a:t>Sub-Linear</a:t>
+                      </a:r>
+                      <a:endParaRPr lang="en-CA" dirty="0"/>
+                    </a:p>
+                  </a:txBody>
+                  <a:tcPr/>
+                </a:tc>
+                <a:tc>
+                  <a:txBody>
+                    <a:bodyPr/>
+                    <a:lstStyle/>
+                    <a:p>
+                      <a:r>
+                        <a:rPr lang="en-CA" dirty="0" smtClean="0"/>
+                        <a:t>&gt;</a:t>
+                      </a:r>
+                      <a:r>
+                        <a:rPr lang="en-CA" baseline="0" dirty="0" smtClean="0"/>
+                        <a:t> Full GD</a:t>
+                      </a:r>
+                      <a:endParaRPr lang="en-CA" dirty="0"/>
+                    </a:p>
+                  </a:txBody>
+                  <a:tcPr/>
+                </a:tc>
+                <a:tc>
+                  <a:txBody>
+                    <a:bodyPr/>
+                    <a:lstStyle/>
+                    <a:p>
+                      <a:endParaRPr lang="en-CA" dirty="0"/>
+                    </a:p>
+                  </a:txBody>
+                  <a:tcPr/>
+                </a:tc>
+              </a:tr>
+              <a:tr h="370840">
+                <a:tc>
+                  <a:txBody>
+                    <a:bodyPr/>
+                    <a:lstStyle/>
+                    <a:p>
+                      <a:r>
+                        <a:rPr lang="en-CA" dirty="0" smtClean="0"/>
+                        <a:t>Stochastic Average</a:t>
+                      </a:r>
+                      <a:endParaRPr lang="en-CA" dirty="0"/>
+                    </a:p>
+                  </a:txBody>
+                  <a:tcPr/>
+                </a:tc>
+                <a:tc vMerge="1">
+                  <a:txBody>
+                    <a:bodyPr/>
+                    <a:lstStyle/>
+                    <a:p>
+                      <a:pPr algn="ctr"/>
+                      <a:endParaRPr lang="en-CA" dirty="0"/>
+                    </a:p>
+                  </a:txBody>
+                  <a:tcPr/>
+                </a:tc>
+                <a:tc>
+                  <a:txBody>
+                    <a:bodyPr/>
+                    <a:lstStyle/>
+                    <a:p>
+                      <a:pPr algn="ctr"/>
+                      <a:r>
+                        <a:rPr lang="en-CA" dirty="0" smtClean="0"/>
+                        <a:t>Linear</a:t>
+                      </a:r>
+                      <a:endParaRPr lang="en-CA" dirty="0"/>
+                    </a:p>
+                  </a:txBody>
+                  <a:tcPr/>
+                </a:tc>
+                <a:tc>
+                  <a:txBody>
+                    <a:bodyPr/>
+                    <a:lstStyle/>
+                    <a:p>
+                      <a:r>
+                        <a:rPr lang="en-CA" dirty="0" smtClean="0"/>
+                        <a:t>In</a:t>
+                      </a:r>
+                      <a:r>
+                        <a:rPr lang="en-CA" baseline="0" dirty="0" smtClean="0"/>
+                        <a:t> between</a:t>
+                      </a:r>
+                      <a:endParaRPr lang="en-CA" dirty="0"/>
+                    </a:p>
+                  </a:txBody>
+                  <a:tcPr/>
+                </a:tc>
+                <a:tc>
+                  <a:txBody>
+                    <a:bodyPr/>
+                    <a:lstStyle/>
+                    <a:p>
+                      <a:endParaRPr lang="en-CA" dirty="0"/>
+                    </a:p>
+                  </a:txBody>
+                  <a:tcPr/>
+                </a:tc>
+              </a:tr>
+            </a:tbl>
+          </a:graphicData>
+        </a:graphic>
+      </p:graphicFrame>
+    </p:spTree>
+    <p:extLst>
+      <p:ext uri="{BB962C8B-B14F-4D97-AF65-F5344CB8AC3E}">
+        <p14:creationId xmlns:p14="http://schemas.microsoft.com/office/powerpoint/2010/main" val="2974199963"/>
+      </p:ext>
+    </p:extLst>
+  </p:cSld>
+  <p:clrMapOvr>
+    <a:masterClrMapping/>
+  </p:clrMapOvr>
+  <p:timing>
+    <p:tnLst>
+      <p:par>
+        <p:cTn id="1" dur="indefinite" restart="never" nodeType="tmRoot"/>
+      </p:par>
+    </p:tnLst>
+  </p:timing>
+</p:sld>
+</file>
+
+<file path=ppt/slides/slide7.xml><?xml version="1.0" encoding="utf-8"?>
+<p:sld xmlns:a="http://schemas.openxmlformats.org/drawingml/2006/main" xmlns:r="http://schemas.openxmlformats.org/officeDocument/2006/relationships" xmlns:p="http://schemas.openxmlformats.org/presentationml/2006/main">
+  <p:cSld>
+    <p:spTree>
+      <p:nvGrpSpPr>
+        <p:cNvPr id="1" name=""/>
+        <p:cNvGrpSpPr/>
+        <p:nvPr/>
+      </p:nvGrpSpPr>
+      <p:grpSpPr>
+        <a:xfrm>
+          <a:off x="0" y="0"/>
+          <a:ext cx="0" cy="0"/>
+          <a:chOff x="0" y="0"/>
+          <a:chExt cx="0" cy="0"/>
+        </a:xfrm>
+      </p:grpSpPr>
+      <p:sp>
+        <p:nvSpPr>
+          <p:cNvPr id="2" name="Title 1"/>
+          <p:cNvSpPr>
+            <a:spLocks noGrp="1"/>
+          </p:cNvSpPr>
+          <p:nvPr>
+            <p:ph type="title"/>
+          </p:nvPr>
+        </p:nvSpPr>
+        <p:spPr/>
+        <p:txBody>
+          <a:bodyPr/>
+          <a:lstStyle/>
+          <a:p>
+            <a:pPr algn="ctr"/>
+            <a:r>
+              <a:rPr lang="en-CA" dirty="0" smtClean="0"/>
+              <a:t>Hypothesis: can GD be adaptive?</a:t>
+            </a:r>
+            <a:endParaRPr lang="en-CA" dirty="0"/>
+          </a:p>
+        </p:txBody>
+      </p:sp>
+      <p:sp>
+        <p:nvSpPr>
+          <p:cNvPr id="3" name="Content Placeholder 2"/>
+          <p:cNvSpPr>
+            <a:spLocks noGrp="1"/>
+          </p:cNvSpPr>
+          <p:nvPr>
+            <p:ph idx="1"/>
+          </p:nvPr>
+        </p:nvSpPr>
+        <p:spPr/>
+        <p:txBody>
+          <a:bodyPr/>
+          <a:lstStyle/>
+          <a:p>
+            <a:r>
+              <a:rPr lang="en-CA" dirty="0" smtClean="0"/>
+              <a:t>Analogy: I’m stuck in traffic, can I change lane or route?</a:t>
+            </a:r>
+            <a:endParaRPr lang="en-CA" dirty="0"/>
+          </a:p>
+        </p:txBody>
+      </p:sp>
+    </p:spTree>
+    <p:extLst>
+      <p:ext uri="{BB962C8B-B14F-4D97-AF65-F5344CB8AC3E}">
+        <p14:creationId xmlns:p14="http://schemas.microsoft.com/office/powerpoint/2010/main" val="1173577598"/>
+      </p:ext>
+    </p:extLst>
+  </p:cSld>
+  <p:clrMapOvr>
+    <a:masterClrMapping/>
+  </p:clrMapOvr>
+  <p:timing>
+    <p:tnLst>
+      <p:par>
+        <p:cTn id="1" dur="indefinite" restart="never" nodeType="tmRoot"/>
+      </p:par>
+    </p:tnLst>
+  </p:timing>
+</p:sld>
+</file>
+
 <file path=ppt/slides/slide8.xml><?xml version="1.0" encoding="utf-8"?>
 <p:sld xmlns:a="http://schemas.openxmlformats.org/drawingml/2006/main" xmlns:r="http://schemas.openxmlformats.org/officeDocument/2006/relationships" xmlns:p="http://schemas.openxmlformats.org/presentationml/2006/main">
   <p:cSld>
@@ -3731,7 +9129,7 @@
             <a:pPr algn="ctr"/>
             <a:r>
               <a:rPr lang="en-CA" dirty="0" smtClean="0"/>
-              <a:t>Conclusion</a:t>
+              <a:t>Challenges</a:t>
             </a:r>
             <a:endParaRPr lang="en-CA" dirty="0"/>
           </a:p>
@@ -3752,20 +9150,73 @@
           <a:bodyPr/>
           <a:lstStyle/>
           <a:p>
-            <a:endParaRPr lang="en-CA"/>
+            <a:pPr marL="514350" indent="-514350">
+              <a:buFont typeface="+mj-lt"/>
+              <a:buAutoNum type="arabicPeriod"/>
+            </a:pPr>
+            <a:r>
+              <a:rPr lang="en-CA" dirty="0" smtClean="0"/>
+              <a:t>Engineering: least effort</a:t>
+            </a:r>
+          </a:p>
+          <a:p>
+            <a:pPr lvl="1"/>
+            <a:r>
+              <a:rPr lang="en-CA" dirty="0" smtClean="0"/>
+              <a:t>Can I minimize the amount of additional implementation effort needed to be adaptive?</a:t>
+            </a:r>
+          </a:p>
+          <a:p>
+            <a:pPr lvl="1"/>
+            <a:r>
+              <a:rPr lang="en-CA" dirty="0" smtClean="0"/>
+              <a:t>How do I switch to another GD method when I want to?</a:t>
+            </a:r>
+          </a:p>
+          <a:p>
+            <a:pPr marL="514350" indent="-514350">
+              <a:buFont typeface="+mj-lt"/>
+              <a:buAutoNum type="arabicPeriod"/>
+            </a:pPr>
+            <a:r>
+              <a:rPr lang="en-CA" dirty="0" smtClean="0"/>
+              <a:t>Mathematical</a:t>
+            </a:r>
+          </a:p>
+          <a:p>
+            <a:pPr lvl="1"/>
+            <a:r>
+              <a:rPr lang="en-CA" dirty="0" smtClean="0"/>
+              <a:t>Are we in local minimum?</a:t>
+            </a:r>
+          </a:p>
+          <a:p>
+            <a:pPr lvl="1"/>
+            <a:r>
+              <a:rPr lang="en-CA" dirty="0" smtClean="0"/>
+              <a:t>How to get out?</a:t>
+            </a:r>
+            <a:endParaRPr lang="en-CA" dirty="0"/>
           </a:p>
         </p:txBody>
       </p:sp>
     </p:spTree>
     <p:extLst>
       <p:ext uri="{BB962C8B-B14F-4D97-AF65-F5344CB8AC3E}">
-        <p14:creationId xmlns:p14="http://schemas.microsoft.com/office/powerpoint/2010/main" val="2248130456"/>
+        <p14:creationId xmlns:p14="http://schemas.microsoft.com/office/powerpoint/2010/main" val="3444781819"/>
       </p:ext>
     </p:extLst>
   </p:cSld>
   <p:clrMapOvr>
     <a:masterClrMapping/>
   </p:clrMapOvr>
+  <p:timing>
+    <p:tnLst>
+      <p:par>
+        <p:cTn id="1" dur="indefinite" restart="never" nodeType="tmRoot"/>
+      </p:par>
+    </p:tnLst>
+  </p:timing>
 </p:sld>
 </file>
 
@@ -3798,126 +9249,133 @@
         </p:nvSpPr>
         <p:spPr/>
         <p:txBody>
-          <a:bodyPr>
-            <a:normAutofit/>
-          </a:bodyPr>
-          <a:lstStyle/>
-          <a:p>
-            <a:pPr algn="ctr"/>
-            <a:r>
-              <a:rPr lang="en-CA" dirty="0" smtClean="0"/>
-              <a:t>Future </a:t>
-            </a:r>
-            <a:r>
-              <a:rPr lang="en-CA" dirty="0"/>
-              <a:t>Work</a:t>
-            </a:r>
-            <a:r>
-              <a:rPr lang="en-CA" dirty="0" smtClean="0"/>
-              <a:t>: What </a:t>
-            </a:r>
-            <a:r>
-              <a:rPr lang="en-CA" dirty="0"/>
-              <a:t>do we do with </a:t>
-            </a:r>
-            <a:r>
-              <a:rPr lang="en-CA" dirty="0" err="1" smtClean="0"/>
-              <a:t>FlexMF</a:t>
-            </a:r>
-            <a:r>
-              <a:rPr lang="en-CA" dirty="0" smtClean="0"/>
-              <a:t>?</a:t>
-            </a:r>
-            <a:endParaRPr lang="en-CA" dirty="0"/>
-          </a:p>
-        </p:txBody>
-      </p:sp>
-      <p:sp>
-        <p:nvSpPr>
-          <p:cNvPr id="3" name="Content Placeholder 2"/>
-          <p:cNvSpPr>
-            <a:spLocks noGrp="1"/>
-          </p:cNvSpPr>
-          <p:nvPr>
-            <p:ph idx="1"/>
-          </p:nvPr>
-        </p:nvSpPr>
-        <p:spPr/>
-        <p:txBody>
           <a:bodyPr/>
           <a:lstStyle/>
           <a:p>
-            <a:pPr marL="0" indent="0" algn="ctr">
-              <a:buNone/>
-            </a:pPr>
-            <a:r>
-              <a:rPr lang="en-CA" dirty="0" smtClean="0"/>
-              <a:t>Greedy </a:t>
+            <a:pPr algn="ctr"/>
+            <a:r>
+              <a:rPr lang="en-CA" dirty="0" smtClean="0"/>
+              <a:t>Example: </a:t>
+            </a:r>
+            <a:r>
+              <a:rPr lang="en-CA" dirty="0" err="1" smtClean="0"/>
+              <a:t>CLiMF</a:t>
+            </a:r>
+            <a:r>
+              <a:rPr lang="en-CA" dirty="0" smtClean="0"/>
+              <a:t> @ </a:t>
+            </a:r>
+            <a:r>
+              <a:rPr lang="en-CA" dirty="0" err="1" smtClean="0"/>
+              <a:t>GitHub</a:t>
             </a:r>
             <a:r>
               <a:rPr lang="en-CA" dirty="0"/>
-              <a:t>Parallel </a:t>
-            </a:r>
-            <a:r>
-              <a:rPr lang="en-CA" dirty="0" smtClean="0"/>
-              <a:t>Descent/Ascent</a:t>
-            </a:r>
-            <a:endParaRPr lang="en-CA" dirty="0" smtClean="0"/>
-          </a:p>
-          <a:p>
-            <a:r>
-              <a:rPr lang="en-CA" dirty="0" smtClean="0"/>
-              <a:t>Problem</a:t>
-            </a:r>
-            <a:r>
-              <a:rPr lang="en-CA" dirty="0" smtClean="0"/>
-              <a:t>: Individual descent/ascent can be difficult to parallelize</a:t>
-            </a:r>
-          </a:p>
-          <a:p>
-            <a:r>
-              <a:rPr lang="en-CA" dirty="0" smtClean="0"/>
-              <a:t>Idea: can run multiple individual algorithms independently in parallel</a:t>
-            </a:r>
-          </a:p>
-          <a:p>
-            <a:pPr lvl="1"/>
-            <a:r>
-              <a:rPr lang="en-CA" dirty="0" smtClean="0"/>
-              <a:t>Pick the algorithm with the best convergence rate</a:t>
-            </a:r>
-          </a:p>
-          <a:p>
-            <a:r>
-              <a:rPr lang="en-CA" dirty="0" smtClean="0"/>
-              <a:t>Challenge: some algorithms are faster than others</a:t>
-            </a:r>
-          </a:p>
-          <a:p>
-            <a:pPr lvl="1"/>
-            <a:r>
-              <a:rPr lang="en-CA" dirty="0" smtClean="0"/>
-              <a:t>Run faster algorithms multiple times, wait for slowest to complete</a:t>
-            </a:r>
-          </a:p>
-          <a:p>
-            <a:r>
-              <a:rPr lang="en-CA" dirty="0" smtClean="0"/>
-              <a:t>Hypothesis: Greedy Parallel would be faster than Adaptive</a:t>
-            </a:r>
+              <a:t/>
+            </a:r>
+            <a:br>
+              <a:rPr lang="en-CA" dirty="0"/>
+            </a:br>
+            <a:r>
+              <a:rPr lang="en-CA" sz="2800" dirty="0">
+                <a:hlinkClick r:id="rId2"/>
+              </a:rPr>
+              <a:t>https://</a:t>
+            </a:r>
+            <a:r>
+              <a:rPr lang="en-CA" sz="2800" dirty="0" smtClean="0">
+                <a:hlinkClick r:id="rId2"/>
+              </a:rPr>
+              <a:t>github.com/gamboviol/climf</a:t>
+            </a:r>
+            <a:r>
+              <a:rPr lang="en-CA" sz="2800" dirty="0" smtClean="0"/>
+              <a:t> </a:t>
+            </a:r>
+            <a:endParaRPr lang="en-CA" sz="2800" dirty="0"/>
+          </a:p>
+        </p:txBody>
+      </p:sp>
+      <p:sp>
+        <p:nvSpPr>
+          <p:cNvPr id="3" name="Content Placeholder 2"/>
+          <p:cNvSpPr>
+            <a:spLocks noGrp="1"/>
+          </p:cNvSpPr>
+          <p:nvPr>
+            <p:ph idx="1"/>
+          </p:nvPr>
+        </p:nvSpPr>
+        <p:spPr/>
+        <p:txBody>
+          <a:bodyPr/>
+          <a:lstStyle/>
+          <a:p>
+            <a:r>
+              <a:rPr lang="en-CA" dirty="0" err="1" smtClean="0"/>
+              <a:t>CLiMF</a:t>
+            </a:r>
+            <a:r>
+              <a:rPr lang="en-CA" dirty="0" smtClean="0"/>
+              <a:t>: Collaborative Less is More Filtering (RecSys’12)</a:t>
+            </a:r>
+          </a:p>
+          <a:p>
+            <a:r>
+              <a:rPr lang="en-CA" dirty="0" smtClean="0"/>
+              <a:t>Optimize </a:t>
+            </a:r>
+            <a:r>
+              <a:rPr lang="en-CA" dirty="0"/>
+              <a:t>a Logistic function</a:t>
+            </a:r>
+          </a:p>
+          <a:p>
+            <a:r>
+              <a:rPr lang="en-CA" dirty="0" smtClean="0"/>
+              <a:t>Hard-coded to stochastic batch GD</a:t>
+            </a:r>
+          </a:p>
+          <a:p>
+            <a:r>
+              <a:rPr lang="en-CA" dirty="0" smtClean="0"/>
+              <a:t>Batch size is fixed to 1000</a:t>
+            </a:r>
+          </a:p>
+          <a:p>
+            <a:r>
+              <a:rPr lang="en-CA" dirty="0" smtClean="0"/>
+              <a:t>Step size is fixed to 0.0001</a:t>
+            </a:r>
+          </a:p>
+          <a:p>
+            <a:r>
+              <a:rPr lang="en-CA" dirty="0" smtClean="0"/>
+              <a:t>Lambda is fixed to 0.00001</a:t>
+            </a:r>
+          </a:p>
+          <a:p>
+            <a:endParaRPr lang="en-CA" dirty="0"/>
           </a:p>
         </p:txBody>
       </p:sp>
     </p:spTree>
     <p:extLst>
       <p:ext uri="{BB962C8B-B14F-4D97-AF65-F5344CB8AC3E}">
-        <p14:creationId xmlns:p14="http://schemas.microsoft.com/office/powerpoint/2010/main" val="153489664"/>
+        <p14:creationId xmlns:p14="http://schemas.microsoft.com/office/powerpoint/2010/main" val="3095535995"/>
       </p:ext>
     </p:extLst>
   </p:cSld>
   <p:clrMapOvr>
     <a:masterClrMapping/>
   </p:clrMapOvr>
+  <p:timing>
+    <p:tnLst>
+      <p:par>
+        <p:cTn id="1" dur="indefinite" restart="never" nodeType="tmRoot"/>
+      </p:par>
+    </p:tnLst>
+  </p:timing>
 </p:sld>
 </file>
 
@@ -4180,4 +9638,265 @@
     </a:ext>
   </a:extLst>
 </a:theme>
+</file>
+
+<file path=ppt/theme/theme2.xml><?xml version="1.0" encoding="utf-8"?>
+<a:theme xmlns:a="http://schemas.openxmlformats.org/drawingml/2006/main" name="Office Theme">
+  <a:themeElements>
+    <a:clrScheme name="Office">
+      <a:dk1>
+        <a:sysClr val="windowText" lastClr="000000"/>
+      </a:dk1>
+      <a:lt1>
+        <a:sysClr val="window" lastClr="FFFFFF"/>
+      </a:lt1>
+      <a:dk2>
+        <a:srgbClr val="44546A"/>
+      </a:dk2>
+      <a:lt2>
+        <a:srgbClr val="E7E6E6"/>
+      </a:lt2>
+      <a:accent1>
+        <a:srgbClr val="5B9BD5"/>
+      </a:accent1>
+      <a:accent2>
+        <a:srgbClr val="ED7D31"/>
+      </a:accent2>
+      <a:accent3>
+        <a:srgbClr val="A5A5A5"/>
+      </a:accent3>
+      <a:accent4>
+        <a:srgbClr val="FFC000"/>
+      </a:accent4>
+      <a:accent5>
+        <a:srgbClr val="4472C4"/>
+      </a:accent5>
+      <a:accent6>
+        <a:srgbClr val="70AD47"/>
+      </a:accent6>
+      <a:hlink>
+        <a:srgbClr val="0563C1"/>
+      </a:hlink>
+      <a:folHlink>
+        <a:srgbClr val="954F72"/>
+      </a:folHlink>
+    </a:clrScheme>
+    <a:fontScheme name="Office">
+      <a:majorFont>
+        <a:latin typeface="Calibri Light" panose="020F0302020204030204"/>
+        <a:ea typeface=""/>
+        <a:cs typeface=""/>
+        <a:font script="Jpan" typeface="ＭＳ Ｐゴシック"/>
+        <a:font script="Hang" typeface="맑은 고딕"/>
+        <a:font script="Hans" typeface="宋体"/>
+        <a:font script="Hant" typeface="新細明體"/>
+        <a:font script="Arab" typeface="Times New Roman"/>
+        <a:font script="Hebr" typeface="Times New Roman"/>
+        <a:font script="Thai" typeface="Angsana New"/>
+        <a:font script="Ethi" typeface="Nyala"/>
+        <a:font script="Beng" typeface="Vrinda"/>
+        <a:font script="Gujr" typeface="Shruti"/>
+        <a:font script="Khmr" typeface="MoolBoran"/>
+        <a:font script="Knda" typeface="Tunga"/>
+        <a:font script="Guru" typeface="Raavi"/>
+        <a:font script="Cans" typeface="Euphemia"/>
+        <a:font script="Cher" typeface="Plantagenet Cherokee"/>
+        <a:font script="Yiii" typeface="Microsoft Yi Baiti"/>
+        <a:font script="Tibt" typeface="Microsoft Himalaya"/>
+        <a:font script="Thaa" typeface="MV Boli"/>
+        <a:font script="Deva" typeface="Mangal"/>
+        <a:font script="Telu" typeface="Gautami"/>
+        <a:font script="Taml" typeface="Latha"/>
+        <a:font script="Syrc" typeface="Estrangelo Edessa"/>
+        <a:font script="Orya" typeface="Kalinga"/>
+        <a:font script="Mlym" typeface="Kartika"/>
+        <a:font script="Laoo" typeface="DokChampa"/>
+        <a:font script="Sinh" typeface="Iskoola Pota"/>
+        <a:font script="Mong" typeface="Mongolian Baiti"/>
+        <a:font script="Viet" typeface="Times New Roman"/>
+        <a:font script="Uigh" typeface="Microsoft Uighur"/>
+        <a:font script="Geor" typeface="Sylfaen"/>
+      </a:majorFont>
+      <a:minorFont>
+        <a:latin typeface="Calibri" panose="020F0502020204030204"/>
+        <a:ea typeface=""/>
+        <a:cs typeface=""/>
+        <a:font script="Jpan" typeface="ＭＳ Ｐゴシック"/>
+        <a:font script="Hang" typeface="맑은 고딕"/>
+        <a:font script="Hans" typeface="宋体"/>
+        <a:font script="Hant" typeface="新細明體"/>
+        <a:font script="Arab" typeface="Arial"/>
+        <a:font script="Hebr" typeface="Arial"/>
+        <a:font script="Thai" typeface="Cordia New"/>
+        <a:font script="Ethi" typeface="Nyala"/>
+        <a:font script="Beng" typeface="Vrinda"/>
+        <a:font script="Gujr" typeface="Shruti"/>
+        <a:font script="Khmr" typeface="DaunPenh"/>
+        <a:font script="Knda" typeface="Tunga"/>
+        <a:font script="Guru" typeface="Raavi"/>
+        <a:font script="Cans" typeface="Euphemia"/>
+        <a:font script="Cher" typeface="Plantagenet Cherokee"/>
+        <a:font script="Yiii" typeface="Microsoft Yi Baiti"/>
+        <a:font script="Tibt" typeface="Microsoft Himalaya"/>
+        <a:font script="Thaa" typeface="MV Boli"/>
+        <a:font script="Deva" typeface="Mangal"/>
+        <a:font script="Telu" typeface="Gautami"/>
+        <a:font script="Taml" typeface="Latha"/>
+        <a:font script="Syrc" typeface="Estrangelo Edessa"/>
+        <a:font script="Orya" typeface="Kalinga"/>
+        <a:font script="Mlym" typeface="Kartika"/>
+        <a:font script="Laoo" typeface="DokChampa"/>
+        <a:font script="Sinh" typeface="Iskoola Pota"/>
+        <a:font script="Mong" typeface="Mongolian Baiti"/>
+        <a:font script="Viet" typeface="Arial"/>
+        <a:font script="Uigh" typeface="Microsoft Uighur"/>
+        <a:font script="Geor" typeface="Sylfaen"/>
+      </a:minorFont>
+    </a:fontScheme>
+    <a:fmtScheme name="Office">
+      <a:fillStyleLst>
+        <a:solidFill>
+          <a:schemeClr val="phClr"/>
+        </a:solidFill>
+        <a:gradFill rotWithShape="1">
+          <a:gsLst>
+            <a:gs pos="0">
+              <a:schemeClr val="phClr">
+                <a:lumMod val="110000"/>
+                <a:satMod val="105000"/>
+                <a:tint val="67000"/>
+              </a:schemeClr>
+            </a:gs>
+            <a:gs pos="50000">
+              <a:schemeClr val="phClr">
+                <a:lumMod val="105000"/>
+                <a:satMod val="103000"/>
+                <a:tint val="73000"/>
+              </a:schemeClr>
+            </a:gs>
+            <a:gs pos="100000">
+              <a:schemeClr val="phClr">
+                <a:lumMod val="105000"/>
+                <a:satMod val="109000"/>
+                <a:tint val="81000"/>
+              </a:schemeClr>
+            </a:gs>
+          </a:gsLst>
+          <a:lin ang="5400000" scaled="0"/>
+        </a:gradFill>
+        <a:gradFill rotWithShape="1">
+          <a:gsLst>
+            <a:gs pos="0">
+              <a:schemeClr val="phClr">
+                <a:satMod val="103000"/>
+                <a:lumMod val="102000"/>
+                <a:tint val="94000"/>
+              </a:schemeClr>
+            </a:gs>
+            <a:gs pos="50000">
+              <a:schemeClr val="phClr">
+                <a:satMod val="110000"/>
+                <a:lumMod val="100000"/>
+                <a:shade val="100000"/>
+              </a:schemeClr>
+            </a:gs>
+            <a:gs pos="100000">
+              <a:schemeClr val="phClr">
+                <a:lumMod val="99000"/>
+                <a:satMod val="120000"/>
+                <a:shade val="78000"/>
+              </a:schemeClr>
+            </a:gs>
+          </a:gsLst>
+          <a:lin ang="5400000" scaled="0"/>
+        </a:gradFill>
+      </a:fillStyleLst>
+      <a:lnStyleLst>
+        <a:ln w="6350" cap="flat" cmpd="sng" algn="ctr">
+          <a:solidFill>
+            <a:schemeClr val="phClr"/>
+          </a:solidFill>
+          <a:prstDash val="solid"/>
+          <a:miter lim="800000"/>
+        </a:ln>
+        <a:ln w="12700" cap="flat" cmpd="sng" algn="ctr">
+          <a:solidFill>
+            <a:schemeClr val="phClr"/>
+          </a:solidFill>
+          <a:prstDash val="solid"/>
+          <a:miter lim="800000"/>
+        </a:ln>
+        <a:ln w="19050" cap="flat" cmpd="sng" algn="ctr">
+          <a:solidFill>
+            <a:schemeClr val="phClr"/>
+          </a:solidFill>
+          <a:prstDash val="solid"/>
+          <a:miter lim="800000"/>
+        </a:ln>
+      </a:lnStyleLst>
+      <a:effectStyleLst>
+        <a:effectStyle>
+          <a:effectLst/>
+        </a:effectStyle>
+        <a:effectStyle>
+          <a:effectLst/>
+        </a:effectStyle>
+        <a:effectStyle>
+          <a:effectLst>
+            <a:outerShdw blurRad="57150" dist="19050" dir="5400000" algn="ctr" rotWithShape="0">
+              <a:srgbClr val="000000">
+                <a:alpha val="63000"/>
+              </a:srgbClr>
+            </a:outerShdw>
+          </a:effectLst>
+        </a:effectStyle>
+      </a:effectStyleLst>
+      <a:bgFillStyleLst>
+        <a:solidFill>
+          <a:schemeClr val="phClr"/>
+        </a:solidFill>
+        <a:solidFill>
+          <a:schemeClr val="phClr">
+            <a:tint val="95000"/>
+            <a:satMod val="170000"/>
+          </a:schemeClr>
+        </a:solidFill>
+        <a:gradFill rotWithShape="1">
+          <a:gsLst>
+            <a:gs pos="0">
+              <a:schemeClr val="phClr">
+                <a:tint val="93000"/>
+                <a:satMod val="150000"/>
+                <a:shade val="98000"/>
+                <a:lumMod val="102000"/>
+              </a:schemeClr>
+            </a:gs>
+            <a:gs pos="50000">
+              <a:schemeClr val="phClr">
+                <a:tint val="98000"/>
+                <a:satMod val="130000"/>
+                <a:shade val="90000"/>
+                <a:lumMod val="103000"/>
+              </a:schemeClr>
+            </a:gs>
+            <a:gs pos="100000">
+              <a:schemeClr val="phClr">
+                <a:shade val="63000"/>
+                <a:satMod val="120000"/>
+              </a:schemeClr>
+            </a:gs>
+          </a:gsLst>
+          <a:lin ang="5400000" scaled="0"/>
+        </a:gradFill>
+      </a:bgFillStyleLst>
+    </a:fmtScheme>
+  </a:themeElements>
+  <a:objectDefaults/>
+  <a:extraClrSchemeLst/>
+  <a:extLst>
+    <a:ext uri="{05A4C25C-085E-4340-85A3-A5531E510DB2}">
+      <thm15:themeFamily xmlns:thm15="http://schemas.microsoft.com/office/thememl/2012/main" name="Office Theme" id="{62F939B6-93AF-4DB8-9C6B-D6C7DFDC589F}" vid="{4A3C46E8-61CC-4603-A589-7422A47A8E4A}"/>
+    </a:ext>
+  </a:extLst>
+</a:theme>
 </file>